--- a/docs/cc_project_premilinary.pptx
+++ b/docs/cc_project_premilinary.pptx
@@ -5,18 +5,21 @@
     <p:sldMasterId id="2147493455" r:id="rId4"/>
   </p:sldMasterIdLst>
   <p:notesMasterIdLst>
-    <p:notesMasterId r:id="rId11"/>
+    <p:notesMasterId r:id="rId14"/>
   </p:notesMasterIdLst>
   <p:handoutMasterIdLst>
-    <p:handoutMasterId r:id="rId12"/>
+    <p:handoutMasterId r:id="rId15"/>
   </p:handoutMasterIdLst>
   <p:sldIdLst>
     <p:sldId id="314" r:id="rId5"/>
     <p:sldId id="317" r:id="rId6"/>
     <p:sldId id="323" r:id="rId7"/>
-    <p:sldId id="331" r:id="rId8"/>
-    <p:sldId id="328" r:id="rId9"/>
-    <p:sldId id="322" r:id="rId10"/>
+    <p:sldId id="334" r:id="rId8"/>
+    <p:sldId id="332" r:id="rId9"/>
+    <p:sldId id="335" r:id="rId10"/>
+    <p:sldId id="337" r:id="rId11"/>
+    <p:sldId id="336" r:id="rId12"/>
+    <p:sldId id="322" r:id="rId13"/>
   </p:sldIdLst>
   <p:sldSz cx="9144000" cy="5143500" type="screen16x9"/>
   <p:notesSz cx="6858000" cy="9144000"/>
@@ -151,11 +154,17 @@
 <file path=ppt/revisionInfo.xml><?xml version="1.0" encoding="utf-8"?>
 <p1510:revInfo xmlns:a="http://schemas.openxmlformats.org/drawingml/2006/main" xmlns:r="http://schemas.openxmlformats.org/officeDocument/2006/relationships" xmlns:p1510="http://schemas.microsoft.com/office/powerpoint/2015/10/main">
   <p1510:revLst>
+    <p1510:client id="{02D7AD42-68AF-FB0A-6DFD-897A73D5871A}" v="71" dt="2023-12-04T19:58:07.004"/>
+    <p1510:client id="{0F2260AE-1134-145B-56CF-B6514344AD2E}" v="1027" dt="2023-12-04T19:55:16.227"/>
+    <p1510:client id="{293EE36C-2A5D-42B2-A08A-2FF7EC85B27F}" v="4" dt="2023-12-03T01:33:52.372"/>
     <p1510:client id="{345D9B78-EA17-4199-BFB8-F45A7657EC2B}" v="91" dt="2023-10-22T21:34:09.668"/>
+    <p1510:client id="{39321669-5C70-44C1-909E-64054D4E54DF}" v="1" dt="2023-12-04T20:54:05.006"/>
+    <p1510:client id="{6A8CDB79-65A0-4285-B354-9C01490C985E}" v="161" dt="2023-12-04T19:23:17.066"/>
     <p1510:client id="{6E6EB986-E468-46FE-98BE-904FC084C30C}" v="160" dt="2023-10-23T19:30:48.234"/>
     <p1510:client id="{73C4DC04-50F1-406E-9FDD-37D06597FF7F}" v="873" dt="2023-10-23T18:27:43.180"/>
     <p1510:client id="{743EE1C2-1E0F-4D5B-BD21-8DA7BA68BE99}" v="554" dt="2023-10-23T18:10:54.300"/>
     <p1510:client id="{80556B86-6079-4223-98A1-9B847B67D293}" v="31" dt="2023-10-23T18:14:22.619"/>
+    <p1510:client id="{92FC6960-DE0B-460F-A55A-2F38390967D2}" v="840" dt="2023-12-04T19:56:22.132"/>
     <p1510:client id="{DF6B40DD-B7CE-4D78-A9E4-331D5321EE56}" v="5" dt="2023-10-20T22:23:39.563"/>
   </p1510:revLst>
 </p1510:revInfo>
@@ -163,6 +172,677 @@
 
 <file path=ppt/changesInfos/changesInfo1.xml><?xml version="1.0" encoding="utf-8"?>
 <pc:chgInfo xmlns:a="http://schemas.openxmlformats.org/drawingml/2006/main" xmlns:r="http://schemas.openxmlformats.org/officeDocument/2006/relationships" xmlns:ac="http://schemas.microsoft.com/office/drawing/2013/main/command" xmlns:pc="http://schemas.microsoft.com/office/powerpoint/2013/main/command">
+  <pc:docChgLst>
+    <pc:chgData name="Chavan, Siddhesh Suhas" userId="S::sschavan@iu.edu::1999ced8-5107-46d8-831c-c339c9ba1243" providerId="AD" clId="Web-{6E6EB986-E468-46FE-98BE-904FC084C30C}"/>
+    <pc:docChg chg="modSld">
+      <pc:chgData name="Chavan, Siddhesh Suhas" userId="S::sschavan@iu.edu::1999ced8-5107-46d8-831c-c339c9ba1243" providerId="AD" clId="Web-{6E6EB986-E468-46FE-98BE-904FC084C30C}" dt="2023-10-23T18:00:41.840" v="147" actId="20577"/>
+      <pc:docMkLst>
+        <pc:docMk/>
+      </pc:docMkLst>
+      <pc:sldChg chg="modSp">
+        <pc:chgData name="Chavan, Siddhesh Suhas" userId="S::sschavan@iu.edu::1999ced8-5107-46d8-831c-c339c9ba1243" providerId="AD" clId="Web-{6E6EB986-E468-46FE-98BE-904FC084C30C}" dt="2023-10-23T17:34:32.917" v="5" actId="20577"/>
+        <pc:sldMkLst>
+          <pc:docMk/>
+          <pc:sldMk cId="2144012005" sldId="317"/>
+        </pc:sldMkLst>
+        <pc:spChg chg="mod">
+          <ac:chgData name="Chavan, Siddhesh Suhas" userId="S::sschavan@iu.edu::1999ced8-5107-46d8-831c-c339c9ba1243" providerId="AD" clId="Web-{6E6EB986-E468-46FE-98BE-904FC084C30C}" dt="2023-10-23T17:34:32.917" v="5" actId="20577"/>
+          <ac:spMkLst>
+            <pc:docMk/>
+            <pc:sldMk cId="2144012005" sldId="317"/>
+            <ac:spMk id="4" creationId="{00000000-0000-0000-0000-000000000000}"/>
+          </ac:spMkLst>
+        </pc:spChg>
+      </pc:sldChg>
+      <pc:sldChg chg="modSp">
+        <pc:chgData name="Chavan, Siddhesh Suhas" userId="S::sschavan@iu.edu::1999ced8-5107-46d8-831c-c339c9ba1243" providerId="AD" clId="Web-{6E6EB986-E468-46FE-98BE-904FC084C30C}" dt="2023-10-23T17:43:55.955" v="131" actId="20577"/>
+        <pc:sldMkLst>
+          <pc:docMk/>
+          <pc:sldMk cId="708226800" sldId="323"/>
+        </pc:sldMkLst>
+        <pc:spChg chg="mod">
+          <ac:chgData name="Chavan, Siddhesh Suhas" userId="S::sschavan@iu.edu::1999ced8-5107-46d8-831c-c339c9ba1243" providerId="AD" clId="Web-{6E6EB986-E468-46FE-98BE-904FC084C30C}" dt="2023-10-23T17:43:55.955" v="131" actId="20577"/>
+          <ac:spMkLst>
+            <pc:docMk/>
+            <pc:sldMk cId="708226800" sldId="323"/>
+            <ac:spMk id="4" creationId="{00000000-0000-0000-0000-000000000000}"/>
+          </ac:spMkLst>
+        </pc:spChg>
+      </pc:sldChg>
+      <pc:sldChg chg="addSp modSp">
+        <pc:chgData name="Chavan, Siddhesh Suhas" userId="S::sschavan@iu.edu::1999ced8-5107-46d8-831c-c339c9ba1243" providerId="AD" clId="Web-{6E6EB986-E468-46FE-98BE-904FC084C30C}" dt="2023-10-23T18:00:41.840" v="147" actId="20577"/>
+        <pc:sldMkLst>
+          <pc:docMk/>
+          <pc:sldMk cId="4067283307" sldId="331"/>
+        </pc:sldMkLst>
+        <pc:spChg chg="add mod">
+          <ac:chgData name="Chavan, Siddhesh Suhas" userId="S::sschavan@iu.edu::1999ced8-5107-46d8-831c-c339c9ba1243" providerId="AD" clId="Web-{6E6EB986-E468-46FE-98BE-904FC084C30C}" dt="2023-10-23T18:00:41.840" v="147" actId="20577"/>
+          <ac:spMkLst>
+            <pc:docMk/>
+            <pc:sldMk cId="4067283307" sldId="331"/>
+            <ac:spMk id="6" creationId="{2AC4CB2E-F5A7-7A37-E50D-5BDE06335FA4}"/>
+          </ac:spMkLst>
+        </pc:spChg>
+        <pc:picChg chg="mod">
+          <ac:chgData name="Chavan, Siddhesh Suhas" userId="S::sschavan@iu.edu::1999ced8-5107-46d8-831c-c339c9ba1243" providerId="AD" clId="Web-{6E6EB986-E468-46FE-98BE-904FC084C30C}" dt="2023-10-23T17:51:53.006" v="132" actId="1076"/>
+          <ac:picMkLst>
+            <pc:docMk/>
+            <pc:sldMk cId="4067283307" sldId="331"/>
+            <ac:picMk id="21" creationId="{05ADAC8C-46FC-D40E-FB6A-7465E9CB6718}"/>
+          </ac:picMkLst>
+        </pc:picChg>
+      </pc:sldChg>
+    </pc:docChg>
+  </pc:docChgLst>
+  <pc:docChgLst>
+    <pc:chgData name="Gummudala, Hymavathi" userId="S::hygumm@iu.edu::86fad630-273f-46cc-aba5-59bf22de68d6" providerId="AD" clId="Web-{345D9B78-EA17-4199-BFB8-F45A7657EC2B}"/>
+    <pc:docChg chg="addSld modSld">
+      <pc:chgData name="Gummudala, Hymavathi" userId="S::hygumm@iu.edu::86fad630-273f-46cc-aba5-59bf22de68d6" providerId="AD" clId="Web-{345D9B78-EA17-4199-BFB8-F45A7657EC2B}" dt="2023-10-22T21:34:09.668" v="90" actId="20577"/>
+      <pc:docMkLst>
+        <pc:docMk/>
+      </pc:docMkLst>
+      <pc:sldChg chg="modSp new">
+        <pc:chgData name="Gummudala, Hymavathi" userId="S::hygumm@iu.edu::86fad630-273f-46cc-aba5-59bf22de68d6" providerId="AD" clId="Web-{345D9B78-EA17-4199-BFB8-F45A7657EC2B}" dt="2023-10-22T21:34:09.668" v="90" actId="20577"/>
+        <pc:sldMkLst>
+          <pc:docMk/>
+          <pc:sldMk cId="2166209490" sldId="326"/>
+        </pc:sldMkLst>
+        <pc:spChg chg="mod">
+          <ac:chgData name="Gummudala, Hymavathi" userId="S::hygumm@iu.edu::86fad630-273f-46cc-aba5-59bf22de68d6" providerId="AD" clId="Web-{345D9B78-EA17-4199-BFB8-F45A7657EC2B}" dt="2023-10-22T21:34:09.668" v="90" actId="20577"/>
+          <ac:spMkLst>
+            <pc:docMk/>
+            <pc:sldMk cId="2166209490" sldId="326"/>
+            <ac:spMk id="2" creationId="{28D2AE92-516D-E391-B54A-E16CA789C541}"/>
+          </ac:spMkLst>
+        </pc:spChg>
+      </pc:sldChg>
+    </pc:docChg>
+  </pc:docChgLst>
+  <pc:docChgLst>
+    <pc:chgData name="Gummudala, Hymavathi" userId="S::hygumm@iu.edu::86fad630-273f-46cc-aba5-59bf22de68d6" providerId="AD" clId="Web-{743EE1C2-1E0F-4D5B-BD21-8DA7BA68BE99}"/>
+    <pc:docChg chg="addSld delSld modSld">
+      <pc:chgData name="Gummudala, Hymavathi" userId="S::hygumm@iu.edu::86fad630-273f-46cc-aba5-59bf22de68d6" providerId="AD" clId="Web-{743EE1C2-1E0F-4D5B-BD21-8DA7BA68BE99}" dt="2023-10-23T18:10:54.300" v="533" actId="20577"/>
+      <pc:docMkLst>
+        <pc:docMk/>
+      </pc:docMkLst>
+      <pc:sldChg chg="modSp">
+        <pc:chgData name="Gummudala, Hymavathi" userId="S::hygumm@iu.edu::86fad630-273f-46cc-aba5-59bf22de68d6" providerId="AD" clId="Web-{743EE1C2-1E0F-4D5B-BD21-8DA7BA68BE99}" dt="2023-10-23T16:21:29.336" v="12" actId="20577"/>
+        <pc:sldMkLst>
+          <pc:docMk/>
+          <pc:sldMk cId="2144012005" sldId="317"/>
+        </pc:sldMkLst>
+        <pc:spChg chg="mod">
+          <ac:chgData name="Gummudala, Hymavathi" userId="S::hygumm@iu.edu::86fad630-273f-46cc-aba5-59bf22de68d6" providerId="AD" clId="Web-{743EE1C2-1E0F-4D5B-BD21-8DA7BA68BE99}" dt="2023-10-23T16:21:29.336" v="12" actId="20577"/>
+          <ac:spMkLst>
+            <pc:docMk/>
+            <pc:sldMk cId="2144012005" sldId="317"/>
+            <ac:spMk id="4" creationId="{00000000-0000-0000-0000-000000000000}"/>
+          </ac:spMkLst>
+        </pc:spChg>
+      </pc:sldChg>
+      <pc:sldChg chg="modSp">
+        <pc:chgData name="Gummudala, Hymavathi" userId="S::hygumm@iu.edu::86fad630-273f-46cc-aba5-59bf22de68d6" providerId="AD" clId="Web-{743EE1C2-1E0F-4D5B-BD21-8DA7BA68BE99}" dt="2023-10-23T17:42:05.205" v="183" actId="20577"/>
+        <pc:sldMkLst>
+          <pc:docMk/>
+          <pc:sldMk cId="708226800" sldId="323"/>
+        </pc:sldMkLst>
+        <pc:spChg chg="mod">
+          <ac:chgData name="Gummudala, Hymavathi" userId="S::hygumm@iu.edu::86fad630-273f-46cc-aba5-59bf22de68d6" providerId="AD" clId="Web-{743EE1C2-1E0F-4D5B-BD21-8DA7BA68BE99}" dt="2023-10-23T17:42:05.205" v="183" actId="20577"/>
+          <ac:spMkLst>
+            <pc:docMk/>
+            <pc:sldMk cId="708226800" sldId="323"/>
+            <ac:spMk id="4" creationId="{00000000-0000-0000-0000-000000000000}"/>
+          </ac:spMkLst>
+        </pc:spChg>
+      </pc:sldChg>
+      <pc:sldChg chg="del">
+        <pc:chgData name="Gummudala, Hymavathi" userId="S::hygumm@iu.edu::86fad630-273f-46cc-aba5-59bf22de68d6" providerId="AD" clId="Web-{743EE1C2-1E0F-4D5B-BD21-8DA7BA68BE99}" dt="2023-10-23T17:40:48.918" v="180"/>
+        <pc:sldMkLst>
+          <pc:docMk/>
+          <pc:sldMk cId="2166209490" sldId="326"/>
+        </pc:sldMkLst>
+      </pc:sldChg>
+      <pc:sldChg chg="modSp">
+        <pc:chgData name="Gummudala, Hymavathi" userId="S::hygumm@iu.edu::86fad630-273f-46cc-aba5-59bf22de68d6" providerId="AD" clId="Web-{743EE1C2-1E0F-4D5B-BD21-8DA7BA68BE99}" dt="2023-10-23T16:21:33.102" v="15" actId="20577"/>
+        <pc:sldMkLst>
+          <pc:docMk/>
+          <pc:sldMk cId="3622896136" sldId="327"/>
+        </pc:sldMkLst>
+        <pc:spChg chg="mod">
+          <ac:chgData name="Gummudala, Hymavathi" userId="S::hygumm@iu.edu::86fad630-273f-46cc-aba5-59bf22de68d6" providerId="AD" clId="Web-{743EE1C2-1E0F-4D5B-BD21-8DA7BA68BE99}" dt="2023-10-23T16:21:33.102" v="15" actId="20577"/>
+          <ac:spMkLst>
+            <pc:docMk/>
+            <pc:sldMk cId="3622896136" sldId="327"/>
+            <ac:spMk id="4" creationId="{A6B6AF42-4565-45CA-9CA0-8E223AEF9E05}"/>
+          </ac:spMkLst>
+        </pc:spChg>
+      </pc:sldChg>
+      <pc:sldChg chg="modSp new">
+        <pc:chgData name="Gummudala, Hymavathi" userId="S::hygumm@iu.edu::86fad630-273f-46cc-aba5-59bf22de68d6" providerId="AD" clId="Web-{743EE1C2-1E0F-4D5B-BD21-8DA7BA68BE99}" dt="2023-10-23T18:10:54.300" v="533" actId="20577"/>
+        <pc:sldMkLst>
+          <pc:docMk/>
+          <pc:sldMk cId="2368559655" sldId="328"/>
+        </pc:sldMkLst>
+        <pc:spChg chg="mod">
+          <ac:chgData name="Gummudala, Hymavathi" userId="S::hygumm@iu.edu::86fad630-273f-46cc-aba5-59bf22de68d6" providerId="AD" clId="Web-{743EE1C2-1E0F-4D5B-BD21-8DA7BA68BE99}" dt="2023-10-23T18:05:53.200" v="524" actId="1076"/>
+          <ac:spMkLst>
+            <pc:docMk/>
+            <pc:sldMk cId="2368559655" sldId="328"/>
+            <ac:spMk id="2" creationId="{9477F8C1-FDB6-3BB6-BD6B-5421C47B2BA8}"/>
+          </ac:spMkLst>
+        </pc:spChg>
+        <pc:spChg chg="mod">
+          <ac:chgData name="Gummudala, Hymavathi" userId="S::hygumm@iu.edu::86fad630-273f-46cc-aba5-59bf22de68d6" providerId="AD" clId="Web-{743EE1C2-1E0F-4D5B-BD21-8DA7BA68BE99}" dt="2023-10-23T18:10:54.300" v="533" actId="20577"/>
+          <ac:spMkLst>
+            <pc:docMk/>
+            <pc:sldMk cId="2368559655" sldId="328"/>
+            <ac:spMk id="4" creationId="{972DE744-93D0-F0AD-6C26-0BA3ECE5D8E7}"/>
+          </ac:spMkLst>
+        </pc:spChg>
+      </pc:sldChg>
+      <pc:sldChg chg="modSp new del">
+        <pc:chgData name="Gummudala, Hymavathi" userId="S::hygumm@iu.edu::86fad630-273f-46cc-aba5-59bf22de68d6" providerId="AD" clId="Web-{743EE1C2-1E0F-4D5B-BD21-8DA7BA68BE99}" dt="2023-10-23T17:54:05.727" v="265"/>
+        <pc:sldMkLst>
+          <pc:docMk/>
+          <pc:sldMk cId="3236602689" sldId="329"/>
+        </pc:sldMkLst>
+        <pc:spChg chg="mod">
+          <ac:chgData name="Gummudala, Hymavathi" userId="S::hygumm@iu.edu::86fad630-273f-46cc-aba5-59bf22de68d6" providerId="AD" clId="Web-{743EE1C2-1E0F-4D5B-BD21-8DA7BA68BE99}" dt="2023-10-23T16:44:55.235" v="41" actId="20577"/>
+          <ac:spMkLst>
+            <pc:docMk/>
+            <pc:sldMk cId="3236602689" sldId="329"/>
+            <ac:spMk id="2" creationId="{A3393F58-48CE-EB7F-A023-BA3D93419C86}"/>
+          </ac:spMkLst>
+        </pc:spChg>
+        <pc:spChg chg="mod">
+          <ac:chgData name="Gummudala, Hymavathi" userId="S::hygumm@iu.edu::86fad630-273f-46cc-aba5-59bf22de68d6" providerId="AD" clId="Web-{743EE1C2-1E0F-4D5B-BD21-8DA7BA68BE99}" dt="2023-10-23T17:31:25.908" v="179" actId="20577"/>
+          <ac:spMkLst>
+            <pc:docMk/>
+            <pc:sldMk cId="3236602689" sldId="329"/>
+            <ac:spMk id="4" creationId="{AE98E99F-1493-5A17-7CCB-558C128073AB}"/>
+          </ac:spMkLst>
+        </pc:spChg>
+      </pc:sldChg>
+      <pc:sldChg chg="addSp modSp">
+        <pc:chgData name="Gummudala, Hymavathi" userId="S::hygumm@iu.edu::86fad630-273f-46cc-aba5-59bf22de68d6" providerId="AD" clId="Web-{743EE1C2-1E0F-4D5B-BD21-8DA7BA68BE99}" dt="2023-10-23T18:01:52.776" v="399" actId="1076"/>
+        <pc:sldMkLst>
+          <pc:docMk/>
+          <pc:sldMk cId="4067283307" sldId="331"/>
+        </pc:sldMkLst>
+        <pc:spChg chg="add mod">
+          <ac:chgData name="Gummudala, Hymavathi" userId="S::hygumm@iu.edu::86fad630-273f-46cc-aba5-59bf22de68d6" providerId="AD" clId="Web-{743EE1C2-1E0F-4D5B-BD21-8DA7BA68BE99}" dt="2023-10-23T18:01:30.415" v="397" actId="1076"/>
+          <ac:spMkLst>
+            <pc:docMk/>
+            <pc:sldMk cId="4067283307" sldId="331"/>
+            <ac:spMk id="2" creationId="{90FE5638-67BD-5370-DCE6-A371A1C773C8}"/>
+          </ac:spMkLst>
+        </pc:spChg>
+        <pc:spChg chg="add mod">
+          <ac:chgData name="Gummudala, Hymavathi" userId="S::hygumm@iu.edu::86fad630-273f-46cc-aba5-59bf22de68d6" providerId="AD" clId="Web-{743EE1C2-1E0F-4D5B-BD21-8DA7BA68BE99}" dt="2023-10-23T17:58:59.936" v="362" actId="1076"/>
+          <ac:spMkLst>
+            <pc:docMk/>
+            <pc:sldMk cId="4067283307" sldId="331"/>
+            <ac:spMk id="2" creationId="{998C6DFA-FC01-D9B7-BCED-EBE47528E1C8}"/>
+          </ac:spMkLst>
+        </pc:spChg>
+        <pc:spChg chg="add mod">
+          <ac:chgData name="Gummudala, Hymavathi" userId="S::hygumm@iu.edu::86fad630-273f-46cc-aba5-59bf22de68d6" providerId="AD" clId="Web-{743EE1C2-1E0F-4D5B-BD21-8DA7BA68BE99}" dt="2023-10-23T17:59:25.828" v="365" actId="1076"/>
+          <ac:spMkLst>
+            <pc:docMk/>
+            <pc:sldMk cId="4067283307" sldId="331"/>
+            <ac:spMk id="5" creationId="{E22566DC-96C9-29D9-158A-FFCF77020905}"/>
+          </ac:spMkLst>
+        </pc:spChg>
+        <pc:spChg chg="mod">
+          <ac:chgData name="Gummudala, Hymavathi" userId="S::hygumm@iu.edu::86fad630-273f-46cc-aba5-59bf22de68d6" providerId="AD" clId="Web-{743EE1C2-1E0F-4D5B-BD21-8DA7BA68BE99}" dt="2023-10-23T18:01:00.944" v="369" actId="1076"/>
+          <ac:spMkLst>
+            <pc:docMk/>
+            <pc:sldMk cId="4067283307" sldId="331"/>
+            <ac:spMk id="6" creationId="{2AC4CB2E-F5A7-7A37-E50D-5BDE06335FA4}"/>
+          </ac:spMkLst>
+        </pc:spChg>
+        <pc:spChg chg="add mod">
+          <ac:chgData name="Gummudala, Hymavathi" userId="S::hygumm@iu.edu::86fad630-273f-46cc-aba5-59bf22de68d6" providerId="AD" clId="Web-{743EE1C2-1E0F-4D5B-BD21-8DA7BA68BE99}" dt="2023-10-23T17:08:22.448" v="125" actId="14100"/>
+          <ac:spMkLst>
+            <pc:docMk/>
+            <pc:sldMk cId="4067283307" sldId="331"/>
+            <ac:spMk id="7" creationId="{5E693E64-C518-9516-DCF9-C6AC809D0CB0}"/>
+          </ac:spMkLst>
+        </pc:spChg>
+        <pc:spChg chg="add mod">
+          <ac:chgData name="Gummudala, Hymavathi" userId="S::hygumm@iu.edu::86fad630-273f-46cc-aba5-59bf22de68d6" providerId="AD" clId="Web-{743EE1C2-1E0F-4D5B-BD21-8DA7BA68BE99}" dt="2023-10-23T17:08:29.323" v="127" actId="1076"/>
+          <ac:spMkLst>
+            <pc:docMk/>
+            <pc:sldMk cId="4067283307" sldId="331"/>
+            <ac:spMk id="8" creationId="{946328A1-D948-E61F-B030-5ADEB9881683}"/>
+          </ac:spMkLst>
+        </pc:spChg>
+        <pc:spChg chg="mod">
+          <ac:chgData name="Gummudala, Hymavathi" userId="S::hygumm@iu.edu::86fad630-273f-46cc-aba5-59bf22de68d6" providerId="AD" clId="Web-{743EE1C2-1E0F-4D5B-BD21-8DA7BA68BE99}" dt="2023-10-23T18:01:52.776" v="399" actId="1076"/>
+          <ac:spMkLst>
+            <pc:docMk/>
+            <pc:sldMk cId="4067283307" sldId="331"/>
+            <ac:spMk id="27" creationId="{8184DC83-BC0E-F646-AB88-1651F62D4A71}"/>
+          </ac:spMkLst>
+        </pc:spChg>
+        <pc:spChg chg="mod">
+          <ac:chgData name="Gummudala, Hymavathi" userId="S::hygumm@iu.edu::86fad630-273f-46cc-aba5-59bf22de68d6" providerId="AD" clId="Web-{743EE1C2-1E0F-4D5B-BD21-8DA7BA68BE99}" dt="2023-10-23T18:00:17.629" v="366" actId="1076"/>
+          <ac:spMkLst>
+            <pc:docMk/>
+            <pc:sldMk cId="4067283307" sldId="331"/>
+            <ac:spMk id="29" creationId="{156E4521-3640-084E-3A57-C7B851C3B2CF}"/>
+          </ac:spMkLst>
+        </pc:spChg>
+        <pc:picChg chg="add mod">
+          <ac:chgData name="Gummudala, Hymavathi" userId="S::hygumm@iu.edu::86fad630-273f-46cc-aba5-59bf22de68d6" providerId="AD" clId="Web-{743EE1C2-1E0F-4D5B-BD21-8DA7BA68BE99}" dt="2023-10-23T16:56:21.176" v="114" actId="1076"/>
+          <ac:picMkLst>
+            <pc:docMk/>
+            <pc:sldMk cId="4067283307" sldId="331"/>
+            <ac:picMk id="4" creationId="{EC269B9F-A17C-328D-2A89-8284632D26ED}"/>
+          </ac:picMkLst>
+        </pc:picChg>
+        <pc:picChg chg="add mod">
+          <ac:chgData name="Gummudala, Hymavathi" userId="S::hygumm@iu.edu::86fad630-273f-46cc-aba5-59bf22de68d6" providerId="AD" clId="Web-{743EE1C2-1E0F-4D5B-BD21-8DA7BA68BE99}" dt="2023-10-23T16:57:18.430" v="119" actId="1076"/>
+          <ac:picMkLst>
+            <pc:docMk/>
+            <pc:sldMk cId="4067283307" sldId="331"/>
+            <ac:picMk id="5" creationId="{A3648AAB-357A-158E-63EA-7A2FB60FA1CA}"/>
+          </ac:picMkLst>
+        </pc:picChg>
+        <pc:picChg chg="add mod">
+          <ac:chgData name="Gummudala, Hymavathi" userId="S::hygumm@iu.edu::86fad630-273f-46cc-aba5-59bf22de68d6" providerId="AD" clId="Web-{743EE1C2-1E0F-4D5B-BD21-8DA7BA68BE99}" dt="2023-10-23T16:58:05.309" v="122" actId="1076"/>
+          <ac:picMkLst>
+            <pc:docMk/>
+            <pc:sldMk cId="4067283307" sldId="331"/>
+            <ac:picMk id="6" creationId="{D6D06051-0690-21AB-A6F3-FA44A17AFEF7}"/>
+          </ac:picMkLst>
+        </pc:picChg>
+        <pc:picChg chg="mod">
+          <ac:chgData name="Gummudala, Hymavathi" userId="S::hygumm@iu.edu::86fad630-273f-46cc-aba5-59bf22de68d6" providerId="AD" clId="Web-{743EE1C2-1E0F-4D5B-BD21-8DA7BA68BE99}" dt="2023-10-23T18:01:48.964" v="398" actId="1076"/>
+          <ac:picMkLst>
+            <pc:docMk/>
+            <pc:sldMk cId="4067283307" sldId="331"/>
+            <ac:picMk id="17" creationId="{B76F0877-2687-BB5F-D098-9B36F6AE3AD0}"/>
+          </ac:picMkLst>
+        </pc:picChg>
+      </pc:sldChg>
+    </pc:docChg>
+  </pc:docChgLst>
+  <pc:docChgLst>
+    <pc:chgData name="Gummudala, Hymavathi" userId="S::hygumm@iu.edu::86fad630-273f-46cc-aba5-59bf22de68d6" providerId="AD" clId="Web-{6A8CDB79-65A0-4285-B354-9C01490C985E}"/>
+    <pc:docChg chg="addSld modSld">
+      <pc:chgData name="Gummudala, Hymavathi" userId="S::hygumm@iu.edu::86fad630-273f-46cc-aba5-59bf22de68d6" providerId="AD" clId="Web-{6A8CDB79-65A0-4285-B354-9C01490C985E}" dt="2023-12-04T19:23:17.066" v="144" actId="1076"/>
+      <pc:docMkLst>
+        <pc:docMk/>
+      </pc:docMkLst>
+      <pc:sldChg chg="addSp delSp modSp new">
+        <pc:chgData name="Gummudala, Hymavathi" userId="S::hygumm@iu.edu::86fad630-273f-46cc-aba5-59bf22de68d6" providerId="AD" clId="Web-{6A8CDB79-65A0-4285-B354-9C01490C985E}" dt="2023-12-04T19:23:17.066" v="144" actId="1076"/>
+        <pc:sldMkLst>
+          <pc:docMk/>
+          <pc:sldMk cId="920145628" sldId="332"/>
+        </pc:sldMkLst>
+        <pc:spChg chg="add mod">
+          <ac:chgData name="Gummudala, Hymavathi" userId="S::hygumm@iu.edu::86fad630-273f-46cc-aba5-59bf22de68d6" providerId="AD" clId="Web-{6A8CDB79-65A0-4285-B354-9C01490C985E}" dt="2023-12-04T19:01:19.255" v="81" actId="1076"/>
+          <ac:spMkLst>
+            <pc:docMk/>
+            <pc:sldMk cId="920145628" sldId="332"/>
+            <ac:spMk id="3" creationId="{FE400A73-4328-B436-93E6-501205D26BF9}"/>
+          </ac:spMkLst>
+        </pc:spChg>
+        <pc:spChg chg="mod">
+          <ac:chgData name="Gummudala, Hymavathi" userId="S::hygumm@iu.edu::86fad630-273f-46cc-aba5-59bf22de68d6" providerId="AD" clId="Web-{6A8CDB79-65A0-4285-B354-9C01490C985E}" dt="2023-12-04T19:22:44.534" v="138" actId="1076"/>
+          <ac:spMkLst>
+            <pc:docMk/>
+            <pc:sldMk cId="920145628" sldId="332"/>
+            <ac:spMk id="14" creationId="{3299D81C-C6C1-3BE4-AC45-7827091B96F2}"/>
+          </ac:spMkLst>
+        </pc:spChg>
+        <pc:spChg chg="add mod">
+          <ac:chgData name="Gummudala, Hymavathi" userId="S::hygumm@iu.edu::86fad630-273f-46cc-aba5-59bf22de68d6" providerId="AD" clId="Web-{6A8CDB79-65A0-4285-B354-9C01490C985E}" dt="2023-12-04T19:02:37.648" v="108" actId="1076"/>
+          <ac:spMkLst>
+            <pc:docMk/>
+            <pc:sldMk cId="920145628" sldId="332"/>
+            <ac:spMk id="19" creationId="{18A5ECCF-F66C-961C-6F47-27CC032DCCBC}"/>
+          </ac:spMkLst>
+        </pc:spChg>
+        <pc:spChg chg="add">
+          <ac:chgData name="Gummudala, Hymavathi" userId="S::hygumm@iu.edu::86fad630-273f-46cc-aba5-59bf22de68d6" providerId="AD" clId="Web-{6A8CDB79-65A0-4285-B354-9C01490C985E}" dt="2023-12-04T18:51:31.031" v="10"/>
+          <ac:spMkLst>
+            <pc:docMk/>
+            <pc:sldMk cId="920145628" sldId="332"/>
+            <ac:spMk id="21" creationId="{6739BEDA-F0F7-443D-5853-6C8D57842EF1}"/>
+          </ac:spMkLst>
+        </pc:spChg>
+        <pc:spChg chg="add mod">
+          <ac:chgData name="Gummudala, Hymavathi" userId="S::hygumm@iu.edu::86fad630-273f-46cc-aba5-59bf22de68d6" providerId="AD" clId="Web-{6A8CDB79-65A0-4285-B354-9C01490C985E}" dt="2023-12-04T19:02:33.929" v="107" actId="14100"/>
+          <ac:spMkLst>
+            <pc:docMk/>
+            <pc:sldMk cId="920145628" sldId="332"/>
+            <ac:spMk id="23" creationId="{8847DA06-D43C-8D11-2CE8-74130CA7E978}"/>
+          </ac:spMkLst>
+        </pc:spChg>
+        <pc:spChg chg="add mod">
+          <ac:chgData name="Gummudala, Hymavathi" userId="S::hygumm@iu.edu::86fad630-273f-46cc-aba5-59bf22de68d6" providerId="AD" clId="Web-{6A8CDB79-65A0-4285-B354-9C01490C985E}" dt="2023-12-04T19:04:06.151" v="119" actId="1076"/>
+          <ac:spMkLst>
+            <pc:docMk/>
+            <pc:sldMk cId="920145628" sldId="332"/>
+            <ac:spMk id="25" creationId="{F1FFCD7F-BFA7-5C84-538B-4F872E9EEEFC}"/>
+          </ac:spMkLst>
+        </pc:spChg>
+        <pc:spChg chg="add">
+          <ac:chgData name="Gummudala, Hymavathi" userId="S::hygumm@iu.edu::86fad630-273f-46cc-aba5-59bf22de68d6" providerId="AD" clId="Web-{6A8CDB79-65A0-4285-B354-9C01490C985E}" dt="2023-12-04T18:51:31.125" v="13"/>
+          <ac:spMkLst>
+            <pc:docMk/>
+            <pc:sldMk cId="920145628" sldId="332"/>
+            <ac:spMk id="27" creationId="{B94FDD87-67F2-7801-9A9A-3275BB3CE3FF}"/>
+          </ac:spMkLst>
+        </pc:spChg>
+        <pc:spChg chg="add">
+          <ac:chgData name="Gummudala, Hymavathi" userId="S::hygumm@iu.edu::86fad630-273f-46cc-aba5-59bf22de68d6" providerId="AD" clId="Web-{6A8CDB79-65A0-4285-B354-9C01490C985E}" dt="2023-12-04T18:51:31.141" v="14"/>
+          <ac:spMkLst>
+            <pc:docMk/>
+            <pc:sldMk cId="920145628" sldId="332"/>
+            <ac:spMk id="29" creationId="{CD2D8F0D-A65B-DEE7-A71A-CDDF72FF33E3}"/>
+          </ac:spMkLst>
+        </pc:spChg>
+        <pc:spChg chg="add">
+          <ac:chgData name="Gummudala, Hymavathi" userId="S::hygumm@iu.edu::86fad630-273f-46cc-aba5-59bf22de68d6" providerId="AD" clId="Web-{6A8CDB79-65A0-4285-B354-9C01490C985E}" dt="2023-12-04T18:51:31.172" v="16"/>
+          <ac:spMkLst>
+            <pc:docMk/>
+            <pc:sldMk cId="920145628" sldId="332"/>
+            <ac:spMk id="33" creationId="{87B872F1-E6AE-7E99-78A1-8761486F9794}"/>
+          </ac:spMkLst>
+        </pc:spChg>
+        <pc:spChg chg="add mod">
+          <ac:chgData name="Gummudala, Hymavathi" userId="S::hygumm@iu.edu::86fad630-273f-46cc-aba5-59bf22de68d6" providerId="AD" clId="Web-{6A8CDB79-65A0-4285-B354-9C01490C985E}" dt="2023-12-04T19:01:21.896" v="82" actId="1076"/>
+          <ac:spMkLst>
+            <pc:docMk/>
+            <pc:sldMk cId="920145628" sldId="332"/>
+            <ac:spMk id="47" creationId="{CE308A5A-538F-5112-203C-3198102EFAA9}"/>
+          </ac:spMkLst>
+        </pc:spChg>
+        <pc:spChg chg="add mod">
+          <ac:chgData name="Gummudala, Hymavathi" userId="S::hygumm@iu.edu::86fad630-273f-46cc-aba5-59bf22de68d6" providerId="AD" clId="Web-{6A8CDB79-65A0-4285-B354-9C01490C985E}" dt="2023-12-04T19:22:32.549" v="136" actId="1076"/>
+          <ac:spMkLst>
+            <pc:docMk/>
+            <pc:sldMk cId="920145628" sldId="332"/>
+            <ac:spMk id="48" creationId="{1AC73901-315A-0CE8-5625-6015E32C401C}"/>
+          </ac:spMkLst>
+        </pc:spChg>
+        <pc:picChg chg="mod">
+          <ac:chgData name="Gummudala, Hymavathi" userId="S::hygumm@iu.edu::86fad630-273f-46cc-aba5-59bf22de68d6" providerId="AD" clId="Web-{6A8CDB79-65A0-4285-B354-9C01490C985E}" dt="2023-12-04T19:02:47.023" v="111" actId="14100"/>
+          <ac:picMkLst>
+            <pc:docMk/>
+            <pc:sldMk cId="920145628" sldId="332"/>
+            <ac:picMk id="2" creationId="{D6BCE2AC-7EC5-A6F2-5540-67640CA434A4}"/>
+          </ac:picMkLst>
+        </pc:picChg>
+        <pc:picChg chg="mod">
+          <ac:chgData name="Gummudala, Hymavathi" userId="S::hygumm@iu.edu::86fad630-273f-46cc-aba5-59bf22de68d6" providerId="AD" clId="Web-{6A8CDB79-65A0-4285-B354-9C01490C985E}" dt="2023-12-04T19:01:28.989" v="84" actId="1076"/>
+          <ac:picMkLst>
+            <pc:docMk/>
+            <pc:sldMk cId="920145628" sldId="332"/>
+            <ac:picMk id="4" creationId="{D2D88FE8-69EE-2555-12D1-788DADF97BC3}"/>
+          </ac:picMkLst>
+        </pc:picChg>
+        <pc:picChg chg="add">
+          <ac:chgData name="Gummudala, Hymavathi" userId="S::hygumm@iu.edu::86fad630-273f-46cc-aba5-59bf22de68d6" providerId="AD" clId="Web-{6A8CDB79-65A0-4285-B354-9C01490C985E}" dt="2023-12-04T18:51:30.859" v="2"/>
+          <ac:picMkLst>
+            <pc:docMk/>
+            <pc:sldMk cId="920145628" sldId="332"/>
+            <ac:picMk id="5" creationId="{13F12E3E-6E17-1406-F396-7EDD777E84FB}"/>
+          </ac:picMkLst>
+        </pc:picChg>
+        <pc:picChg chg="add mod">
+          <ac:chgData name="Gummudala, Hymavathi" userId="S::hygumm@iu.edu::86fad630-273f-46cc-aba5-59bf22de68d6" providerId="AD" clId="Web-{6A8CDB79-65A0-4285-B354-9C01490C985E}" dt="2023-12-04T19:01:32.193" v="85" actId="1076"/>
+          <ac:picMkLst>
+            <pc:docMk/>
+            <pc:sldMk cId="920145628" sldId="332"/>
+            <ac:picMk id="7" creationId="{193D6467-DF05-24FA-BC7D-D42B8BBA5B9D}"/>
+          </ac:picMkLst>
+        </pc:picChg>
+        <pc:picChg chg="add mod">
+          <ac:chgData name="Gummudala, Hymavathi" userId="S::hygumm@iu.edu::86fad630-273f-46cc-aba5-59bf22de68d6" providerId="AD" clId="Web-{6A8CDB79-65A0-4285-B354-9C01490C985E}" dt="2023-12-04T19:02:14.210" v="103" actId="1076"/>
+          <ac:picMkLst>
+            <pc:docMk/>
+            <pc:sldMk cId="920145628" sldId="332"/>
+            <ac:picMk id="9" creationId="{BF64187A-3A7B-494F-0F58-5877D6C5937D}"/>
+          </ac:picMkLst>
+        </pc:picChg>
+        <pc:picChg chg="add mod">
+          <ac:chgData name="Gummudala, Hymavathi" userId="S::hygumm@iu.edu::86fad630-273f-46cc-aba5-59bf22de68d6" providerId="AD" clId="Web-{6A8CDB79-65A0-4285-B354-9C01490C985E}" dt="2023-12-04T19:02:16.819" v="104" actId="1076"/>
+          <ac:picMkLst>
+            <pc:docMk/>
+            <pc:sldMk cId="920145628" sldId="332"/>
+            <ac:picMk id="11" creationId="{3EAFAB2A-AF98-0E64-17EF-B781BBA50DBE}"/>
+          </ac:picMkLst>
+        </pc:picChg>
+        <pc:picChg chg="add del">
+          <ac:chgData name="Gummudala, Hymavathi" userId="S::hygumm@iu.edu::86fad630-273f-46cc-aba5-59bf22de68d6" providerId="AD" clId="Web-{6A8CDB79-65A0-4285-B354-9C01490C985E}" dt="2023-12-04T19:01:13.270" v="80"/>
+          <ac:picMkLst>
+            <pc:docMk/>
+            <pc:sldMk cId="920145628" sldId="332"/>
+            <ac:picMk id="13" creationId="{0E161D05-1580-452C-E0AB-4DA21B65D8CE}"/>
+          </ac:picMkLst>
+        </pc:picChg>
+        <pc:picChg chg="add mod">
+          <ac:chgData name="Gummudala, Hymavathi" userId="S::hygumm@iu.edu::86fad630-273f-46cc-aba5-59bf22de68d6" providerId="AD" clId="Web-{6A8CDB79-65A0-4285-B354-9C01490C985E}" dt="2023-12-04T19:02:10.772" v="102" actId="1076"/>
+          <ac:picMkLst>
+            <pc:docMk/>
+            <pc:sldMk cId="920145628" sldId="332"/>
+            <ac:picMk id="15" creationId="{30AF4D46-DCCE-FFFB-0F68-0612512C6454}"/>
+          </ac:picMkLst>
+        </pc:picChg>
+        <pc:picChg chg="add">
+          <ac:chgData name="Gummudala, Hymavathi" userId="S::hygumm@iu.edu::86fad630-273f-46cc-aba5-59bf22de68d6" providerId="AD" clId="Web-{6A8CDB79-65A0-4285-B354-9C01490C985E}" dt="2023-12-04T18:51:30.969" v="8"/>
+          <ac:picMkLst>
+            <pc:docMk/>
+            <pc:sldMk cId="920145628" sldId="332"/>
+            <ac:picMk id="17" creationId="{DE00FA18-873A-4A4A-9B67-FEE769A9A9C8}"/>
+          </ac:picMkLst>
+        </pc:picChg>
+        <pc:picChg chg="add del mod">
+          <ac:chgData name="Gummudala, Hymavathi" userId="S::hygumm@iu.edu::86fad630-273f-46cc-aba5-59bf22de68d6" providerId="AD" clId="Web-{6A8CDB79-65A0-4285-B354-9C01490C985E}" dt="2023-12-04T19:01:11.962" v="79"/>
+          <ac:picMkLst>
+            <pc:docMk/>
+            <pc:sldMk cId="920145628" sldId="332"/>
+            <ac:picMk id="31" creationId="{7B7B78A5-FED9-F3D7-F012-FE7FA1B535F2}"/>
+          </ac:picMkLst>
+        </pc:picChg>
+        <pc:picChg chg="add">
+          <ac:chgData name="Gummudala, Hymavathi" userId="S::hygumm@iu.edu::86fad630-273f-46cc-aba5-59bf22de68d6" providerId="AD" clId="Web-{6A8CDB79-65A0-4285-B354-9C01490C985E}" dt="2023-12-04T18:51:31.203" v="17"/>
+          <ac:picMkLst>
+            <pc:docMk/>
+            <pc:sldMk cId="920145628" sldId="332"/>
+            <ac:picMk id="35" creationId="{FA57F5CD-72E2-C224-4020-BB0642101762}"/>
+          </ac:picMkLst>
+        </pc:picChg>
+        <pc:picChg chg="add mod">
+          <ac:chgData name="Gummudala, Hymavathi" userId="S::hygumm@iu.edu::86fad630-273f-46cc-aba5-59bf22de68d6" providerId="AD" clId="Web-{6A8CDB79-65A0-4285-B354-9C01490C985E}" dt="2023-12-04T19:01:25.474" v="83" actId="1076"/>
+          <ac:picMkLst>
+            <pc:docMk/>
+            <pc:sldMk cId="920145628" sldId="332"/>
+            <ac:picMk id="46" creationId="{ED015C83-6DA9-3F4B-301B-AD5D84C32945}"/>
+          </ac:picMkLst>
+        </pc:picChg>
+        <pc:picChg chg="add mod">
+          <ac:chgData name="Gummudala, Hymavathi" userId="S::hygumm@iu.edu::86fad630-273f-46cc-aba5-59bf22de68d6" providerId="AD" clId="Web-{6A8CDB79-65A0-4285-B354-9C01490C985E}" dt="2023-12-04T19:09:56.929" v="121" actId="1076"/>
+          <ac:picMkLst>
+            <pc:docMk/>
+            <pc:sldMk cId="920145628" sldId="332"/>
+            <ac:picMk id="49" creationId="{D1ACF159-BBF3-3C04-48B4-59BAD07D7A97}"/>
+          </ac:picMkLst>
+        </pc:picChg>
+        <pc:picChg chg="add mod">
+          <ac:chgData name="Gummudala, Hymavathi" userId="S::hygumm@iu.edu::86fad630-273f-46cc-aba5-59bf22de68d6" providerId="AD" clId="Web-{6A8CDB79-65A0-4285-B354-9C01490C985E}" dt="2023-12-04T19:02:43.898" v="110" actId="1076"/>
+          <ac:picMkLst>
+            <pc:docMk/>
+            <pc:sldMk cId="920145628" sldId="332"/>
+            <ac:picMk id="50" creationId="{9C9D2153-DEDD-DA9F-1312-96110C0A1863}"/>
+          </ac:picMkLst>
+        </pc:picChg>
+        <pc:picChg chg="add mod">
+          <ac:chgData name="Gummudala, Hymavathi" userId="S::hygumm@iu.edu::86fad630-273f-46cc-aba5-59bf22de68d6" providerId="AD" clId="Web-{6A8CDB79-65A0-4285-B354-9C01490C985E}" dt="2023-12-04T19:00:37.378" v="75" actId="1076"/>
+          <ac:picMkLst>
+            <pc:docMk/>
+            <pc:sldMk cId="920145628" sldId="332"/>
+            <ac:picMk id="51" creationId="{A94FCE4E-0FCD-1BF4-ECC5-D9413926A29F}"/>
+          </ac:picMkLst>
+        </pc:picChg>
+        <pc:picChg chg="add mod">
+          <ac:chgData name="Gummudala, Hymavathi" userId="S::hygumm@iu.edu::86fad630-273f-46cc-aba5-59bf22de68d6" providerId="AD" clId="Web-{6A8CDB79-65A0-4285-B354-9C01490C985E}" dt="2023-12-04T19:03:07.696" v="116" actId="1076"/>
+          <ac:picMkLst>
+            <pc:docMk/>
+            <pc:sldMk cId="920145628" sldId="332"/>
+            <ac:picMk id="52" creationId="{B2DC0130-FAAA-2235-BA48-B2D5C54A0AE8}"/>
+          </ac:picMkLst>
+        </pc:picChg>
+        <pc:cxnChg chg="add mod">
+          <ac:chgData name="Gummudala, Hymavathi" userId="S::hygumm@iu.edu::86fad630-273f-46cc-aba5-59bf22de68d6" providerId="AD" clId="Web-{6A8CDB79-65A0-4285-B354-9C01490C985E}" dt="2023-12-04T19:03:05.477" v="115" actId="1076"/>
+          <ac:cxnSpMkLst>
+            <pc:docMk/>
+            <pc:sldMk cId="920145628" sldId="332"/>
+            <ac:cxnSpMk id="37" creationId="{CC3F3C52-4D6F-DF9E-64AE-9469EA6DB983}"/>
+          </ac:cxnSpMkLst>
+        </pc:cxnChg>
+        <pc:cxnChg chg="add">
+          <ac:chgData name="Gummudala, Hymavathi" userId="S::hygumm@iu.edu::86fad630-273f-46cc-aba5-59bf22de68d6" providerId="AD" clId="Web-{6A8CDB79-65A0-4285-B354-9C01490C985E}" dt="2023-12-04T18:51:31.219" v="19"/>
+          <ac:cxnSpMkLst>
+            <pc:docMk/>
+            <pc:sldMk cId="920145628" sldId="332"/>
+            <ac:cxnSpMk id="39" creationId="{B2C09DD2-4305-6360-3662-FD45941BAB87}"/>
+          </ac:cxnSpMkLst>
+        </pc:cxnChg>
+        <pc:cxnChg chg="add mod">
+          <ac:chgData name="Gummudala, Hymavathi" userId="S::hygumm@iu.edu::86fad630-273f-46cc-aba5-59bf22de68d6" providerId="AD" clId="Web-{6A8CDB79-65A0-4285-B354-9C01490C985E}" dt="2023-12-04T19:02:55.352" v="113" actId="1076"/>
+          <ac:cxnSpMkLst>
+            <pc:docMk/>
+            <pc:sldMk cId="920145628" sldId="332"/>
+            <ac:cxnSpMk id="41" creationId="{0B1E0FB6-79D3-CB49-8F68-1C79D295DD39}"/>
+          </ac:cxnSpMkLst>
+        </pc:cxnChg>
+        <pc:cxnChg chg="add mod">
+          <ac:chgData name="Gummudala, Hymavathi" userId="S::hygumm@iu.edu::86fad630-273f-46cc-aba5-59bf22de68d6" providerId="AD" clId="Web-{6A8CDB79-65A0-4285-B354-9C01490C985E}" dt="2023-12-04T19:03:11.384" v="117" actId="1076"/>
+          <ac:cxnSpMkLst>
+            <pc:docMk/>
+            <pc:sldMk cId="920145628" sldId="332"/>
+            <ac:cxnSpMk id="43" creationId="{E518ECA6-1F0F-0997-1CF6-C2AFFE280F2F}"/>
+          </ac:cxnSpMkLst>
+        </pc:cxnChg>
+        <pc:cxnChg chg="add mod">
+          <ac:chgData name="Gummudala, Hymavathi" userId="S::hygumm@iu.edu::86fad630-273f-46cc-aba5-59bf22de68d6" providerId="AD" clId="Web-{6A8CDB79-65A0-4285-B354-9C01490C985E}" dt="2023-12-04T19:03:11.712" v="118" actId="1076"/>
+          <ac:cxnSpMkLst>
+            <pc:docMk/>
+            <pc:sldMk cId="920145628" sldId="332"/>
+            <ac:cxnSpMk id="45" creationId="{FA229A4B-1DB6-98E6-B290-E13C70AEDC82}"/>
+          </ac:cxnSpMkLst>
+        </pc:cxnChg>
+        <pc:cxnChg chg="add mod">
+          <ac:chgData name="Gummudala, Hymavathi" userId="S::hygumm@iu.edu::86fad630-273f-46cc-aba5-59bf22de68d6" providerId="AD" clId="Web-{6A8CDB79-65A0-4285-B354-9C01490C985E}" dt="2023-12-04T19:22:39.330" v="137" actId="1076"/>
+          <ac:cxnSpMkLst>
+            <pc:docMk/>
+            <pc:sldMk cId="920145628" sldId="332"/>
+            <ac:cxnSpMk id="53" creationId="{DACDCC34-8CD9-DA1E-ADF8-CE96A5E9357F}"/>
+          </ac:cxnSpMkLst>
+        </pc:cxnChg>
+        <pc:cxnChg chg="add mod">
+          <ac:chgData name="Gummudala, Hymavathi" userId="S::hygumm@iu.edu::86fad630-273f-46cc-aba5-59bf22de68d6" providerId="AD" clId="Web-{6A8CDB79-65A0-4285-B354-9C01490C985E}" dt="2023-12-04T19:22:50.018" v="139" actId="1076"/>
+          <ac:cxnSpMkLst>
+            <pc:docMk/>
+            <pc:sldMk cId="920145628" sldId="332"/>
+            <ac:cxnSpMk id="54" creationId="{64D405B3-CB56-8C6F-CEB1-28B9A0849C70}"/>
+          </ac:cxnSpMkLst>
+        </pc:cxnChg>
+        <pc:cxnChg chg="add mod">
+          <ac:chgData name="Gummudala, Hymavathi" userId="S::hygumm@iu.edu::86fad630-273f-46cc-aba5-59bf22de68d6" providerId="AD" clId="Web-{6A8CDB79-65A0-4285-B354-9C01490C985E}" dt="2023-12-04T19:23:17.066" v="144" actId="1076"/>
+          <ac:cxnSpMkLst>
+            <pc:docMk/>
+            <pc:sldMk cId="920145628" sldId="332"/>
+            <ac:cxnSpMk id="55" creationId="{94857F24-841F-587B-A41B-C43AB2E3BF2A}"/>
+          </ac:cxnSpMkLst>
+        </pc:cxnChg>
+      </pc:sldChg>
+      <pc:sldChg chg="add replId">
+        <pc:chgData name="Gummudala, Hymavathi" userId="S::hygumm@iu.edu::86fad630-273f-46cc-aba5-59bf22de68d6" providerId="AD" clId="Web-{6A8CDB79-65A0-4285-B354-9C01490C985E}" dt="2023-12-04T19:10:07.289" v="122"/>
+        <pc:sldMkLst>
+          <pc:docMk/>
+          <pc:sldMk cId="2334687576" sldId="333"/>
+        </pc:sldMkLst>
+      </pc:sldChg>
+    </pc:docChg>
+  </pc:docChgLst>
+  <pc:docChgLst>
+    <pc:chgData name="Gummudala, Hymavathi" userId="S::hygumm@iu.edu::86fad630-273f-46cc-aba5-59bf22de68d6" providerId="AD" clId="Web-{80556B86-6079-4223-98A1-9B847B67D293}"/>
+    <pc:docChg chg="modSld">
+      <pc:chgData name="Gummudala, Hymavathi" userId="S::hygumm@iu.edu::86fad630-273f-46cc-aba5-59bf22de68d6" providerId="AD" clId="Web-{80556B86-6079-4223-98A1-9B847B67D293}" dt="2023-10-23T18:14:22.619" v="30" actId="14100"/>
+      <pc:docMkLst>
+        <pc:docMk/>
+      </pc:docMkLst>
+      <pc:sldChg chg="addSp delSp modSp">
+        <pc:chgData name="Gummudala, Hymavathi" userId="S::hygumm@iu.edu::86fad630-273f-46cc-aba5-59bf22de68d6" providerId="AD" clId="Web-{80556B86-6079-4223-98A1-9B847B67D293}" dt="2023-10-23T18:14:22.619" v="30" actId="14100"/>
+        <pc:sldMkLst>
+          <pc:docMk/>
+          <pc:sldMk cId="4067283307" sldId="331"/>
+        </pc:sldMkLst>
+        <pc:spChg chg="add del mod">
+          <ac:chgData name="Gummudala, Hymavathi" userId="S::hygumm@iu.edu::86fad630-273f-46cc-aba5-59bf22de68d6" providerId="AD" clId="Web-{80556B86-6079-4223-98A1-9B847B67D293}" dt="2023-10-23T18:12:44.008" v="5"/>
+          <ac:spMkLst>
+            <pc:docMk/>
+            <pc:sldMk cId="4067283307" sldId="331"/>
+            <ac:spMk id="7" creationId="{82B64DE4-8A87-ED59-7050-EBA88A924ACE}"/>
+          </ac:spMkLst>
+        </pc:spChg>
+        <pc:spChg chg="add del mod">
+          <ac:chgData name="Gummudala, Hymavathi" userId="S::hygumm@iu.edu::86fad630-273f-46cc-aba5-59bf22de68d6" providerId="AD" clId="Web-{80556B86-6079-4223-98A1-9B847B67D293}" dt="2023-10-23T18:13:00.961" v="11"/>
+          <ac:spMkLst>
+            <pc:docMk/>
+            <pc:sldMk cId="4067283307" sldId="331"/>
+            <ac:spMk id="8" creationId="{F11512BA-B576-2012-3A71-6A9513AF4871}"/>
+          </ac:spMkLst>
+        </pc:spChg>
+        <pc:cxnChg chg="add del mod">
+          <ac:chgData name="Gummudala, Hymavathi" userId="S::hygumm@iu.edu::86fad630-273f-46cc-aba5-59bf22de68d6" providerId="AD" clId="Web-{80556B86-6079-4223-98A1-9B847B67D293}" dt="2023-10-23T18:14:09.728" v="26"/>
+          <ac:cxnSpMkLst>
+            <pc:docMk/>
+            <pc:sldMk cId="4067283307" sldId="331"/>
+            <ac:cxnSpMk id="9" creationId="{E8348F41-B544-91C1-D925-2EF2DF842CB7}"/>
+          </ac:cxnSpMkLst>
+        </pc:cxnChg>
+        <pc:cxnChg chg="add mod">
+          <ac:chgData name="Gummudala, Hymavathi" userId="S::hygumm@iu.edu::86fad630-273f-46cc-aba5-59bf22de68d6" providerId="AD" clId="Web-{80556B86-6079-4223-98A1-9B847B67D293}" dt="2023-10-23T18:14:01.744" v="25" actId="14100"/>
+          <ac:cxnSpMkLst>
+            <pc:docMk/>
+            <pc:sldMk cId="4067283307" sldId="331"/>
+            <ac:cxnSpMk id="11" creationId="{F771CDE5-0E0B-214A-D602-84B8FC8D63BA}"/>
+          </ac:cxnSpMkLst>
+        </pc:cxnChg>
+        <pc:cxnChg chg="add mod">
+          <ac:chgData name="Gummudala, Hymavathi" userId="S::hygumm@iu.edu::86fad630-273f-46cc-aba5-59bf22de68d6" providerId="AD" clId="Web-{80556B86-6079-4223-98A1-9B847B67D293}" dt="2023-10-23T18:14:22.619" v="30" actId="14100"/>
+          <ac:cxnSpMkLst>
+            <pc:docMk/>
+            <pc:sldMk cId="4067283307" sldId="331"/>
+            <ac:cxnSpMk id="12" creationId="{5030D1B2-9245-6807-7132-72F145366ECC}"/>
+          </ac:cxnSpMkLst>
+        </pc:cxnChg>
+        <pc:cxnChg chg="mod">
+          <ac:chgData name="Gummudala, Hymavathi" userId="S::hygumm@iu.edu::86fad630-273f-46cc-aba5-59bf22de68d6" providerId="AD" clId="Web-{80556B86-6079-4223-98A1-9B847B67D293}" dt="2023-10-23T18:12:51.117" v="7" actId="14100"/>
+          <ac:cxnSpMkLst>
+            <pc:docMk/>
+            <pc:sldMk cId="4067283307" sldId="331"/>
+            <ac:cxnSpMk id="36" creationId="{C5CB2F84-9998-C23E-EC8B-B5BE51AC68B4}"/>
+          </ac:cxnSpMkLst>
+        </pc:cxnChg>
+        <pc:cxnChg chg="mod">
+          <ac:chgData name="Gummudala, Hymavathi" userId="S::hygumm@iu.edu::86fad630-273f-46cc-aba5-59bf22de68d6" providerId="AD" clId="Web-{80556B86-6079-4223-98A1-9B847B67D293}" dt="2023-10-23T18:13:36.337" v="20" actId="14100"/>
+          <ac:cxnSpMkLst>
+            <pc:docMk/>
+            <pc:sldMk cId="4067283307" sldId="331"/>
+            <ac:cxnSpMk id="37" creationId="{FF6D48F5-6141-2AB1-1758-6B279A691F7F}"/>
+          </ac:cxnSpMkLst>
+        </pc:cxnChg>
+      </pc:sldChg>
+    </pc:docChg>
+  </pc:docChgLst>
   <pc:docChgLst>
     <pc:chgData name="Aswar, Shreyas" userId="S::saswar@iu.edu::6c701967-d18a-4478-86bb-8bcc54ba4814" providerId="AD" clId="Web-{73C4DC04-50F1-406E-9FDD-37D06597FF7F}"/>
     <pc:docChg chg="addSld delSld modSld sldOrd">
@@ -641,298 +1321,26 @@
     </pc:docChg>
   </pc:docChgLst>
   <pc:docChgLst>
-    <pc:chgData name="Chavan, Siddhesh Suhas" userId="S::sschavan@iu.edu::1999ced8-5107-46d8-831c-c339c9ba1243" providerId="AD" clId="Web-{6E6EB986-E468-46FE-98BE-904FC084C30C}"/>
+    <pc:chgData name="Aswar, Shreyas" userId="S::saswar@iu.edu::6c701967-d18a-4478-86bb-8bcc54ba4814" providerId="AD" clId="Web-{293EE36C-2A5D-42B2-A08A-2FF7EC85B27F}"/>
     <pc:docChg chg="modSld">
-      <pc:chgData name="Chavan, Siddhesh Suhas" userId="S::sschavan@iu.edu::1999ced8-5107-46d8-831c-c339c9ba1243" providerId="AD" clId="Web-{6E6EB986-E468-46FE-98BE-904FC084C30C}" dt="2023-10-23T18:00:41.840" v="147" actId="20577"/>
+      <pc:chgData name="Aswar, Shreyas" userId="S::saswar@iu.edu::6c701967-d18a-4478-86bb-8bcc54ba4814" providerId="AD" clId="Web-{293EE36C-2A5D-42B2-A08A-2FF7EC85B27F}" dt="2023-12-03T01:33:52.372" v="3"/>
       <pc:docMkLst>
         <pc:docMk/>
       </pc:docMkLst>
-      <pc:sldChg chg="modSp">
-        <pc:chgData name="Chavan, Siddhesh Suhas" userId="S::sschavan@iu.edu::1999ced8-5107-46d8-831c-c339c9ba1243" providerId="AD" clId="Web-{6E6EB986-E468-46FE-98BE-904FC084C30C}" dt="2023-10-23T17:34:32.917" v="5" actId="20577"/>
-        <pc:sldMkLst>
-          <pc:docMk/>
-          <pc:sldMk cId="2144012005" sldId="317"/>
-        </pc:sldMkLst>
-        <pc:spChg chg="mod">
-          <ac:chgData name="Chavan, Siddhesh Suhas" userId="S::sschavan@iu.edu::1999ced8-5107-46d8-831c-c339c9ba1243" providerId="AD" clId="Web-{6E6EB986-E468-46FE-98BE-904FC084C30C}" dt="2023-10-23T17:34:32.917" v="5" actId="20577"/>
-          <ac:spMkLst>
-            <pc:docMk/>
-            <pc:sldMk cId="2144012005" sldId="317"/>
-            <ac:spMk id="4" creationId="{00000000-0000-0000-0000-000000000000}"/>
-          </ac:spMkLst>
-        </pc:spChg>
-      </pc:sldChg>
-      <pc:sldChg chg="modSp">
-        <pc:chgData name="Chavan, Siddhesh Suhas" userId="S::sschavan@iu.edu::1999ced8-5107-46d8-831c-c339c9ba1243" providerId="AD" clId="Web-{6E6EB986-E468-46FE-98BE-904FC084C30C}" dt="2023-10-23T17:43:55.955" v="131" actId="20577"/>
-        <pc:sldMkLst>
-          <pc:docMk/>
-          <pc:sldMk cId="708226800" sldId="323"/>
-        </pc:sldMkLst>
-        <pc:spChg chg="mod">
-          <ac:chgData name="Chavan, Siddhesh Suhas" userId="S::sschavan@iu.edu::1999ced8-5107-46d8-831c-c339c9ba1243" providerId="AD" clId="Web-{6E6EB986-E468-46FE-98BE-904FC084C30C}" dt="2023-10-23T17:43:55.955" v="131" actId="20577"/>
-          <ac:spMkLst>
-            <pc:docMk/>
-            <pc:sldMk cId="708226800" sldId="323"/>
-            <ac:spMk id="4" creationId="{00000000-0000-0000-0000-000000000000}"/>
-          </ac:spMkLst>
-        </pc:spChg>
-      </pc:sldChg>
-      <pc:sldChg chg="addSp modSp">
-        <pc:chgData name="Chavan, Siddhesh Suhas" userId="S::sschavan@iu.edu::1999ced8-5107-46d8-831c-c339c9ba1243" providerId="AD" clId="Web-{6E6EB986-E468-46FE-98BE-904FC084C30C}" dt="2023-10-23T18:00:41.840" v="147" actId="20577"/>
+      <pc:sldChg chg="addSp delSp modSp">
+        <pc:chgData name="Aswar, Shreyas" userId="S::saswar@iu.edu::6c701967-d18a-4478-86bb-8bcc54ba4814" providerId="AD" clId="Web-{293EE36C-2A5D-42B2-A08A-2FF7EC85B27F}" dt="2023-12-03T01:33:52.372" v="3"/>
         <pc:sldMkLst>
           <pc:docMk/>
           <pc:sldMk cId="4067283307" sldId="331"/>
         </pc:sldMkLst>
-        <pc:spChg chg="add mod">
-          <ac:chgData name="Chavan, Siddhesh Suhas" userId="S::sschavan@iu.edu::1999ced8-5107-46d8-831c-c339c9ba1243" providerId="AD" clId="Web-{6E6EB986-E468-46FE-98BE-904FC084C30C}" dt="2023-10-23T18:00:41.840" v="147" actId="20577"/>
-          <ac:spMkLst>
+        <pc:picChg chg="add del mod">
+          <ac:chgData name="Aswar, Shreyas" userId="S::saswar@iu.edu::6c701967-d18a-4478-86bb-8bcc54ba4814" providerId="AD" clId="Web-{293EE36C-2A5D-42B2-A08A-2FF7EC85B27F}" dt="2023-12-03T01:33:52.372" v="3"/>
+          <ac:picMkLst>
             <pc:docMk/>
             <pc:sldMk cId="4067283307" sldId="331"/>
-            <ac:spMk id="6" creationId="{2AC4CB2E-F5A7-7A37-E50D-5BDE06335FA4}"/>
-          </ac:spMkLst>
-        </pc:spChg>
-        <pc:picChg chg="mod">
-          <ac:chgData name="Chavan, Siddhesh Suhas" userId="S::sschavan@iu.edu::1999ced8-5107-46d8-831c-c339c9ba1243" providerId="AD" clId="Web-{6E6EB986-E468-46FE-98BE-904FC084C30C}" dt="2023-10-23T17:51:53.006" v="132" actId="1076"/>
-          <ac:picMkLst>
-            <pc:docMk/>
-            <pc:sldMk cId="4067283307" sldId="331"/>
-            <ac:picMk id="21" creationId="{05ADAC8C-46FC-D40E-FB6A-7465E9CB6718}"/>
+            <ac:picMk id="7" creationId="{0EC38CFD-E986-3697-9AAD-8F2C7FC89179}"/>
           </ac:picMkLst>
         </pc:picChg>
-      </pc:sldChg>
-    </pc:docChg>
-  </pc:docChgLst>
-  <pc:docChgLst>
-    <pc:chgData name="Gummudala, Hymavathi" userId="S::hygumm@iu.edu::86fad630-273f-46cc-aba5-59bf22de68d6" providerId="AD" clId="Web-{743EE1C2-1E0F-4D5B-BD21-8DA7BA68BE99}"/>
-    <pc:docChg chg="addSld delSld modSld">
-      <pc:chgData name="Gummudala, Hymavathi" userId="S::hygumm@iu.edu::86fad630-273f-46cc-aba5-59bf22de68d6" providerId="AD" clId="Web-{743EE1C2-1E0F-4D5B-BD21-8DA7BA68BE99}" dt="2023-10-23T18:10:54.300" v="533" actId="20577"/>
-      <pc:docMkLst>
-        <pc:docMk/>
-      </pc:docMkLst>
-      <pc:sldChg chg="modSp">
-        <pc:chgData name="Gummudala, Hymavathi" userId="S::hygumm@iu.edu::86fad630-273f-46cc-aba5-59bf22de68d6" providerId="AD" clId="Web-{743EE1C2-1E0F-4D5B-BD21-8DA7BA68BE99}" dt="2023-10-23T16:21:29.336" v="12" actId="20577"/>
-        <pc:sldMkLst>
-          <pc:docMk/>
-          <pc:sldMk cId="2144012005" sldId="317"/>
-        </pc:sldMkLst>
-        <pc:spChg chg="mod">
-          <ac:chgData name="Gummudala, Hymavathi" userId="S::hygumm@iu.edu::86fad630-273f-46cc-aba5-59bf22de68d6" providerId="AD" clId="Web-{743EE1C2-1E0F-4D5B-BD21-8DA7BA68BE99}" dt="2023-10-23T16:21:29.336" v="12" actId="20577"/>
-          <ac:spMkLst>
-            <pc:docMk/>
-            <pc:sldMk cId="2144012005" sldId="317"/>
-            <ac:spMk id="4" creationId="{00000000-0000-0000-0000-000000000000}"/>
-          </ac:spMkLst>
-        </pc:spChg>
-      </pc:sldChg>
-      <pc:sldChg chg="modSp">
-        <pc:chgData name="Gummudala, Hymavathi" userId="S::hygumm@iu.edu::86fad630-273f-46cc-aba5-59bf22de68d6" providerId="AD" clId="Web-{743EE1C2-1E0F-4D5B-BD21-8DA7BA68BE99}" dt="2023-10-23T17:42:05.205" v="183" actId="20577"/>
-        <pc:sldMkLst>
-          <pc:docMk/>
-          <pc:sldMk cId="708226800" sldId="323"/>
-        </pc:sldMkLst>
-        <pc:spChg chg="mod">
-          <ac:chgData name="Gummudala, Hymavathi" userId="S::hygumm@iu.edu::86fad630-273f-46cc-aba5-59bf22de68d6" providerId="AD" clId="Web-{743EE1C2-1E0F-4D5B-BD21-8DA7BA68BE99}" dt="2023-10-23T17:42:05.205" v="183" actId="20577"/>
-          <ac:spMkLst>
-            <pc:docMk/>
-            <pc:sldMk cId="708226800" sldId="323"/>
-            <ac:spMk id="4" creationId="{00000000-0000-0000-0000-000000000000}"/>
-          </ac:spMkLst>
-        </pc:spChg>
-      </pc:sldChg>
-      <pc:sldChg chg="del">
-        <pc:chgData name="Gummudala, Hymavathi" userId="S::hygumm@iu.edu::86fad630-273f-46cc-aba5-59bf22de68d6" providerId="AD" clId="Web-{743EE1C2-1E0F-4D5B-BD21-8DA7BA68BE99}" dt="2023-10-23T17:40:48.918" v="180"/>
-        <pc:sldMkLst>
-          <pc:docMk/>
-          <pc:sldMk cId="2166209490" sldId="326"/>
-        </pc:sldMkLst>
-      </pc:sldChg>
-      <pc:sldChg chg="modSp">
-        <pc:chgData name="Gummudala, Hymavathi" userId="S::hygumm@iu.edu::86fad630-273f-46cc-aba5-59bf22de68d6" providerId="AD" clId="Web-{743EE1C2-1E0F-4D5B-BD21-8DA7BA68BE99}" dt="2023-10-23T16:21:33.102" v="15" actId="20577"/>
-        <pc:sldMkLst>
-          <pc:docMk/>
-          <pc:sldMk cId="3622896136" sldId="327"/>
-        </pc:sldMkLst>
-        <pc:spChg chg="mod">
-          <ac:chgData name="Gummudala, Hymavathi" userId="S::hygumm@iu.edu::86fad630-273f-46cc-aba5-59bf22de68d6" providerId="AD" clId="Web-{743EE1C2-1E0F-4D5B-BD21-8DA7BA68BE99}" dt="2023-10-23T16:21:33.102" v="15" actId="20577"/>
-          <ac:spMkLst>
-            <pc:docMk/>
-            <pc:sldMk cId="3622896136" sldId="327"/>
-            <ac:spMk id="4" creationId="{A6B6AF42-4565-45CA-9CA0-8E223AEF9E05}"/>
-          </ac:spMkLst>
-        </pc:spChg>
-      </pc:sldChg>
-      <pc:sldChg chg="modSp new">
-        <pc:chgData name="Gummudala, Hymavathi" userId="S::hygumm@iu.edu::86fad630-273f-46cc-aba5-59bf22de68d6" providerId="AD" clId="Web-{743EE1C2-1E0F-4D5B-BD21-8DA7BA68BE99}" dt="2023-10-23T18:10:54.300" v="533" actId="20577"/>
-        <pc:sldMkLst>
-          <pc:docMk/>
-          <pc:sldMk cId="2368559655" sldId="328"/>
-        </pc:sldMkLst>
-        <pc:spChg chg="mod">
-          <ac:chgData name="Gummudala, Hymavathi" userId="S::hygumm@iu.edu::86fad630-273f-46cc-aba5-59bf22de68d6" providerId="AD" clId="Web-{743EE1C2-1E0F-4D5B-BD21-8DA7BA68BE99}" dt="2023-10-23T18:05:53.200" v="524" actId="1076"/>
-          <ac:spMkLst>
-            <pc:docMk/>
-            <pc:sldMk cId="2368559655" sldId="328"/>
-            <ac:spMk id="2" creationId="{9477F8C1-FDB6-3BB6-BD6B-5421C47B2BA8}"/>
-          </ac:spMkLst>
-        </pc:spChg>
-        <pc:spChg chg="mod">
-          <ac:chgData name="Gummudala, Hymavathi" userId="S::hygumm@iu.edu::86fad630-273f-46cc-aba5-59bf22de68d6" providerId="AD" clId="Web-{743EE1C2-1E0F-4D5B-BD21-8DA7BA68BE99}" dt="2023-10-23T18:10:54.300" v="533" actId="20577"/>
-          <ac:spMkLst>
-            <pc:docMk/>
-            <pc:sldMk cId="2368559655" sldId="328"/>
-            <ac:spMk id="4" creationId="{972DE744-93D0-F0AD-6C26-0BA3ECE5D8E7}"/>
-          </ac:spMkLst>
-        </pc:spChg>
-      </pc:sldChg>
-      <pc:sldChg chg="modSp new del">
-        <pc:chgData name="Gummudala, Hymavathi" userId="S::hygumm@iu.edu::86fad630-273f-46cc-aba5-59bf22de68d6" providerId="AD" clId="Web-{743EE1C2-1E0F-4D5B-BD21-8DA7BA68BE99}" dt="2023-10-23T17:54:05.727" v="265"/>
-        <pc:sldMkLst>
-          <pc:docMk/>
-          <pc:sldMk cId="3236602689" sldId="329"/>
-        </pc:sldMkLst>
-        <pc:spChg chg="mod">
-          <ac:chgData name="Gummudala, Hymavathi" userId="S::hygumm@iu.edu::86fad630-273f-46cc-aba5-59bf22de68d6" providerId="AD" clId="Web-{743EE1C2-1E0F-4D5B-BD21-8DA7BA68BE99}" dt="2023-10-23T16:44:55.235" v="41" actId="20577"/>
-          <ac:spMkLst>
-            <pc:docMk/>
-            <pc:sldMk cId="3236602689" sldId="329"/>
-            <ac:spMk id="2" creationId="{A3393F58-48CE-EB7F-A023-BA3D93419C86}"/>
-          </ac:spMkLst>
-        </pc:spChg>
-        <pc:spChg chg="mod">
-          <ac:chgData name="Gummudala, Hymavathi" userId="S::hygumm@iu.edu::86fad630-273f-46cc-aba5-59bf22de68d6" providerId="AD" clId="Web-{743EE1C2-1E0F-4D5B-BD21-8DA7BA68BE99}" dt="2023-10-23T17:31:25.908" v="179" actId="20577"/>
-          <ac:spMkLst>
-            <pc:docMk/>
-            <pc:sldMk cId="3236602689" sldId="329"/>
-            <ac:spMk id="4" creationId="{AE98E99F-1493-5A17-7CCB-558C128073AB}"/>
-          </ac:spMkLst>
-        </pc:spChg>
-      </pc:sldChg>
-      <pc:sldChg chg="addSp modSp">
-        <pc:chgData name="Gummudala, Hymavathi" userId="S::hygumm@iu.edu::86fad630-273f-46cc-aba5-59bf22de68d6" providerId="AD" clId="Web-{743EE1C2-1E0F-4D5B-BD21-8DA7BA68BE99}" dt="2023-10-23T18:01:52.776" v="399" actId="1076"/>
-        <pc:sldMkLst>
-          <pc:docMk/>
-          <pc:sldMk cId="4067283307" sldId="331"/>
-        </pc:sldMkLst>
-        <pc:spChg chg="add mod">
-          <ac:chgData name="Gummudala, Hymavathi" userId="S::hygumm@iu.edu::86fad630-273f-46cc-aba5-59bf22de68d6" providerId="AD" clId="Web-{743EE1C2-1E0F-4D5B-BD21-8DA7BA68BE99}" dt="2023-10-23T18:01:30.415" v="397" actId="1076"/>
-          <ac:spMkLst>
-            <pc:docMk/>
-            <pc:sldMk cId="4067283307" sldId="331"/>
-            <ac:spMk id="2" creationId="{90FE5638-67BD-5370-DCE6-A371A1C773C8}"/>
-          </ac:spMkLst>
-        </pc:spChg>
-        <pc:spChg chg="add mod">
-          <ac:chgData name="Gummudala, Hymavathi" userId="S::hygumm@iu.edu::86fad630-273f-46cc-aba5-59bf22de68d6" providerId="AD" clId="Web-{743EE1C2-1E0F-4D5B-BD21-8DA7BA68BE99}" dt="2023-10-23T17:58:59.936" v="362" actId="1076"/>
-          <ac:spMkLst>
-            <pc:docMk/>
-            <pc:sldMk cId="4067283307" sldId="331"/>
-            <ac:spMk id="2" creationId="{998C6DFA-FC01-D9B7-BCED-EBE47528E1C8}"/>
-          </ac:spMkLst>
-        </pc:spChg>
-        <pc:spChg chg="add mod">
-          <ac:chgData name="Gummudala, Hymavathi" userId="S::hygumm@iu.edu::86fad630-273f-46cc-aba5-59bf22de68d6" providerId="AD" clId="Web-{743EE1C2-1E0F-4D5B-BD21-8DA7BA68BE99}" dt="2023-10-23T17:59:25.828" v="365" actId="1076"/>
-          <ac:spMkLst>
-            <pc:docMk/>
-            <pc:sldMk cId="4067283307" sldId="331"/>
-            <ac:spMk id="5" creationId="{E22566DC-96C9-29D9-158A-FFCF77020905}"/>
-          </ac:spMkLst>
-        </pc:spChg>
-        <pc:spChg chg="mod">
-          <ac:chgData name="Gummudala, Hymavathi" userId="S::hygumm@iu.edu::86fad630-273f-46cc-aba5-59bf22de68d6" providerId="AD" clId="Web-{743EE1C2-1E0F-4D5B-BD21-8DA7BA68BE99}" dt="2023-10-23T18:01:00.944" v="369" actId="1076"/>
-          <ac:spMkLst>
-            <pc:docMk/>
-            <pc:sldMk cId="4067283307" sldId="331"/>
-            <ac:spMk id="6" creationId="{2AC4CB2E-F5A7-7A37-E50D-5BDE06335FA4}"/>
-          </ac:spMkLst>
-        </pc:spChg>
-        <pc:spChg chg="add mod">
-          <ac:chgData name="Gummudala, Hymavathi" userId="S::hygumm@iu.edu::86fad630-273f-46cc-aba5-59bf22de68d6" providerId="AD" clId="Web-{743EE1C2-1E0F-4D5B-BD21-8DA7BA68BE99}" dt="2023-10-23T17:08:22.448" v="125" actId="14100"/>
-          <ac:spMkLst>
-            <pc:docMk/>
-            <pc:sldMk cId="4067283307" sldId="331"/>
-            <ac:spMk id="7" creationId="{5E693E64-C518-9516-DCF9-C6AC809D0CB0}"/>
-          </ac:spMkLst>
-        </pc:spChg>
-        <pc:spChg chg="add mod">
-          <ac:chgData name="Gummudala, Hymavathi" userId="S::hygumm@iu.edu::86fad630-273f-46cc-aba5-59bf22de68d6" providerId="AD" clId="Web-{743EE1C2-1E0F-4D5B-BD21-8DA7BA68BE99}" dt="2023-10-23T17:08:29.323" v="127" actId="1076"/>
-          <ac:spMkLst>
-            <pc:docMk/>
-            <pc:sldMk cId="4067283307" sldId="331"/>
-            <ac:spMk id="8" creationId="{946328A1-D948-E61F-B030-5ADEB9881683}"/>
-          </ac:spMkLst>
-        </pc:spChg>
-        <pc:spChg chg="mod">
-          <ac:chgData name="Gummudala, Hymavathi" userId="S::hygumm@iu.edu::86fad630-273f-46cc-aba5-59bf22de68d6" providerId="AD" clId="Web-{743EE1C2-1E0F-4D5B-BD21-8DA7BA68BE99}" dt="2023-10-23T18:01:52.776" v="399" actId="1076"/>
-          <ac:spMkLst>
-            <pc:docMk/>
-            <pc:sldMk cId="4067283307" sldId="331"/>
-            <ac:spMk id="27" creationId="{8184DC83-BC0E-F646-AB88-1651F62D4A71}"/>
-          </ac:spMkLst>
-        </pc:spChg>
-        <pc:spChg chg="mod">
-          <ac:chgData name="Gummudala, Hymavathi" userId="S::hygumm@iu.edu::86fad630-273f-46cc-aba5-59bf22de68d6" providerId="AD" clId="Web-{743EE1C2-1E0F-4D5B-BD21-8DA7BA68BE99}" dt="2023-10-23T18:00:17.629" v="366" actId="1076"/>
-          <ac:spMkLst>
-            <pc:docMk/>
-            <pc:sldMk cId="4067283307" sldId="331"/>
-            <ac:spMk id="29" creationId="{156E4521-3640-084E-3A57-C7B851C3B2CF}"/>
-          </ac:spMkLst>
-        </pc:spChg>
-        <pc:picChg chg="add mod">
-          <ac:chgData name="Gummudala, Hymavathi" userId="S::hygumm@iu.edu::86fad630-273f-46cc-aba5-59bf22de68d6" providerId="AD" clId="Web-{743EE1C2-1E0F-4D5B-BD21-8DA7BA68BE99}" dt="2023-10-23T16:56:21.176" v="114" actId="1076"/>
-          <ac:picMkLst>
-            <pc:docMk/>
-            <pc:sldMk cId="4067283307" sldId="331"/>
-            <ac:picMk id="4" creationId="{EC269B9F-A17C-328D-2A89-8284632D26ED}"/>
-          </ac:picMkLst>
-        </pc:picChg>
-        <pc:picChg chg="add mod">
-          <ac:chgData name="Gummudala, Hymavathi" userId="S::hygumm@iu.edu::86fad630-273f-46cc-aba5-59bf22de68d6" providerId="AD" clId="Web-{743EE1C2-1E0F-4D5B-BD21-8DA7BA68BE99}" dt="2023-10-23T16:57:18.430" v="119" actId="1076"/>
-          <ac:picMkLst>
-            <pc:docMk/>
-            <pc:sldMk cId="4067283307" sldId="331"/>
-            <ac:picMk id="5" creationId="{A3648AAB-357A-158E-63EA-7A2FB60FA1CA}"/>
-          </ac:picMkLst>
-        </pc:picChg>
-        <pc:picChg chg="add mod">
-          <ac:chgData name="Gummudala, Hymavathi" userId="S::hygumm@iu.edu::86fad630-273f-46cc-aba5-59bf22de68d6" providerId="AD" clId="Web-{743EE1C2-1E0F-4D5B-BD21-8DA7BA68BE99}" dt="2023-10-23T16:58:05.309" v="122" actId="1076"/>
-          <ac:picMkLst>
-            <pc:docMk/>
-            <pc:sldMk cId="4067283307" sldId="331"/>
-            <ac:picMk id="6" creationId="{D6D06051-0690-21AB-A6F3-FA44A17AFEF7}"/>
-          </ac:picMkLst>
-        </pc:picChg>
-        <pc:picChg chg="mod">
-          <ac:chgData name="Gummudala, Hymavathi" userId="S::hygumm@iu.edu::86fad630-273f-46cc-aba5-59bf22de68d6" providerId="AD" clId="Web-{743EE1C2-1E0F-4D5B-BD21-8DA7BA68BE99}" dt="2023-10-23T18:01:48.964" v="398" actId="1076"/>
-          <ac:picMkLst>
-            <pc:docMk/>
-            <pc:sldMk cId="4067283307" sldId="331"/>
-            <ac:picMk id="17" creationId="{B76F0877-2687-BB5F-D098-9B36F6AE3AD0}"/>
-          </ac:picMkLst>
-        </pc:picChg>
-      </pc:sldChg>
-    </pc:docChg>
-  </pc:docChgLst>
-  <pc:docChgLst>
-    <pc:chgData name="Gummudala, Hymavathi" userId="S::hygumm@iu.edu::86fad630-273f-46cc-aba5-59bf22de68d6" providerId="AD" clId="Web-{345D9B78-EA17-4199-BFB8-F45A7657EC2B}"/>
-    <pc:docChg chg="addSld modSld">
-      <pc:chgData name="Gummudala, Hymavathi" userId="S::hygumm@iu.edu::86fad630-273f-46cc-aba5-59bf22de68d6" providerId="AD" clId="Web-{345D9B78-EA17-4199-BFB8-F45A7657EC2B}" dt="2023-10-22T21:34:09.668" v="90" actId="20577"/>
-      <pc:docMkLst>
-        <pc:docMk/>
-      </pc:docMkLst>
-      <pc:sldChg chg="modSp new">
-        <pc:chgData name="Gummudala, Hymavathi" userId="S::hygumm@iu.edu::86fad630-273f-46cc-aba5-59bf22de68d6" providerId="AD" clId="Web-{345D9B78-EA17-4199-BFB8-F45A7657EC2B}" dt="2023-10-22T21:34:09.668" v="90" actId="20577"/>
-        <pc:sldMkLst>
-          <pc:docMk/>
-          <pc:sldMk cId="2166209490" sldId="326"/>
-        </pc:sldMkLst>
-        <pc:spChg chg="mod">
-          <ac:chgData name="Gummudala, Hymavathi" userId="S::hygumm@iu.edu::86fad630-273f-46cc-aba5-59bf22de68d6" providerId="AD" clId="Web-{345D9B78-EA17-4199-BFB8-F45A7657EC2B}" dt="2023-10-22T21:34:09.668" v="90" actId="20577"/>
-          <ac:spMkLst>
-            <pc:docMk/>
-            <pc:sldMk cId="2166209490" sldId="326"/>
-            <ac:spMk id="2" creationId="{28D2AE92-516D-E391-B54A-E16CA789C541}"/>
-          </ac:spMkLst>
-        </pc:spChg>
       </pc:sldChg>
     </pc:docChg>
   </pc:docChgLst>
@@ -969,74 +1377,686 @@
     </pc:docChg>
   </pc:docChgLst>
   <pc:docChgLst>
-    <pc:chgData name="Gummudala, Hymavathi" userId="S::hygumm@iu.edu::86fad630-273f-46cc-aba5-59bf22de68d6" providerId="AD" clId="Web-{80556B86-6079-4223-98A1-9B847B67D293}"/>
+    <pc:chgData name="Aswar, Shreyas" userId="S::saswar@iu.edu::6c701967-d18a-4478-86bb-8bcc54ba4814" providerId="AD" clId="Web-{02D7AD42-68AF-FB0A-6DFD-897A73D5871A}"/>
     <pc:docChg chg="modSld">
-      <pc:chgData name="Gummudala, Hymavathi" userId="S::hygumm@iu.edu::86fad630-273f-46cc-aba5-59bf22de68d6" providerId="AD" clId="Web-{80556B86-6079-4223-98A1-9B847B67D293}" dt="2023-10-23T18:14:22.619" v="30" actId="14100"/>
+      <pc:chgData name="Aswar, Shreyas" userId="S::saswar@iu.edu::6c701967-d18a-4478-86bb-8bcc54ba4814" providerId="AD" clId="Web-{02D7AD42-68AF-FB0A-6DFD-897A73D5871A}" dt="2023-12-04T19:58:07.004" v="70" actId="20577"/>
       <pc:docMkLst>
         <pc:docMk/>
       </pc:docMkLst>
-      <pc:sldChg chg="addSp delSp modSp">
-        <pc:chgData name="Gummudala, Hymavathi" userId="S::hygumm@iu.edu::86fad630-273f-46cc-aba5-59bf22de68d6" providerId="AD" clId="Web-{80556B86-6079-4223-98A1-9B847B67D293}" dt="2023-10-23T18:14:22.619" v="30" actId="14100"/>
+      <pc:sldChg chg="modSp">
+        <pc:chgData name="Aswar, Shreyas" userId="S::saswar@iu.edu::6c701967-d18a-4478-86bb-8bcc54ba4814" providerId="AD" clId="Web-{02D7AD42-68AF-FB0A-6DFD-897A73D5871A}" dt="2023-12-04T19:58:07.004" v="70" actId="20577"/>
+        <pc:sldMkLst>
+          <pc:docMk/>
+          <pc:sldMk cId="3028757967" sldId="334"/>
+        </pc:sldMkLst>
+        <pc:spChg chg="mod">
+          <ac:chgData name="Aswar, Shreyas" userId="S::saswar@iu.edu::6c701967-d18a-4478-86bb-8bcc54ba4814" providerId="AD" clId="Web-{02D7AD42-68AF-FB0A-6DFD-897A73D5871A}" dt="2023-12-04T19:58:07.004" v="70" actId="20577"/>
+          <ac:spMkLst>
+            <pc:docMk/>
+            <pc:sldMk cId="3028757967" sldId="334"/>
+            <ac:spMk id="4" creationId="{92D9928A-63BD-D284-C59E-7D6E852A4178}"/>
+          </ac:spMkLst>
+        </pc:spChg>
+      </pc:sldChg>
+      <pc:sldChg chg="modSp">
+        <pc:chgData name="Aswar, Shreyas" userId="S::saswar@iu.edu::6c701967-d18a-4478-86bb-8bcc54ba4814" providerId="AD" clId="Web-{02D7AD42-68AF-FB0A-6DFD-897A73D5871A}" dt="2023-12-04T19:55:41.406" v="0" actId="1076"/>
+        <pc:sldMkLst>
+          <pc:docMk/>
+          <pc:sldMk cId="791137086" sldId="337"/>
+        </pc:sldMkLst>
+        <pc:spChg chg="mod">
+          <ac:chgData name="Aswar, Shreyas" userId="S::saswar@iu.edu::6c701967-d18a-4478-86bb-8bcc54ba4814" providerId="AD" clId="Web-{02D7AD42-68AF-FB0A-6DFD-897A73D5871A}" dt="2023-12-04T19:55:41.406" v="0" actId="1076"/>
+          <ac:spMkLst>
+            <pc:docMk/>
+            <pc:sldMk cId="791137086" sldId="337"/>
+            <ac:spMk id="3" creationId="{645DFD96-62D6-5CDF-3753-46C22338B9EF}"/>
+          </ac:spMkLst>
+        </pc:spChg>
+      </pc:sldChg>
+    </pc:docChg>
+  </pc:docChgLst>
+  <pc:docChgLst>
+    <pc:chgData name="Gummudala, Hymavathi" userId="S::hygumm@iu.edu::86fad630-273f-46cc-aba5-59bf22de68d6" providerId="AD" clId="Web-{39321669-5C70-44C1-909E-64054D4E54DF}"/>
+    <pc:docChg chg="sldOrd">
+      <pc:chgData name="Gummudala, Hymavathi" userId="S::hygumm@iu.edu::86fad630-273f-46cc-aba5-59bf22de68d6" providerId="AD" clId="Web-{39321669-5C70-44C1-909E-64054D4E54DF}" dt="2023-12-04T20:54:05.006" v="0"/>
+      <pc:docMkLst>
+        <pc:docMk/>
+      </pc:docMkLst>
+      <pc:sldChg chg="ord">
+        <pc:chgData name="Gummudala, Hymavathi" userId="S::hygumm@iu.edu::86fad630-273f-46cc-aba5-59bf22de68d6" providerId="AD" clId="Web-{39321669-5C70-44C1-909E-64054D4E54DF}" dt="2023-12-04T20:54:05.006" v="0"/>
+        <pc:sldMkLst>
+          <pc:docMk/>
+          <pc:sldMk cId="1904497864" sldId="335"/>
+        </pc:sldMkLst>
+      </pc:sldChg>
+    </pc:docChg>
+  </pc:docChgLst>
+  <pc:docChgLst>
+    <pc:chgData name="Aswar, Shreyas" userId="S::saswar@iu.edu::6c701967-d18a-4478-86bb-8bcc54ba4814" providerId="AD" clId="Web-{0F2260AE-1134-145B-56CF-B6514344AD2E}"/>
+    <pc:docChg chg="addSld delSld modSld sldOrd">
+      <pc:chgData name="Aswar, Shreyas" userId="S::saswar@iu.edu::6c701967-d18a-4478-86bb-8bcc54ba4814" providerId="AD" clId="Web-{0F2260AE-1134-145B-56CF-B6514344AD2E}" dt="2023-12-04T19:55:16.227" v="960" actId="1076"/>
+      <pc:docMkLst>
+        <pc:docMk/>
+      </pc:docMkLst>
+      <pc:sldChg chg="modSp">
+        <pc:chgData name="Aswar, Shreyas" userId="S::saswar@iu.edu::6c701967-d18a-4478-86bb-8bcc54ba4814" providerId="AD" clId="Web-{0F2260AE-1134-145B-56CF-B6514344AD2E}" dt="2023-12-04T19:02:04.960" v="261" actId="20577"/>
+        <pc:sldMkLst>
+          <pc:docMk/>
+          <pc:sldMk cId="708226800" sldId="323"/>
+        </pc:sldMkLst>
+        <pc:spChg chg="mod">
+          <ac:chgData name="Aswar, Shreyas" userId="S::saswar@iu.edu::6c701967-d18a-4478-86bb-8bcc54ba4814" providerId="AD" clId="Web-{0F2260AE-1134-145B-56CF-B6514344AD2E}" dt="2023-12-04T18:57:37.859" v="30" actId="20577"/>
+          <ac:spMkLst>
+            <pc:docMk/>
+            <pc:sldMk cId="708226800" sldId="323"/>
+            <ac:spMk id="2" creationId="{00000000-0000-0000-0000-000000000000}"/>
+          </ac:spMkLst>
+        </pc:spChg>
+        <pc:spChg chg="mod">
+          <ac:chgData name="Aswar, Shreyas" userId="S::saswar@iu.edu::6c701967-d18a-4478-86bb-8bcc54ba4814" providerId="AD" clId="Web-{0F2260AE-1134-145B-56CF-B6514344AD2E}" dt="2023-12-04T19:02:04.960" v="261" actId="20577"/>
+          <ac:spMkLst>
+            <pc:docMk/>
+            <pc:sldMk cId="708226800" sldId="323"/>
+            <ac:spMk id="4" creationId="{00000000-0000-0000-0000-000000000000}"/>
+          </ac:spMkLst>
+        </pc:spChg>
+      </pc:sldChg>
+      <pc:sldChg chg="modSp del">
+        <pc:chgData name="Aswar, Shreyas" userId="S::saswar@iu.edu::6c701967-d18a-4478-86bb-8bcc54ba4814" providerId="AD" clId="Web-{0F2260AE-1134-145B-56CF-B6514344AD2E}" dt="2023-12-04T19:42:36.489" v="505"/>
+        <pc:sldMkLst>
+          <pc:docMk/>
+          <pc:sldMk cId="2368559655" sldId="328"/>
+        </pc:sldMkLst>
+        <pc:spChg chg="mod">
+          <ac:chgData name="Aswar, Shreyas" userId="S::saswar@iu.edu::6c701967-d18a-4478-86bb-8bcc54ba4814" providerId="AD" clId="Web-{0F2260AE-1134-145B-56CF-B6514344AD2E}" dt="2023-12-04T19:42:35.880" v="504" actId="20577"/>
+          <ac:spMkLst>
+            <pc:docMk/>
+            <pc:sldMk cId="2368559655" sldId="328"/>
+            <ac:spMk id="4" creationId="{972DE744-93D0-F0AD-6C26-0BA3ECE5D8E7}"/>
+          </ac:spMkLst>
+        </pc:spChg>
+      </pc:sldChg>
+      <pc:sldChg chg="del">
+        <pc:chgData name="Aswar, Shreyas" userId="S::saswar@iu.edu::6c701967-d18a-4478-86bb-8bcc54ba4814" providerId="AD" clId="Web-{0F2260AE-1134-145B-56CF-B6514344AD2E}" dt="2023-12-04T18:53:48.854" v="0"/>
         <pc:sldMkLst>
           <pc:docMk/>
           <pc:sldMk cId="4067283307" sldId="331"/>
         </pc:sldMkLst>
+      </pc:sldChg>
+      <pc:sldChg chg="addSp delSp modSp">
+        <pc:chgData name="Aswar, Shreyas" userId="S::saswar@iu.edu::6c701967-d18a-4478-86bb-8bcc54ba4814" providerId="AD" clId="Web-{0F2260AE-1134-145B-56CF-B6514344AD2E}" dt="2023-12-04T19:39:57.532" v="501" actId="1076"/>
+        <pc:sldMkLst>
+          <pc:docMk/>
+          <pc:sldMk cId="920145628" sldId="332"/>
+        </pc:sldMkLst>
         <pc:spChg chg="add del mod">
-          <ac:chgData name="Gummudala, Hymavathi" userId="S::hygumm@iu.edu::86fad630-273f-46cc-aba5-59bf22de68d6" providerId="AD" clId="Web-{80556B86-6079-4223-98A1-9B847B67D293}" dt="2023-10-23T18:12:44.008" v="5"/>
+          <ac:chgData name="Aswar, Shreyas" userId="S::saswar@iu.edu::6c701967-d18a-4478-86bb-8bcc54ba4814" providerId="AD" clId="Web-{0F2260AE-1134-145B-56CF-B6514344AD2E}" dt="2023-12-04T19:32:31.662" v="477" actId="1076"/>
           <ac:spMkLst>
             <pc:docMk/>
-            <pc:sldMk cId="4067283307" sldId="331"/>
-            <ac:spMk id="7" creationId="{82B64DE4-8A87-ED59-7050-EBA88A924ACE}"/>
+            <pc:sldMk cId="920145628" sldId="332"/>
+            <ac:spMk id="3" creationId="{FE400A73-4328-B436-93E6-501205D26BF9}"/>
           </ac:spMkLst>
         </pc:spChg>
-        <pc:spChg chg="add del mod">
-          <ac:chgData name="Gummudala, Hymavathi" userId="S::hygumm@iu.edu::86fad630-273f-46cc-aba5-59bf22de68d6" providerId="AD" clId="Web-{80556B86-6079-4223-98A1-9B847B67D293}" dt="2023-10-23T18:13:00.961" v="11"/>
+        <pc:spChg chg="add mod">
+          <ac:chgData name="Aswar, Shreyas" userId="S::saswar@iu.edu::6c701967-d18a-4478-86bb-8bcc54ba4814" providerId="AD" clId="Web-{0F2260AE-1134-145B-56CF-B6514344AD2E}" dt="2023-12-04T19:32:31.552" v="467" actId="1076"/>
           <ac:spMkLst>
             <pc:docMk/>
-            <pc:sldMk cId="4067283307" sldId="331"/>
-            <ac:spMk id="8" creationId="{F11512BA-B576-2012-3A71-6A9513AF4871}"/>
+            <pc:sldMk cId="920145628" sldId="332"/>
+            <ac:spMk id="6" creationId="{CECFDFAE-38BF-5484-F29B-F751D6659915}"/>
           </ac:spMkLst>
         </pc:spChg>
+        <pc:spChg chg="add mod">
+          <ac:chgData name="Aswar, Shreyas" userId="S::saswar@iu.edu::6c701967-d18a-4478-86bb-8bcc54ba4814" providerId="AD" clId="Web-{0F2260AE-1134-145B-56CF-B6514344AD2E}" dt="2023-12-04T19:32:31.568" v="469" actId="1076"/>
+          <ac:spMkLst>
+            <pc:docMk/>
+            <pc:sldMk cId="920145628" sldId="332"/>
+            <ac:spMk id="12" creationId="{5C5A6C26-7561-2F20-B3F3-817D2784EABE}"/>
+          </ac:spMkLst>
+        </pc:spChg>
+        <pc:spChg chg="add mod">
+          <ac:chgData name="Aswar, Shreyas" userId="S::saswar@iu.edu::6c701967-d18a-4478-86bb-8bcc54ba4814" providerId="AD" clId="Web-{0F2260AE-1134-145B-56CF-B6514344AD2E}" dt="2023-12-04T19:32:31.584" v="470" actId="1076"/>
+          <ac:spMkLst>
+            <pc:docMk/>
+            <pc:sldMk cId="920145628" sldId="332"/>
+            <ac:spMk id="14" creationId="{3299D81C-C6C1-3BE4-AC45-7827091B96F2}"/>
+          </ac:spMkLst>
+        </pc:spChg>
+        <pc:spChg chg="add mod">
+          <ac:chgData name="Aswar, Shreyas" userId="S::saswar@iu.edu::6c701967-d18a-4478-86bb-8bcc54ba4814" providerId="AD" clId="Web-{0F2260AE-1134-145B-56CF-B6514344AD2E}" dt="2023-12-04T19:32:31.630" v="474" actId="1076"/>
+          <ac:spMkLst>
+            <pc:docMk/>
+            <pc:sldMk cId="920145628" sldId="332"/>
+            <ac:spMk id="17" creationId="{5DC7159E-5E33-2DA7-5220-AEAEECD71279}"/>
+          </ac:spMkLst>
+        </pc:spChg>
+        <pc:spChg chg="del mod">
+          <ac:chgData name="Aswar, Shreyas" userId="S::saswar@iu.edu::6c701967-d18a-4478-86bb-8bcc54ba4814" providerId="AD" clId="Web-{0F2260AE-1134-145B-56CF-B6514344AD2E}" dt="2023-12-04T19:08:35.032" v="300"/>
+          <ac:spMkLst>
+            <pc:docMk/>
+            <pc:sldMk cId="920145628" sldId="332"/>
+            <ac:spMk id="19" creationId="{18A5ECCF-F66C-961C-6F47-27CC032DCCBC}"/>
+          </ac:spMkLst>
+        </pc:spChg>
+        <pc:spChg chg="del mod">
+          <ac:chgData name="Aswar, Shreyas" userId="S::saswar@iu.edu::6c701967-d18a-4478-86bb-8bcc54ba4814" providerId="AD" clId="Web-{0F2260AE-1134-145B-56CF-B6514344AD2E}" dt="2023-12-04T18:56:05.326" v="10"/>
+          <ac:spMkLst>
+            <pc:docMk/>
+            <pc:sldMk cId="920145628" sldId="332"/>
+            <ac:spMk id="21" creationId="{6739BEDA-F0F7-443D-5853-6C8D57842EF1}"/>
+          </ac:spMkLst>
+        </pc:spChg>
+        <pc:spChg chg="mod">
+          <ac:chgData name="Aswar, Shreyas" userId="S::saswar@iu.edu::6c701967-d18a-4478-86bb-8bcc54ba4814" providerId="AD" clId="Web-{0F2260AE-1134-145B-56CF-B6514344AD2E}" dt="2023-12-04T19:32:31.396" v="455" actId="1076"/>
+          <ac:spMkLst>
+            <pc:docMk/>
+            <pc:sldMk cId="920145628" sldId="332"/>
+            <ac:spMk id="23" creationId="{8847DA06-D43C-8D11-2CE8-74130CA7E978}"/>
+          </ac:spMkLst>
+        </pc:spChg>
+        <pc:spChg chg="mod">
+          <ac:chgData name="Aswar, Shreyas" userId="S::saswar@iu.edu::6c701967-d18a-4478-86bb-8bcc54ba4814" providerId="AD" clId="Web-{0F2260AE-1134-145B-56CF-B6514344AD2E}" dt="2023-12-04T19:32:31.412" v="456" actId="1076"/>
+          <ac:spMkLst>
+            <pc:docMk/>
+            <pc:sldMk cId="920145628" sldId="332"/>
+            <ac:spMk id="25" creationId="{F1FFCD7F-BFA7-5C84-538B-4F872E9EEEFC}"/>
+          </ac:spMkLst>
+        </pc:spChg>
+        <pc:spChg chg="mod">
+          <ac:chgData name="Aswar, Shreyas" userId="S::saswar@iu.edu::6c701967-d18a-4478-86bb-8bcc54ba4814" providerId="AD" clId="Web-{0F2260AE-1134-145B-56CF-B6514344AD2E}" dt="2023-12-04T19:32:31.427" v="457" actId="1076"/>
+          <ac:spMkLst>
+            <pc:docMk/>
+            <pc:sldMk cId="920145628" sldId="332"/>
+            <ac:spMk id="27" creationId="{B94FDD87-67F2-7801-9A9A-3275BB3CE3FF}"/>
+          </ac:spMkLst>
+        </pc:spChg>
+        <pc:spChg chg="mod">
+          <ac:chgData name="Aswar, Shreyas" userId="S::saswar@iu.edu::6c701967-d18a-4478-86bb-8bcc54ba4814" providerId="AD" clId="Web-{0F2260AE-1134-145B-56CF-B6514344AD2E}" dt="2023-12-04T19:32:31.443" v="458" actId="1076"/>
+          <ac:spMkLst>
+            <pc:docMk/>
+            <pc:sldMk cId="920145628" sldId="332"/>
+            <ac:spMk id="29" creationId="{CD2D8F0D-A65B-DEE7-A71A-CDDF72FF33E3}"/>
+          </ac:spMkLst>
+        </pc:spChg>
+        <pc:spChg chg="del">
+          <ac:chgData name="Aswar, Shreyas" userId="S::saswar@iu.edu::6c701967-d18a-4478-86bb-8bcc54ba4814" providerId="AD" clId="Web-{0F2260AE-1134-145B-56CF-B6514344AD2E}" dt="2023-12-04T18:56:06.857" v="11"/>
+          <ac:spMkLst>
+            <pc:docMk/>
+            <pc:sldMk cId="920145628" sldId="332"/>
+            <ac:spMk id="33" creationId="{87B872F1-E6AE-7E99-78A1-8761486F9794}"/>
+          </ac:spMkLst>
+        </pc:spChg>
+        <pc:spChg chg="add mod">
+          <ac:chgData name="Aswar, Shreyas" userId="S::saswar@iu.edu::6c701967-d18a-4478-86bb-8bcc54ba4814" providerId="AD" clId="Web-{0F2260AE-1134-145B-56CF-B6514344AD2E}" dt="2023-12-04T19:39:57.532" v="501" actId="1076"/>
+          <ac:spMkLst>
+            <pc:docMk/>
+            <pc:sldMk cId="920145628" sldId="332"/>
+            <ac:spMk id="38" creationId="{3FA3B90C-E77C-EF5A-534B-58A22D601E06}"/>
+          </ac:spMkLst>
+        </pc:spChg>
+        <pc:spChg chg="mod">
+          <ac:chgData name="Aswar, Shreyas" userId="S::saswar@iu.edu::6c701967-d18a-4478-86bb-8bcc54ba4814" providerId="AD" clId="Web-{0F2260AE-1134-145B-56CF-B6514344AD2E}" dt="2023-12-04T19:32:31.505" v="463" actId="1076"/>
+          <ac:spMkLst>
+            <pc:docMk/>
+            <pc:sldMk cId="920145628" sldId="332"/>
+            <ac:spMk id="47" creationId="{CE308A5A-538F-5112-203C-3198102EFAA9}"/>
+          </ac:spMkLst>
+        </pc:spChg>
+        <pc:spChg chg="mod">
+          <ac:chgData name="Aswar, Shreyas" userId="S::saswar@iu.edu::6c701967-d18a-4478-86bb-8bcc54ba4814" providerId="AD" clId="Web-{0F2260AE-1134-145B-56CF-B6514344AD2E}" dt="2023-12-04T19:32:31.521" v="465" actId="1076"/>
+          <ac:spMkLst>
+            <pc:docMk/>
+            <pc:sldMk cId="920145628" sldId="332"/>
+            <ac:spMk id="48" creationId="{1AC73901-315A-0CE8-5625-6015E32C401C}"/>
+          </ac:spMkLst>
+        </pc:spChg>
+        <pc:picChg chg="add mod">
+          <ac:chgData name="Aswar, Shreyas" userId="S::saswar@iu.edu::6c701967-d18a-4478-86bb-8bcc54ba4814" providerId="AD" clId="Web-{0F2260AE-1134-145B-56CF-B6514344AD2E}" dt="2023-12-04T19:32:31.490" v="461" actId="1076"/>
+          <ac:picMkLst>
+            <pc:docMk/>
+            <pc:sldMk cId="920145628" sldId="332"/>
+            <ac:picMk id="2" creationId="{D6BCE2AC-7EC5-A6F2-5540-67640CA434A4}"/>
+          </ac:picMkLst>
+        </pc:picChg>
+        <pc:picChg chg="add mod">
+          <ac:chgData name="Aswar, Shreyas" userId="S::saswar@iu.edu::6c701967-d18a-4478-86bb-8bcc54ba4814" providerId="AD" clId="Web-{0F2260AE-1134-145B-56CF-B6514344AD2E}" dt="2023-12-04T19:32:31.521" v="464" actId="1076"/>
+          <ac:picMkLst>
+            <pc:docMk/>
+            <pc:sldMk cId="920145628" sldId="332"/>
+            <ac:picMk id="4" creationId="{D2D88FE8-69EE-2555-12D1-788DADF97BC3}"/>
+          </ac:picMkLst>
+        </pc:picChg>
+        <pc:picChg chg="mod">
+          <ac:chgData name="Aswar, Shreyas" userId="S::saswar@iu.edu::6c701967-d18a-4478-86bb-8bcc54ba4814" providerId="AD" clId="Web-{0F2260AE-1134-145B-56CF-B6514344AD2E}" dt="2023-12-04T19:32:31.302" v="450" actId="1076"/>
+          <ac:picMkLst>
+            <pc:docMk/>
+            <pc:sldMk cId="920145628" sldId="332"/>
+            <ac:picMk id="5" creationId="{13F12E3E-6E17-1406-F396-7EDD777E84FB}"/>
+          </ac:picMkLst>
+        </pc:picChg>
+        <pc:picChg chg="mod">
+          <ac:chgData name="Aswar, Shreyas" userId="S::saswar@iu.edu::6c701967-d18a-4478-86bb-8bcc54ba4814" providerId="AD" clId="Web-{0F2260AE-1134-145B-56CF-B6514344AD2E}" dt="2023-12-04T19:32:31.302" v="451" actId="1076"/>
+          <ac:picMkLst>
+            <pc:docMk/>
+            <pc:sldMk cId="920145628" sldId="332"/>
+            <ac:picMk id="7" creationId="{193D6467-DF05-24FA-BC7D-D42B8BBA5B9D}"/>
+          </ac:picMkLst>
+        </pc:picChg>
+        <pc:picChg chg="mod">
+          <ac:chgData name="Aswar, Shreyas" userId="S::saswar@iu.edu::6c701967-d18a-4478-86bb-8bcc54ba4814" providerId="AD" clId="Web-{0F2260AE-1134-145B-56CF-B6514344AD2E}" dt="2023-12-04T19:32:31.318" v="452" actId="1076"/>
+          <ac:picMkLst>
+            <pc:docMk/>
+            <pc:sldMk cId="920145628" sldId="332"/>
+            <ac:picMk id="9" creationId="{BF64187A-3A7B-494F-0F58-5877D6C5937D}"/>
+          </ac:picMkLst>
+        </pc:picChg>
+        <pc:picChg chg="add mod">
+          <ac:chgData name="Aswar, Shreyas" userId="S::saswar@iu.edu::6c701967-d18a-4478-86bb-8bcc54ba4814" providerId="AD" clId="Web-{0F2260AE-1134-145B-56CF-B6514344AD2E}" dt="2023-12-04T19:32:31.568" v="468" actId="1076"/>
+          <ac:picMkLst>
+            <pc:docMk/>
+            <pc:sldMk cId="920145628" sldId="332"/>
+            <ac:picMk id="10" creationId="{5C2240E4-A5EB-AEA3-59F6-3535AFFBDB9B}"/>
+          </ac:picMkLst>
+        </pc:picChg>
+        <pc:picChg chg="mod">
+          <ac:chgData name="Aswar, Shreyas" userId="S::saswar@iu.edu::6c701967-d18a-4478-86bb-8bcc54ba4814" providerId="AD" clId="Web-{0F2260AE-1134-145B-56CF-B6514344AD2E}" dt="2023-12-04T19:32:31.334" v="453" actId="1076"/>
+          <ac:picMkLst>
+            <pc:docMk/>
+            <pc:sldMk cId="920145628" sldId="332"/>
+            <ac:picMk id="11" creationId="{3EAFAB2A-AF98-0E64-17EF-B781BBA50DBE}"/>
+          </ac:picMkLst>
+        </pc:picChg>
+        <pc:picChg chg="mod">
+          <ac:chgData name="Aswar, Shreyas" userId="S::saswar@iu.edu::6c701967-d18a-4478-86bb-8bcc54ba4814" providerId="AD" clId="Web-{0F2260AE-1134-145B-56CF-B6514344AD2E}" dt="2023-12-04T19:32:31.349" v="454" actId="1076"/>
+          <ac:picMkLst>
+            <pc:docMk/>
+            <pc:sldMk cId="920145628" sldId="332"/>
+            <ac:picMk id="15" creationId="{30AF4D46-DCCE-FFFB-0F68-0612512C6454}"/>
+          </ac:picMkLst>
+        </pc:picChg>
+        <pc:picChg chg="del">
+          <ac:chgData name="Aswar, Shreyas" userId="S::saswar@iu.edu::6c701967-d18a-4478-86bb-8bcc54ba4814" providerId="AD" clId="Web-{0F2260AE-1134-145B-56CF-B6514344AD2E}" dt="2023-12-04T18:54:27.448" v="6"/>
+          <ac:picMkLst>
+            <pc:docMk/>
+            <pc:sldMk cId="920145628" sldId="332"/>
+            <ac:picMk id="17" creationId="{DE00FA18-873A-4A4A-9B67-FEE769A9A9C8}"/>
+          </ac:picMkLst>
+        </pc:picChg>
+        <pc:picChg chg="del">
+          <ac:chgData name="Aswar, Shreyas" userId="S::saswar@iu.edu::6c701967-d18a-4478-86bb-8bcc54ba4814" providerId="AD" clId="Web-{0F2260AE-1134-145B-56CF-B6514344AD2E}" dt="2023-12-04T18:53:52.432" v="1"/>
+          <ac:picMkLst>
+            <pc:docMk/>
+            <pc:sldMk cId="920145628" sldId="332"/>
+            <ac:picMk id="35" creationId="{FA57F5CD-72E2-C224-4020-BB0642101762}"/>
+          </ac:picMkLst>
+        </pc:picChg>
+        <pc:picChg chg="mod">
+          <ac:chgData name="Aswar, Shreyas" userId="S::saswar@iu.edu::6c701967-d18a-4478-86bb-8bcc54ba4814" providerId="AD" clId="Web-{0F2260AE-1134-145B-56CF-B6514344AD2E}" dt="2023-12-04T19:39:42.219" v="497" actId="1076"/>
+          <ac:picMkLst>
+            <pc:docMk/>
+            <pc:sldMk cId="920145628" sldId="332"/>
+            <ac:picMk id="46" creationId="{ED015C83-6DA9-3F4B-301B-AD5D84C32945}"/>
+          </ac:picMkLst>
+        </pc:picChg>
+        <pc:picChg chg="mod">
+          <ac:chgData name="Aswar, Shreyas" userId="S::saswar@iu.edu::6c701967-d18a-4478-86bb-8bcc54ba4814" providerId="AD" clId="Web-{0F2260AE-1134-145B-56CF-B6514344AD2E}" dt="2023-12-04T19:32:31.537" v="466" actId="1076"/>
+          <ac:picMkLst>
+            <pc:docMk/>
+            <pc:sldMk cId="920145628" sldId="332"/>
+            <ac:picMk id="49" creationId="{D1ACF159-BBF3-3C04-48B4-59BAD07D7A97}"/>
+          </ac:picMkLst>
+        </pc:picChg>
+        <pc:picChg chg="del">
+          <ac:chgData name="Aswar, Shreyas" userId="S::saswar@iu.edu::6c701967-d18a-4478-86bb-8bcc54ba4814" providerId="AD" clId="Web-{0F2260AE-1134-145B-56CF-B6514344AD2E}" dt="2023-12-04T19:08:15.235" v="298"/>
+          <ac:picMkLst>
+            <pc:docMk/>
+            <pc:sldMk cId="920145628" sldId="332"/>
+            <ac:picMk id="50" creationId="{9C9D2153-DEDD-DA9F-1312-96110C0A1863}"/>
+          </ac:picMkLst>
+        </pc:picChg>
+        <pc:picChg chg="del">
+          <ac:chgData name="Aswar, Shreyas" userId="S::saswar@iu.edu::6c701967-d18a-4478-86bb-8bcc54ba4814" providerId="AD" clId="Web-{0F2260AE-1134-145B-56CF-B6514344AD2E}" dt="2023-12-04T19:19:34.111" v="364"/>
+          <ac:picMkLst>
+            <pc:docMk/>
+            <pc:sldMk cId="920145628" sldId="332"/>
+            <ac:picMk id="51" creationId="{A94FCE4E-0FCD-1BF4-ECC5-D9413926A29F}"/>
+          </ac:picMkLst>
+        </pc:picChg>
+        <pc:picChg chg="del">
+          <ac:chgData name="Aswar, Shreyas" userId="S::saswar@iu.edu::6c701967-d18a-4478-86bb-8bcc54ba4814" providerId="AD" clId="Web-{0F2260AE-1134-145B-56CF-B6514344AD2E}" dt="2023-12-04T19:09:39.987" v="315"/>
+          <ac:picMkLst>
+            <pc:docMk/>
+            <pc:sldMk cId="920145628" sldId="332"/>
+            <ac:picMk id="52" creationId="{B2DC0130-FAAA-2235-BA48-B2D5C54A0AE8}"/>
+          </ac:picMkLst>
+        </pc:picChg>
+        <pc:inkChg chg="add del">
+          <ac:chgData name="Aswar, Shreyas" userId="S::saswar@iu.edu::6c701967-d18a-4478-86bb-8bcc54ba4814" providerId="AD" clId="Web-{0F2260AE-1134-145B-56CF-B6514344AD2E}" dt="2023-12-04T19:28:48.906" v="412"/>
+          <ac:inkMkLst>
+            <pc:docMk/>
+            <pc:sldMk cId="920145628" sldId="332"/>
+            <ac:inkMk id="21" creationId="{D74E2D9C-5339-F799-EA51-F5D33AC91E51}"/>
+          </ac:inkMkLst>
+        </pc:inkChg>
+        <pc:inkChg chg="add del">
+          <ac:chgData name="Aswar, Shreyas" userId="S::saswar@iu.edu::6c701967-d18a-4478-86bb-8bcc54ba4814" providerId="AD" clId="Web-{0F2260AE-1134-145B-56CF-B6514344AD2E}" dt="2023-12-04T19:28:45.953" v="411"/>
+          <ac:inkMkLst>
+            <pc:docMk/>
+            <pc:sldMk cId="920145628" sldId="332"/>
+            <ac:inkMk id="22" creationId="{0357DFDA-F1C9-BCBD-04EF-F77AC8121DBA}"/>
+          </ac:inkMkLst>
+        </pc:inkChg>
+        <pc:inkChg chg="add del">
+          <ac:chgData name="Aswar, Shreyas" userId="S::saswar@iu.edu::6c701967-d18a-4478-86bb-8bcc54ba4814" providerId="AD" clId="Web-{0F2260AE-1134-145B-56CF-B6514344AD2E}" dt="2023-12-04T19:28:52.109" v="414"/>
+          <ac:inkMkLst>
+            <pc:docMk/>
+            <pc:sldMk cId="920145628" sldId="332"/>
+            <ac:inkMk id="24" creationId="{B283C870-775B-8859-F437-2668B94DCC80}"/>
+          </ac:inkMkLst>
+        </pc:inkChg>
+        <pc:inkChg chg="add del">
+          <ac:chgData name="Aswar, Shreyas" userId="S::saswar@iu.edu::6c701967-d18a-4478-86bb-8bcc54ba4814" providerId="AD" clId="Web-{0F2260AE-1134-145B-56CF-B6514344AD2E}" dt="2023-12-04T19:29:10.188" v="417"/>
+          <ac:inkMkLst>
+            <pc:docMk/>
+            <pc:sldMk cId="920145628" sldId="332"/>
+            <ac:inkMk id="28" creationId="{7DE5130E-9E4D-D8AA-ADA7-BF91370BB1FA}"/>
+          </ac:inkMkLst>
+        </pc:inkChg>
+        <pc:inkChg chg="add del">
+          <ac:chgData name="Aswar, Shreyas" userId="S::saswar@iu.edu::6c701967-d18a-4478-86bb-8bcc54ba4814" providerId="AD" clId="Web-{0F2260AE-1134-145B-56CF-B6514344AD2E}" dt="2023-12-04T19:29:14.422" v="419"/>
+          <ac:inkMkLst>
+            <pc:docMk/>
+            <pc:sldMk cId="920145628" sldId="332"/>
+            <ac:inkMk id="30" creationId="{C80E5886-4782-4916-3CD9-50148ED0B314}"/>
+          </ac:inkMkLst>
+        </pc:inkChg>
         <pc:cxnChg chg="add del mod">
-          <ac:chgData name="Gummudala, Hymavathi" userId="S::hygumm@iu.edu::86fad630-273f-46cc-aba5-59bf22de68d6" providerId="AD" clId="Web-{80556B86-6079-4223-98A1-9B847B67D293}" dt="2023-10-23T18:14:09.728" v="26"/>
+          <ac:chgData name="Aswar, Shreyas" userId="S::saswar@iu.edu::6c701967-d18a-4478-86bb-8bcc54ba4814" providerId="AD" clId="Web-{0F2260AE-1134-145B-56CF-B6514344AD2E}" dt="2023-12-04T19:31:43.442" v="442"/>
           <ac:cxnSpMkLst>
             <pc:docMk/>
-            <pc:sldMk cId="4067283307" sldId="331"/>
-            <ac:cxnSpMk id="9" creationId="{E8348F41-B544-91C1-D925-2EF2DF842CB7}"/>
+            <pc:sldMk cId="920145628" sldId="332"/>
+            <ac:cxnSpMk id="8" creationId="{B3FAE4F3-8342-D79F-CDC4-A1D88DB53B03}"/>
           </ac:cxnSpMkLst>
         </pc:cxnChg>
         <pc:cxnChg chg="add mod">
-          <ac:chgData name="Gummudala, Hymavathi" userId="S::hygumm@iu.edu::86fad630-273f-46cc-aba5-59bf22de68d6" providerId="AD" clId="Web-{80556B86-6079-4223-98A1-9B847B67D293}" dt="2023-10-23T18:14:01.744" v="25" actId="14100"/>
+          <ac:chgData name="Aswar, Shreyas" userId="S::saswar@iu.edu::6c701967-d18a-4478-86bb-8bcc54ba4814" providerId="AD" clId="Web-{0F2260AE-1134-145B-56CF-B6514344AD2E}" dt="2023-12-04T19:32:31.630" v="473" actId="1076"/>
           <ac:cxnSpMkLst>
             <pc:docMk/>
-            <pc:sldMk cId="4067283307" sldId="331"/>
-            <ac:cxnSpMk id="11" creationId="{F771CDE5-0E0B-214A-D602-84B8FC8D63BA}"/>
+            <pc:sldMk cId="920145628" sldId="332"/>
+            <ac:cxnSpMk id="16" creationId="{C54F0D3F-FDE6-1CC3-A1FA-E00696738909}"/>
+          </ac:cxnSpMkLst>
+        </pc:cxnChg>
+        <pc:cxnChg chg="add del mod">
+          <ac:chgData name="Aswar, Shreyas" userId="S::saswar@iu.edu::6c701967-d18a-4478-86bb-8bcc54ba4814" providerId="AD" clId="Web-{0F2260AE-1134-145B-56CF-B6514344AD2E}" dt="2023-12-04T19:28:04.436" v="406"/>
+          <ac:cxnSpMkLst>
+            <pc:docMk/>
+            <pc:sldMk cId="920145628" sldId="332"/>
+            <ac:cxnSpMk id="18" creationId="{6F3AB8AB-C8A5-C8B7-BCCB-240E9DC07F5A}"/>
           </ac:cxnSpMkLst>
         </pc:cxnChg>
         <pc:cxnChg chg="add mod">
-          <ac:chgData name="Gummudala, Hymavathi" userId="S::hygumm@iu.edu::86fad630-273f-46cc-aba5-59bf22de68d6" providerId="AD" clId="Web-{80556B86-6079-4223-98A1-9B847B67D293}" dt="2023-10-23T18:14:22.619" v="30" actId="14100"/>
+          <ac:chgData name="Aswar, Shreyas" userId="S::saswar@iu.edu::6c701967-d18a-4478-86bb-8bcc54ba4814" providerId="AD" clId="Web-{0F2260AE-1134-145B-56CF-B6514344AD2E}" dt="2023-12-04T19:32:31.646" v="475" actId="1076"/>
           <ac:cxnSpMkLst>
             <pc:docMk/>
-            <pc:sldMk cId="4067283307" sldId="331"/>
-            <ac:cxnSpMk id="12" creationId="{5030D1B2-9245-6807-7132-72F145366ECC}"/>
+            <pc:sldMk cId="920145628" sldId="332"/>
+            <ac:cxnSpMk id="20" creationId="{3C55A496-1954-09A8-CC60-9B80A47FBFA9}"/>
+          </ac:cxnSpMkLst>
+        </pc:cxnChg>
+        <pc:cxnChg chg="add del">
+          <ac:chgData name="Aswar, Shreyas" userId="S::saswar@iu.edu::6c701967-d18a-4478-86bb-8bcc54ba4814" providerId="AD" clId="Web-{0F2260AE-1134-145B-56CF-B6514344AD2E}" dt="2023-12-04T19:29:46.189" v="425"/>
+          <ac:cxnSpMkLst>
+            <pc:docMk/>
+            <pc:sldMk cId="920145628" sldId="332"/>
+            <ac:cxnSpMk id="26" creationId="{89591C8B-B26D-F06D-3E20-009A83CC0D60}"/>
+          </ac:cxnSpMkLst>
+        </pc:cxnChg>
+        <pc:cxnChg chg="add del mod">
+          <ac:chgData name="Aswar, Shreyas" userId="S::saswar@iu.edu::6c701967-d18a-4478-86bb-8bcc54ba4814" providerId="AD" clId="Web-{0F2260AE-1134-145B-56CF-B6514344AD2E}" dt="2023-12-04T19:29:44.798" v="424"/>
+          <ac:cxnSpMkLst>
+            <pc:docMk/>
+            <pc:sldMk cId="920145628" sldId="332"/>
+            <ac:cxnSpMk id="32" creationId="{536F7C3F-E20F-7E2A-2516-41EEBFFD40A3}"/>
+          </ac:cxnSpMkLst>
+        </pc:cxnChg>
+        <pc:cxnChg chg="add del mod">
+          <ac:chgData name="Aswar, Shreyas" userId="S::saswar@iu.edu::6c701967-d18a-4478-86bb-8bcc54ba4814" providerId="AD" clId="Web-{0F2260AE-1134-145B-56CF-B6514344AD2E}" dt="2023-12-04T19:31:07.191" v="438"/>
+          <ac:cxnSpMkLst>
+            <pc:docMk/>
+            <pc:sldMk cId="920145628" sldId="332"/>
+            <ac:cxnSpMk id="33" creationId="{07B649B1-E9A1-1CA5-5EB4-EBAA730A50CE}"/>
+          </ac:cxnSpMkLst>
+        </pc:cxnChg>
+        <pc:cxnChg chg="add del">
+          <ac:chgData name="Aswar, Shreyas" userId="S::saswar@iu.edu::6c701967-d18a-4478-86bb-8bcc54ba4814" providerId="AD" clId="Web-{0F2260AE-1134-145B-56CF-B6514344AD2E}" dt="2023-12-04T19:31:27.957" v="440"/>
+          <ac:cxnSpMkLst>
+            <pc:docMk/>
+            <pc:sldMk cId="920145628" sldId="332"/>
+            <ac:cxnSpMk id="34" creationId="{8D52F3BC-D0B9-1477-15DF-3E2CC52A0304}"/>
+          </ac:cxnSpMkLst>
+        </pc:cxnChg>
+        <pc:cxnChg chg="add mod">
+          <ac:chgData name="Aswar, Shreyas" userId="S::saswar@iu.edu::6c701967-d18a-4478-86bb-8bcc54ba4814" providerId="AD" clId="Web-{0F2260AE-1134-145B-56CF-B6514344AD2E}" dt="2023-12-04T19:32:31.662" v="476" actId="1076"/>
+          <ac:cxnSpMkLst>
+            <pc:docMk/>
+            <pc:sldMk cId="920145628" sldId="332"/>
+            <ac:cxnSpMk id="35" creationId="{6CFBC39A-5951-6C40-F937-5280D907234D}"/>
+          </ac:cxnSpMkLst>
+        </pc:cxnChg>
+        <pc:cxnChg chg="add del mod">
+          <ac:chgData name="Aswar, Shreyas" userId="S::saswar@iu.edu::6c701967-d18a-4478-86bb-8bcc54ba4814" providerId="AD" clId="Web-{0F2260AE-1134-145B-56CF-B6514344AD2E}" dt="2023-12-04T19:39:48.032" v="499"/>
+          <ac:cxnSpMkLst>
+            <pc:docMk/>
+            <pc:sldMk cId="920145628" sldId="332"/>
+            <ac:cxnSpMk id="36" creationId="{CDE2C3F8-3229-C0E8-AB2D-97542C31EC61}"/>
           </ac:cxnSpMkLst>
         </pc:cxnChg>
         <pc:cxnChg chg="mod">
-          <ac:chgData name="Gummudala, Hymavathi" userId="S::hygumm@iu.edu::86fad630-273f-46cc-aba5-59bf22de68d6" providerId="AD" clId="Web-{80556B86-6079-4223-98A1-9B847B67D293}" dt="2023-10-23T18:12:51.117" v="7" actId="14100"/>
+          <ac:chgData name="Aswar, Shreyas" userId="S::saswar@iu.edu::6c701967-d18a-4478-86bb-8bcc54ba4814" providerId="AD" clId="Web-{0F2260AE-1134-145B-56CF-B6514344AD2E}" dt="2023-12-04T19:32:31.459" v="459" actId="1076"/>
           <ac:cxnSpMkLst>
             <pc:docMk/>
-            <pc:sldMk cId="4067283307" sldId="331"/>
-            <ac:cxnSpMk id="36" creationId="{C5CB2F84-9998-C23E-EC8B-B5BE51AC68B4}"/>
+            <pc:sldMk cId="920145628" sldId="332"/>
+            <ac:cxnSpMk id="37" creationId="{CC3F3C52-4D6F-DF9E-64AE-9469EA6DB983}"/>
+          </ac:cxnSpMkLst>
+        </pc:cxnChg>
+        <pc:cxnChg chg="del mod">
+          <ac:chgData name="Aswar, Shreyas" userId="S::saswar@iu.edu::6c701967-d18a-4478-86bb-8bcc54ba4814" providerId="AD" clId="Web-{0F2260AE-1134-145B-56CF-B6514344AD2E}" dt="2023-12-04T19:10:08.941" v="318"/>
+          <ac:cxnSpMkLst>
+            <pc:docMk/>
+            <pc:sldMk cId="920145628" sldId="332"/>
+            <ac:cxnSpMk id="39" creationId="{B2C09DD2-4305-6360-3662-FD45941BAB87}"/>
+          </ac:cxnSpMkLst>
+        </pc:cxnChg>
+        <pc:cxnChg chg="del mod">
+          <ac:chgData name="Aswar, Shreyas" userId="S::saswar@iu.edu::6c701967-d18a-4478-86bb-8bcc54ba4814" providerId="AD" clId="Web-{0F2260AE-1134-145B-56CF-B6514344AD2E}" dt="2023-12-04T19:26:41.012" v="388"/>
+          <ac:cxnSpMkLst>
+            <pc:docMk/>
+            <pc:sldMk cId="920145628" sldId="332"/>
+            <ac:cxnSpMk id="41" creationId="{0B1E0FB6-79D3-CB49-8F68-1C79D295DD39}"/>
+          </ac:cxnSpMkLst>
+        </pc:cxnChg>
+        <pc:cxnChg chg="del mod">
+          <ac:chgData name="Aswar, Shreyas" userId="S::saswar@iu.edu::6c701967-d18a-4478-86bb-8bcc54ba4814" providerId="AD" clId="Web-{0F2260AE-1134-145B-56CF-B6514344AD2E}" dt="2023-12-04T19:26:07.558" v="382"/>
+          <ac:cxnSpMkLst>
+            <pc:docMk/>
+            <pc:sldMk cId="920145628" sldId="332"/>
+            <ac:cxnSpMk id="43" creationId="{E518ECA6-1F0F-0997-1CF6-C2AFFE280F2F}"/>
           </ac:cxnSpMkLst>
         </pc:cxnChg>
         <pc:cxnChg chg="mod">
-          <ac:chgData name="Gummudala, Hymavathi" userId="S::hygumm@iu.edu::86fad630-273f-46cc-aba5-59bf22de68d6" providerId="AD" clId="Web-{80556B86-6079-4223-98A1-9B847B67D293}" dt="2023-10-23T18:13:36.337" v="20" actId="14100"/>
+          <ac:chgData name="Aswar, Shreyas" userId="S::saswar@iu.edu::6c701967-d18a-4478-86bb-8bcc54ba4814" providerId="AD" clId="Web-{0F2260AE-1134-145B-56CF-B6514344AD2E}" dt="2023-12-04T19:32:31.474" v="460" actId="1076"/>
           <ac:cxnSpMkLst>
             <pc:docMk/>
-            <pc:sldMk cId="4067283307" sldId="331"/>
-            <ac:cxnSpMk id="37" creationId="{FF6D48F5-6141-2AB1-1758-6B279A691F7F}"/>
+            <pc:sldMk cId="920145628" sldId="332"/>
+            <ac:cxnSpMk id="45" creationId="{FA229A4B-1DB6-98E6-B290-E13C70AEDC82}"/>
           </ac:cxnSpMkLst>
         </pc:cxnChg>
+        <pc:cxnChg chg="mod">
+          <ac:chgData name="Aswar, Shreyas" userId="S::saswar@iu.edu::6c701967-d18a-4478-86bb-8bcc54ba4814" providerId="AD" clId="Web-{0F2260AE-1134-145B-56CF-B6514344AD2E}" dt="2023-12-04T19:32:31.584" v="471" actId="1076"/>
+          <ac:cxnSpMkLst>
+            <pc:docMk/>
+            <pc:sldMk cId="920145628" sldId="332"/>
+            <ac:cxnSpMk id="53" creationId="{DACDCC34-8CD9-DA1E-ADF8-CE96A5E9357F}"/>
+          </ac:cxnSpMkLst>
+        </pc:cxnChg>
+        <pc:cxnChg chg="mod">
+          <ac:chgData name="Aswar, Shreyas" userId="S::saswar@iu.edu::6c701967-d18a-4478-86bb-8bcc54ba4814" providerId="AD" clId="Web-{0F2260AE-1134-145B-56CF-B6514344AD2E}" dt="2023-12-04T19:32:31.599" v="472" actId="1076"/>
+          <ac:cxnSpMkLst>
+            <pc:docMk/>
+            <pc:sldMk cId="920145628" sldId="332"/>
+            <ac:cxnSpMk id="54" creationId="{64D405B3-CB56-8C6F-CEB1-28B9A0849C70}"/>
+          </ac:cxnSpMkLst>
+        </pc:cxnChg>
+        <pc:cxnChg chg="del">
+          <ac:chgData name="Aswar, Shreyas" userId="S::saswar@iu.edu::6c701967-d18a-4478-86bb-8bcc54ba4814" providerId="AD" clId="Web-{0F2260AE-1134-145B-56CF-B6514344AD2E}" dt="2023-12-04T19:26:26.543" v="385"/>
+          <ac:cxnSpMkLst>
+            <pc:docMk/>
+            <pc:sldMk cId="920145628" sldId="332"/>
+            <ac:cxnSpMk id="55" creationId="{94857F24-841F-587B-A41B-C43AB2E3BF2A}"/>
+          </ac:cxnSpMkLst>
+        </pc:cxnChg>
+      </pc:sldChg>
+      <pc:sldChg chg="del">
+        <pc:chgData name="Aswar, Shreyas" userId="S::saswar@iu.edu::6c701967-d18a-4478-86bb-8bcc54ba4814" providerId="AD" clId="Web-{0F2260AE-1134-145B-56CF-B6514344AD2E}" dt="2023-12-04T19:32:41.896" v="478"/>
+        <pc:sldMkLst>
+          <pc:docMk/>
+          <pc:sldMk cId="2334687576" sldId="333"/>
+        </pc:sldMkLst>
+      </pc:sldChg>
+      <pc:sldChg chg="modSp new">
+        <pc:chgData name="Aswar, Shreyas" userId="S::saswar@iu.edu::6c701967-d18a-4478-86bb-8bcc54ba4814" providerId="AD" clId="Web-{0F2260AE-1134-145B-56CF-B6514344AD2E}" dt="2023-12-04T19:37:45.420" v="496" actId="20577"/>
+        <pc:sldMkLst>
+          <pc:docMk/>
+          <pc:sldMk cId="3028757967" sldId="334"/>
+        </pc:sldMkLst>
+        <pc:spChg chg="mod">
+          <ac:chgData name="Aswar, Shreyas" userId="S::saswar@iu.edu::6c701967-d18a-4478-86bb-8bcc54ba4814" providerId="AD" clId="Web-{0F2260AE-1134-145B-56CF-B6514344AD2E}" dt="2023-12-04T19:37:45.420" v="496" actId="20577"/>
+          <ac:spMkLst>
+            <pc:docMk/>
+            <pc:sldMk cId="3028757967" sldId="334"/>
+            <ac:spMk id="2" creationId="{EC7565C8-2C4E-7E46-E04A-AD8B5B8C1B5A}"/>
+          </ac:spMkLst>
+        </pc:spChg>
+      </pc:sldChg>
+      <pc:sldChg chg="new">
+        <pc:chgData name="Aswar, Shreyas" userId="S::saswar@iu.edu::6c701967-d18a-4478-86bb-8bcc54ba4814" providerId="AD" clId="Web-{0F2260AE-1134-145B-56CF-B6514344AD2E}" dt="2023-12-04T19:41:36.019" v="502"/>
+        <pc:sldMkLst>
+          <pc:docMk/>
+          <pc:sldMk cId="1904497864" sldId="335"/>
+        </pc:sldMkLst>
+      </pc:sldChg>
+      <pc:sldChg chg="addSp delSp modSp new ord">
+        <pc:chgData name="Aswar, Shreyas" userId="S::saswar@iu.edu::6c701967-d18a-4478-86bb-8bcc54ba4814" providerId="AD" clId="Web-{0F2260AE-1134-145B-56CF-B6514344AD2E}" dt="2023-12-04T19:53:55.303" v="951"/>
+        <pc:sldMkLst>
+          <pc:docMk/>
+          <pc:sldMk cId="337258129" sldId="336"/>
+        </pc:sldMkLst>
+        <pc:spChg chg="mod">
+          <ac:chgData name="Aswar, Shreyas" userId="S::saswar@iu.edu::6c701967-d18a-4478-86bb-8bcc54ba4814" providerId="AD" clId="Web-{0F2260AE-1134-145B-56CF-B6514344AD2E}" dt="2023-12-04T19:43:08.146" v="516" actId="20577"/>
+          <ac:spMkLst>
+            <pc:docMk/>
+            <pc:sldMk cId="337258129" sldId="336"/>
+            <ac:spMk id="2" creationId="{955586BB-31D3-D8F2-17C8-386CF9D4CE60}"/>
+          </ac:spMkLst>
+        </pc:spChg>
+        <pc:spChg chg="del">
+          <ac:chgData name="Aswar, Shreyas" userId="S::saswar@iu.edu::6c701967-d18a-4478-86bb-8bcc54ba4814" providerId="AD" clId="Web-{0F2260AE-1134-145B-56CF-B6514344AD2E}" dt="2023-12-04T19:53:55.303" v="951"/>
+          <ac:spMkLst>
+            <pc:docMk/>
+            <pc:sldMk cId="337258129" sldId="336"/>
+            <ac:spMk id="3" creationId="{05F073B2-3695-5948-0157-D9D1103291D1}"/>
+          </ac:spMkLst>
+        </pc:spChg>
+        <pc:spChg chg="del">
+          <ac:chgData name="Aswar, Shreyas" userId="S::saswar@iu.edu::6c701967-d18a-4478-86bb-8bcc54ba4814" providerId="AD" clId="Web-{0F2260AE-1134-145B-56CF-B6514344AD2E}" dt="2023-12-04T19:44:11.945" v="517"/>
+          <ac:spMkLst>
+            <pc:docMk/>
+            <pc:sldMk cId="337258129" sldId="336"/>
+            <ac:spMk id="4" creationId="{318DA82C-60C9-1184-703C-5C9F6135C48D}"/>
+          </ac:spMkLst>
+        </pc:spChg>
+        <pc:graphicFrameChg chg="add mod ord modGraphic">
+          <ac:chgData name="Aswar, Shreyas" userId="S::saswar@iu.edu::6c701967-d18a-4478-86bb-8bcc54ba4814" providerId="AD" clId="Web-{0F2260AE-1134-145B-56CF-B6514344AD2E}" dt="2023-12-04T19:53:19.365" v="947"/>
+          <ac:graphicFrameMkLst>
+            <pc:docMk/>
+            <pc:sldMk cId="337258129" sldId="336"/>
+            <ac:graphicFrameMk id="5" creationId="{4719004D-1110-8916-B47B-50E97811012F}"/>
+          </ac:graphicFrameMkLst>
+        </pc:graphicFrameChg>
+      </pc:sldChg>
+      <pc:sldChg chg="new del">
+        <pc:chgData name="Aswar, Shreyas" userId="S::saswar@iu.edu::6c701967-d18a-4478-86bb-8bcc54ba4814" providerId="AD" clId="Web-{0F2260AE-1134-145B-56CF-B6514344AD2E}" dt="2023-12-04T19:42:47.474" v="507"/>
+        <pc:sldMkLst>
+          <pc:docMk/>
+          <pc:sldMk cId="2885685277" sldId="336"/>
+        </pc:sldMkLst>
+      </pc:sldChg>
+      <pc:sldChg chg="addSp modSp new">
+        <pc:chgData name="Aswar, Shreyas" userId="S::saswar@iu.edu::6c701967-d18a-4478-86bb-8bcc54ba4814" providerId="AD" clId="Web-{0F2260AE-1134-145B-56CF-B6514344AD2E}" dt="2023-12-04T19:55:16.227" v="960" actId="1076"/>
+        <pc:sldMkLst>
+          <pc:docMk/>
+          <pc:sldMk cId="791137086" sldId="337"/>
+        </pc:sldMkLst>
+        <pc:spChg chg="add mod">
+          <ac:chgData name="Aswar, Shreyas" userId="S::saswar@iu.edu::6c701967-d18a-4478-86bb-8bcc54ba4814" providerId="AD" clId="Web-{0F2260AE-1134-145B-56CF-B6514344AD2E}" dt="2023-12-04T19:55:16.227" v="960" actId="1076"/>
+          <ac:spMkLst>
+            <pc:docMk/>
+            <pc:sldMk cId="791137086" sldId="337"/>
+            <ac:spMk id="3" creationId="{645DFD96-62D6-5CDF-3753-46C22338B9EF}"/>
+          </ac:spMkLst>
+        </pc:spChg>
+      </pc:sldChg>
+      <pc:sldChg chg="new del">
+        <pc:chgData name="Aswar, Shreyas" userId="S::saswar@iu.edu::6c701967-d18a-4478-86bb-8bcc54ba4814" providerId="AD" clId="Web-{0F2260AE-1134-145B-56CF-B6514344AD2E}" dt="2023-12-04T19:53:40.662" v="950"/>
+        <pc:sldMkLst>
+          <pc:docMk/>
+          <pc:sldMk cId="408185616" sldId="338"/>
+        </pc:sldMkLst>
+      </pc:sldChg>
+    </pc:docChg>
+  </pc:docChgLst>
+  <pc:docChgLst>
+    <pc:chgData name="Gummudala, Hymavathi" userId="S::hygumm@iu.edu::86fad630-273f-46cc-aba5-59bf22de68d6" providerId="AD" clId="Web-{92FC6960-DE0B-460F-A55A-2F38390967D2}"/>
+    <pc:docChg chg="modSld">
+      <pc:chgData name="Gummudala, Hymavathi" userId="S::hygumm@iu.edu::86fad630-273f-46cc-aba5-59bf22de68d6" providerId="AD" clId="Web-{92FC6960-DE0B-460F-A55A-2F38390967D2}" dt="2023-12-04T19:56:19.194" v="844" actId="20577"/>
+      <pc:docMkLst>
+        <pc:docMk/>
+      </pc:docMkLst>
+      <pc:sldChg chg="modSp">
+        <pc:chgData name="Gummudala, Hymavathi" userId="S::hygumm@iu.edu::86fad630-273f-46cc-aba5-59bf22de68d6" providerId="AD" clId="Web-{92FC6960-DE0B-460F-A55A-2F38390967D2}" dt="2023-12-04T19:48:55.650" v="535" actId="20577"/>
+        <pc:sldMkLst>
+          <pc:docMk/>
+          <pc:sldMk cId="3028757967" sldId="334"/>
+        </pc:sldMkLst>
+        <pc:spChg chg="mod">
+          <ac:chgData name="Gummudala, Hymavathi" userId="S::hygumm@iu.edu::86fad630-273f-46cc-aba5-59bf22de68d6" providerId="AD" clId="Web-{92FC6960-DE0B-460F-A55A-2F38390967D2}" dt="2023-12-04T19:48:55.650" v="535" actId="20577"/>
+          <ac:spMkLst>
+            <pc:docMk/>
+            <pc:sldMk cId="3028757967" sldId="334"/>
+            <ac:spMk id="4" creationId="{92D9928A-63BD-D284-C59E-7D6E852A4178}"/>
+          </ac:spMkLst>
+        </pc:spChg>
+      </pc:sldChg>
+      <pc:sldChg chg="modSp">
+        <pc:chgData name="Gummudala, Hymavathi" userId="S::hygumm@iu.edu::86fad630-273f-46cc-aba5-59bf22de68d6" providerId="AD" clId="Web-{92FC6960-DE0B-460F-A55A-2F38390967D2}" dt="2023-12-04T19:56:19.194" v="844" actId="20577"/>
+        <pc:sldMkLst>
+          <pc:docMk/>
+          <pc:sldMk cId="1904497864" sldId="335"/>
+        </pc:sldMkLst>
+        <pc:spChg chg="mod">
+          <ac:chgData name="Gummudala, Hymavathi" userId="S::hygumm@iu.edu::86fad630-273f-46cc-aba5-59bf22de68d6" providerId="AD" clId="Web-{92FC6960-DE0B-460F-A55A-2F38390967D2}" dt="2023-12-04T19:46:48.630" v="304" actId="20577"/>
+          <ac:spMkLst>
+            <pc:docMk/>
+            <pc:sldMk cId="1904497864" sldId="335"/>
+            <ac:spMk id="2" creationId="{EF6BC6CB-7345-3C16-A6AC-AE9D347107C1}"/>
+          </ac:spMkLst>
+        </pc:spChg>
+        <pc:spChg chg="mod">
+          <ac:chgData name="Gummudala, Hymavathi" userId="S::hygumm@iu.edu::86fad630-273f-46cc-aba5-59bf22de68d6" providerId="AD" clId="Web-{92FC6960-DE0B-460F-A55A-2F38390967D2}" dt="2023-12-04T19:56:19.194" v="844" actId="20577"/>
+          <ac:spMkLst>
+            <pc:docMk/>
+            <pc:sldMk cId="1904497864" sldId="335"/>
+            <ac:spMk id="4" creationId="{9AAF55CC-26B7-0A60-3A89-417F75EF4CBD}"/>
+          </ac:spMkLst>
+        </pc:spChg>
       </pc:sldChg>
     </pc:docChg>
   </pc:docChgLst>
@@ -1125,7 +2145,7 @@
           <a:p>
             <a:fld id="{C87859BD-4604-2843-976C-9F2DEE3C79DB}" type="datetimeFigureOut">
               <a:rPr lang="en-US" smtClean="0"/>
-              <a:t>10/23/2023</a:t>
+              <a:t>12/4/2023</a:t>
             </a:fld>
             <a:endParaRPr lang="en-US"/>
           </a:p>
@@ -1290,7 +2310,7 @@
           <a:p>
             <a:fld id="{DE108F45-8DB7-E449-85E4-EC04F96DF3AA}" type="datetimeFigureOut">
               <a:rPr lang="en-US" smtClean="0"/>
-              <a:t>10/23/2023</a:t>
+              <a:t>12/4/2023</a:t>
             </a:fld>
             <a:endParaRPr lang="en-US"/>
           </a:p>
@@ -5362,7 +6382,7 @@
           <a:p>
             <a:r>
               <a:rPr lang="en-US"/>
-              <a:t>Our Solution</a:t>
+              <a:t>Why Cloud ?</a:t>
             </a:r>
           </a:p>
         </p:txBody>
@@ -5411,18 +6431,27 @@
               <a:buChar char="•"/>
             </a:pPr>
             <a:r>
-              <a:rPr lang="en-US" sz="1600" b="0" i="0">
+              <a:rPr lang="en-US" sz="1600">
                 <a:solidFill>
                   <a:srgbClr val="374151"/>
                 </a:solidFill>
-                <a:effectLst/>
                 <a:latin typeface="Söhne"/>
               </a:rPr>
-              <a:t>Our innovative platform offers a solution that leverages the power of cloud computing to automate and streamline the data preprocessing and analysis pipeline</a:t>
+              <a:t>Scalable - With this platform, we will be able to handle as many users as required based on the demand.</a:t>
             </a:r>
+            <a:endParaRPr lang="en-US" sz="1600" b="0" i="0">
+              <a:solidFill>
+                <a:srgbClr val="374151"/>
+              </a:solidFill>
+              <a:effectLst/>
+              <a:latin typeface="Söhne"/>
+            </a:endParaRPr>
           </a:p>
           <a:p>
             <a:pPr>
+              <a:buClr>
+                <a:srgbClr val="808080"/>
+              </a:buClr>
               <a:buFont typeface="Arial" panose="020B0604020202020204" pitchFamily="34" charset="0"/>
               <a:buChar char="•"/>
             </a:pPr>
@@ -5433,18 +6462,18 @@
                 </a:solidFill>
                 <a:latin typeface="Söhne"/>
               </a:rPr>
-              <a:t>It</a:t>
+              <a:t>No Dependencies - No need to install software, libraries</a:t>
             </a:r>
-            <a:r>
-              <a:rPr lang="en-US" sz="1600" b="0" i="0">
-                <a:solidFill>
-                  <a:srgbClr val="374151"/>
-                </a:solidFill>
-                <a:effectLst/>
-                <a:latin typeface="Söhne"/>
-              </a:rPr>
-              <a:t> </a:t>
-            </a:r>
+            <a:endParaRPr lang="en-US"/>
+          </a:p>
+          <a:p>
+            <a:pPr>
+              <a:buClr>
+                <a:srgbClr val="808080"/>
+              </a:buClr>
+              <a:buFont typeface="Arial" panose="020B0604020202020204" pitchFamily="34" charset="0"/>
+              <a:buChar char="•"/>
+            </a:pPr>
             <a:r>
               <a:rPr lang="en-US" sz="1600">
                 <a:solidFill>
@@ -5452,72 +6481,8 @@
                 </a:solidFill>
                 <a:latin typeface="Söhne"/>
               </a:rPr>
-              <a:t>will be a cloud based</a:t>
+              <a:t>Time-saving - Streamlined pipeline to make the process fast </a:t>
             </a:r>
-            <a:r>
-              <a:rPr lang="en-US" sz="1600" b="0" i="0">
-                <a:solidFill>
-                  <a:srgbClr val="374151"/>
-                </a:solidFill>
-                <a:effectLst/>
-                <a:latin typeface="Söhne"/>
-              </a:rPr>
-              <a:t> user-friendly website where individuals can effortlessly upload CSV</a:t>
-            </a:r>
-            <a:r>
-              <a:rPr lang="en-US" sz="1600">
-                <a:solidFill>
-                  <a:srgbClr val="374151"/>
-                </a:solidFill>
-                <a:latin typeface="Söhne"/>
-              </a:rPr>
-              <a:t> data </a:t>
-            </a:r>
-            <a:r>
-              <a:rPr lang="en-US" sz="1600" b="0" i="0">
-                <a:solidFill>
-                  <a:srgbClr val="374151"/>
-                </a:solidFill>
-                <a:effectLst/>
-                <a:latin typeface="Söhne"/>
-              </a:rPr>
-              <a:t>files</a:t>
-            </a:r>
-            <a:r>
-              <a:rPr lang="en-US" sz="1600">
-                <a:solidFill>
-                  <a:srgbClr val="374151"/>
-                </a:solidFill>
-                <a:latin typeface="Söhne"/>
-              </a:rPr>
-              <a:t>.</a:t>
-            </a:r>
-          </a:p>
-          <a:p>
-            <a:pPr>
-              <a:buFont typeface="Arial" panose="020B0604020202020204" pitchFamily="34" charset="0"/>
-              <a:buChar char="•"/>
-            </a:pPr>
-            <a:r>
-              <a:rPr lang="en-US" sz="1600" b="0" i="0">
-                <a:solidFill>
-                  <a:srgbClr val="374151"/>
-                </a:solidFill>
-                <a:effectLst/>
-                <a:latin typeface="Söhne"/>
-              </a:rPr>
-              <a:t>The platform then takes over, performing a series of critical data processing tasks</a:t>
-            </a:r>
-            <a:r>
-              <a:rPr lang="en-US" sz="1600">
-                <a:solidFill>
-                  <a:srgbClr val="374151"/>
-                </a:solidFill>
-                <a:latin typeface="Söhne"/>
-              </a:rPr>
-              <a:t> and produces descriptive statistics and model evaluation matrix.</a:t>
-            </a:r>
-            <a:endParaRPr lang="en-US" sz="1600"/>
           </a:p>
         </p:txBody>
       </p:sp>
@@ -5553,832 +6518,174 @@
       </p:grpSpPr>
       <p:sp>
         <p:nvSpPr>
-          <p:cNvPr id="3" name="TextBox 2">
+          <p:cNvPr id="2" name="Title 1">
             <a:extLst>
               <a:ext uri="{FF2B5EF4-FFF2-40B4-BE49-F238E27FC236}">
-                <a16:creationId xmlns:a16="http://schemas.microsoft.com/office/drawing/2014/main" id="{84F47507-EC42-CAE2-A3C5-66EA513D82FF}"/>
+                <a16:creationId xmlns:a16="http://schemas.microsoft.com/office/drawing/2014/main" id="{EC7565C8-2C4E-7E46-E04A-AD8B5B8C1B5A}"/>
               </a:ext>
             </a:extLst>
           </p:cNvPr>
-          <p:cNvSpPr txBox="1"/>
-          <p:nvPr/>
+          <p:cNvSpPr>
+            <a:spLocks noGrp="1"/>
+          </p:cNvSpPr>
+          <p:nvPr>
+            <p:ph type="ctrTitle"/>
+          </p:nvPr>
         </p:nvSpPr>
-        <p:spPr>
-          <a:xfrm>
-            <a:off x="227747" y="125388"/>
-            <a:ext cx="2743200" cy="553998"/>
-          </a:xfrm>
-          <a:prstGeom prst="rect">
-            <a:avLst/>
-          </a:prstGeom>
-          <a:noFill/>
-        </p:spPr>
+        <p:spPr/>
         <p:txBody>
-          <a:bodyPr rot="0" spcFirstLastPara="0" vertOverflow="overflow" horzOverflow="overflow" vert="horz" wrap="square" lIns="91440" tIns="45720" rIns="91440" bIns="45720" numCol="1" spcCol="0" rtlCol="0" fromWordArt="0" anchor="t" anchorCtr="0" forceAA="0" compatLnSpc="1">
-            <a:prstTxWarp prst="textNoShape">
-              <a:avLst/>
-            </a:prstTxWarp>
-            <a:spAutoFit/>
-          </a:bodyPr>
+          <a:bodyPr/>
           <a:lstStyle/>
           <a:p>
             <a:r>
-              <a:rPr lang="en-US" sz="3000" b="1">
-                <a:solidFill>
-                  <a:srgbClr val="404041"/>
-                </a:solidFill>
-                <a:cs typeface="Arial"/>
-              </a:rPr>
-              <a:t>How ?</a:t>
-            </a:r>
-          </a:p>
-        </p:txBody>
-      </p:sp>
-      <p:pic>
-        <p:nvPicPr>
-          <p:cNvPr id="4" name="Picture 3" descr="A black line drawing of a person and a computer&#10;&#10;Description automatically generated">
-            <a:extLst>
-              <a:ext uri="{FF2B5EF4-FFF2-40B4-BE49-F238E27FC236}">
-                <a16:creationId xmlns:a16="http://schemas.microsoft.com/office/drawing/2014/main" id="{EC269B9F-A17C-328D-2A89-8284632D26ED}"/>
-              </a:ext>
-            </a:extLst>
-          </p:cNvPr>
-          <p:cNvPicPr>
-            <a:picLocks noChangeAspect="1"/>
-          </p:cNvPicPr>
-          <p:nvPr/>
-        </p:nvPicPr>
-        <p:blipFill>
-          <a:blip r:embed="rId2"/>
-          <a:stretch>
-            <a:fillRect/>
-          </a:stretch>
-        </p:blipFill>
-        <p:spPr>
-          <a:xfrm>
-            <a:off x="347867" y="2066320"/>
-            <a:ext cx="948715" cy="754729"/>
-          </a:xfrm>
-          <a:prstGeom prst="rect">
-            <a:avLst/>
-          </a:prstGeom>
-        </p:spPr>
-      </p:pic>
-      <p:pic>
-        <p:nvPicPr>
-          <p:cNvPr id="10" name="Picture 9" descr="Full Amazon S3 Guide (2020) | Logicata">
-            <a:extLst>
-              <a:ext uri="{FF2B5EF4-FFF2-40B4-BE49-F238E27FC236}">
-                <a16:creationId xmlns:a16="http://schemas.microsoft.com/office/drawing/2014/main" id="{0D8B44AF-0949-A90D-E8ED-7399B59C2B57}"/>
-              </a:ext>
-            </a:extLst>
-          </p:cNvPr>
-          <p:cNvPicPr>
-            <a:picLocks noChangeAspect="1"/>
-          </p:cNvPicPr>
-          <p:nvPr/>
-        </p:nvPicPr>
-        <p:blipFill>
-          <a:blip r:embed="rId3"/>
-          <a:stretch>
-            <a:fillRect/>
-          </a:stretch>
-        </p:blipFill>
-        <p:spPr>
-          <a:xfrm>
-            <a:off x="2126778" y="787591"/>
-            <a:ext cx="736412" cy="727882"/>
-          </a:xfrm>
-          <a:prstGeom prst="rect">
-            <a:avLst/>
-          </a:prstGeom>
-        </p:spPr>
-      </p:pic>
-      <p:pic>
-        <p:nvPicPr>
-          <p:cNvPr id="13" name="Picture 12" descr="Data Preprocessing Using PySpark - Filter Operations - Analytics Vidhya">
-            <a:extLst>
-              <a:ext uri="{FF2B5EF4-FFF2-40B4-BE49-F238E27FC236}">
-                <a16:creationId xmlns:a16="http://schemas.microsoft.com/office/drawing/2014/main" id="{300C4755-03A6-C8E8-3B63-3CE69AD9E06F}"/>
-              </a:ext>
-            </a:extLst>
-          </p:cNvPr>
-          <p:cNvPicPr>
-            <a:picLocks noChangeAspect="1"/>
-          </p:cNvPicPr>
-          <p:nvPr/>
-        </p:nvPicPr>
-        <p:blipFill>
-          <a:blip r:embed="rId4"/>
-          <a:stretch>
-            <a:fillRect/>
-          </a:stretch>
-        </p:blipFill>
-        <p:spPr>
-          <a:xfrm>
-            <a:off x="6994279" y="709593"/>
-            <a:ext cx="1387407" cy="1007281"/>
-          </a:xfrm>
-          <a:prstGeom prst="rect">
-            <a:avLst/>
-          </a:prstGeom>
-        </p:spPr>
-      </p:pic>
-      <p:pic>
-        <p:nvPicPr>
-          <p:cNvPr id="17" name="Picture 16" descr="EMR Engine MapR M5 | AWS Analytics">
-            <a:extLst>
-              <a:ext uri="{FF2B5EF4-FFF2-40B4-BE49-F238E27FC236}">
-                <a16:creationId xmlns:a16="http://schemas.microsoft.com/office/drawing/2014/main" id="{B76F0877-2687-BB5F-D098-9B36F6AE3AD0}"/>
-              </a:ext>
-            </a:extLst>
-          </p:cNvPr>
-          <p:cNvPicPr>
-            <a:picLocks noChangeAspect="1"/>
-          </p:cNvPicPr>
-          <p:nvPr/>
-        </p:nvPicPr>
-        <p:blipFill>
-          <a:blip r:embed="rId5"/>
-          <a:stretch>
-            <a:fillRect/>
-          </a:stretch>
-        </p:blipFill>
-        <p:spPr>
-          <a:xfrm>
-            <a:off x="7312058" y="1743943"/>
-            <a:ext cx="747216" cy="734422"/>
-          </a:xfrm>
-          <a:prstGeom prst="rect">
-            <a:avLst/>
-          </a:prstGeom>
-        </p:spPr>
-      </p:pic>
-      <p:pic>
-        <p:nvPicPr>
-          <p:cNvPr id="19" name="Picture 18" descr="What is AWS Lambda - The Iron.io Blog">
-            <a:extLst>
-              <a:ext uri="{FF2B5EF4-FFF2-40B4-BE49-F238E27FC236}">
-                <a16:creationId xmlns:a16="http://schemas.microsoft.com/office/drawing/2014/main" id="{28926664-5E78-6E50-8A07-06D4AF1732C5}"/>
-              </a:ext>
-            </a:extLst>
-          </p:cNvPr>
-          <p:cNvPicPr>
-            <a:picLocks noChangeAspect="1"/>
-          </p:cNvPicPr>
-          <p:nvPr/>
-        </p:nvPicPr>
-        <p:blipFill>
-          <a:blip r:embed="rId6"/>
-          <a:stretch>
-            <a:fillRect/>
-          </a:stretch>
-        </p:blipFill>
-        <p:spPr>
-          <a:xfrm>
-            <a:off x="3025539" y="769961"/>
-            <a:ext cx="1418111" cy="912410"/>
-          </a:xfrm>
-          <a:prstGeom prst="rect">
-            <a:avLst/>
-          </a:prstGeom>
-        </p:spPr>
-      </p:pic>
-      <p:pic>
-        <p:nvPicPr>
-          <p:cNvPr id="22" name="Picture 21" descr="Big Data Machine Learning with SparkML — Part 2 — Ensemble Methods | by  Sailaja Karra | Medium">
-            <a:extLst>
-              <a:ext uri="{FF2B5EF4-FFF2-40B4-BE49-F238E27FC236}">
-                <a16:creationId xmlns:a16="http://schemas.microsoft.com/office/drawing/2014/main" id="{491BCECC-9CC7-4157-8D31-7C3C78BC33EF}"/>
-              </a:ext>
-            </a:extLst>
-          </p:cNvPr>
-          <p:cNvPicPr>
-            <a:picLocks noChangeAspect="1"/>
-          </p:cNvPicPr>
-          <p:nvPr/>
-        </p:nvPicPr>
-        <p:blipFill>
-          <a:blip r:embed="rId7"/>
-          <a:stretch>
-            <a:fillRect/>
-          </a:stretch>
-        </p:blipFill>
-        <p:spPr>
-          <a:xfrm>
-            <a:off x="6846912" y="2822852"/>
-            <a:ext cx="1676966" cy="696239"/>
-          </a:xfrm>
-          <a:prstGeom prst="rect">
-            <a:avLst/>
-          </a:prstGeom>
-        </p:spPr>
-      </p:pic>
-      <p:pic>
-        <p:nvPicPr>
-          <p:cNvPr id="25" name="Picture 24" descr="Amazon EMR - Secure Data Access for Spark, Hive, Presto | Okera">
-            <a:extLst>
-              <a:ext uri="{FF2B5EF4-FFF2-40B4-BE49-F238E27FC236}">
-                <a16:creationId xmlns:a16="http://schemas.microsoft.com/office/drawing/2014/main" id="{1627D0C2-B55B-CF41-66E2-3B2B9F546DFC}"/>
-              </a:ext>
-            </a:extLst>
-          </p:cNvPr>
-          <p:cNvPicPr>
-            <a:picLocks noChangeAspect="1"/>
-          </p:cNvPicPr>
-          <p:nvPr/>
-        </p:nvPicPr>
-        <p:blipFill>
-          <a:blip r:embed="rId8"/>
-          <a:stretch>
-            <a:fillRect/>
-          </a:stretch>
-        </p:blipFill>
-        <p:spPr>
-          <a:xfrm>
-            <a:off x="5038583" y="943231"/>
-            <a:ext cx="1233417" cy="570134"/>
-          </a:xfrm>
-          <a:prstGeom prst="rect">
-            <a:avLst/>
-          </a:prstGeom>
-        </p:spPr>
-      </p:pic>
-      <p:sp>
-        <p:nvSpPr>
-          <p:cNvPr id="27" name="TextBox 26">
-            <a:extLst>
-              <a:ext uri="{FF2B5EF4-FFF2-40B4-BE49-F238E27FC236}">
-                <a16:creationId xmlns:a16="http://schemas.microsoft.com/office/drawing/2014/main" id="{8184DC83-BC0E-F646-AB88-1651F62D4A71}"/>
-              </a:ext>
-            </a:extLst>
-          </p:cNvPr>
-          <p:cNvSpPr txBox="1"/>
-          <p:nvPr/>
-        </p:nvSpPr>
-        <p:spPr>
-          <a:xfrm>
-            <a:off x="7228141" y="2476745"/>
-            <a:ext cx="2106871" cy="276999"/>
-          </a:xfrm>
-          <a:prstGeom prst="rect">
-            <a:avLst/>
-          </a:prstGeom>
-          <a:noFill/>
-          <a:ln>
-            <a:noFill/>
-          </a:ln>
-        </p:spPr>
-        <p:txBody>
-          <a:bodyPr rot="0" spcFirstLastPara="0" vertOverflow="overflow" horzOverflow="overflow" vert="horz" wrap="square" lIns="91440" tIns="45720" rIns="91440" bIns="45720" numCol="1" spcCol="0" rtlCol="0" fromWordArt="0" anchor="t" anchorCtr="0" forceAA="0" compatLnSpc="1">
-            <a:prstTxWarp prst="textNoShape">
-              <a:avLst/>
-            </a:prstTxWarp>
-            <a:spAutoFit/>
-          </a:bodyPr>
-          <a:lstStyle/>
-          <a:p>
-            <a:pPr algn="l"/>
-            <a:r>
-              <a:rPr lang="en-US" sz="1200">
-                <a:cs typeface="Arial"/>
-              </a:rPr>
-              <a:t>Map-reduce</a:t>
+              <a:rPr lang="en-US"/>
+              <a:t>Generalized Analysis Approach</a:t>
             </a:r>
           </a:p>
         </p:txBody>
       </p:sp>
       <p:sp>
         <p:nvSpPr>
-          <p:cNvPr id="29" name="Rectangle: Rounded Corners 28">
+          <p:cNvPr id="3" name="Text Placeholder 2">
             <a:extLst>
               <a:ext uri="{FF2B5EF4-FFF2-40B4-BE49-F238E27FC236}">
-                <a16:creationId xmlns:a16="http://schemas.microsoft.com/office/drawing/2014/main" id="{156E4521-3640-084E-3A57-C7B851C3B2CF}"/>
+                <a16:creationId xmlns:a16="http://schemas.microsoft.com/office/drawing/2014/main" id="{3350F428-9238-2EEE-DCA0-B229043C0A84}"/>
               </a:ext>
             </a:extLst>
           </p:cNvPr>
-          <p:cNvSpPr/>
-          <p:nvPr/>
+          <p:cNvSpPr>
+            <a:spLocks noGrp="1"/>
+          </p:cNvSpPr>
+          <p:nvPr>
+            <p:ph type="body" sz="quarter" idx="10"/>
+          </p:nvPr>
         </p:nvSpPr>
-        <p:spPr>
-          <a:xfrm>
-            <a:off x="1830949" y="752358"/>
-            <a:ext cx="2770280" cy="946673"/>
-          </a:xfrm>
-          <a:prstGeom prst="roundRect">
-            <a:avLst/>
-          </a:prstGeom>
-          <a:noFill/>
-        </p:spPr>
-        <p:style>
-          <a:lnRef idx="1">
-            <a:schemeClr val="accent1"/>
-          </a:lnRef>
-          <a:fillRef idx="3">
-            <a:schemeClr val="accent1"/>
-          </a:fillRef>
-          <a:effectRef idx="2">
-            <a:schemeClr val="accent1"/>
-          </a:effectRef>
-          <a:fontRef idx="minor">
-            <a:schemeClr val="lt1"/>
-          </a:fontRef>
-        </p:style>
+        <p:spPr/>
         <p:txBody>
-          <a:bodyPr rtlCol="0" anchor="ctr"/>
+          <a:bodyPr/>
           <a:lstStyle/>
           <a:p>
-            <a:pPr algn="ctr"/>
             <a:endParaRPr lang="en-US"/>
           </a:p>
         </p:txBody>
       </p:sp>
       <p:sp>
         <p:nvSpPr>
-          <p:cNvPr id="30" name="Rectangle: Rounded Corners 29">
+          <p:cNvPr id="4" name="Content Placeholder 3">
             <a:extLst>
               <a:ext uri="{FF2B5EF4-FFF2-40B4-BE49-F238E27FC236}">
-                <a16:creationId xmlns:a16="http://schemas.microsoft.com/office/drawing/2014/main" id="{98F5A796-1CFB-46C1-8080-8C1138D4DC5D}"/>
+                <a16:creationId xmlns:a16="http://schemas.microsoft.com/office/drawing/2014/main" id="{92D9928A-63BD-D284-C59E-7D6E852A4178}"/>
               </a:ext>
             </a:extLst>
           </p:cNvPr>
-          <p:cNvSpPr/>
-          <p:nvPr/>
+          <p:cNvSpPr>
+            <a:spLocks noGrp="1"/>
+          </p:cNvSpPr>
+          <p:nvPr>
+            <p:ph idx="1"/>
+          </p:nvPr>
         </p:nvSpPr>
-        <p:spPr>
-          <a:xfrm>
-            <a:off x="6663093" y="632488"/>
-            <a:ext cx="2202407" cy="2859205"/>
-          </a:xfrm>
-          <a:prstGeom prst="roundRect">
-            <a:avLst/>
-          </a:prstGeom>
-          <a:noFill/>
-          <a:ln>
-            <a:prstDash val="sysDot"/>
-          </a:ln>
-        </p:spPr>
-        <p:style>
-          <a:lnRef idx="1">
-            <a:schemeClr val="accent1"/>
-          </a:lnRef>
-          <a:fillRef idx="3">
-            <a:schemeClr val="accent1"/>
-          </a:fillRef>
-          <a:effectRef idx="2">
-            <a:schemeClr val="accent1"/>
-          </a:effectRef>
-          <a:fontRef idx="minor">
-            <a:schemeClr val="lt1"/>
-          </a:fontRef>
-        </p:style>
+        <p:spPr/>
         <p:txBody>
-          <a:bodyPr rtlCol="0" anchor="ctr"/>
+          <a:bodyPr vert="horz" lIns="91440" tIns="45720" rIns="91440" bIns="45720" rtlCol="0" anchor="t">
+            <a:normAutofit fontScale="85000" lnSpcReduction="20000"/>
+          </a:bodyPr>
           <a:lstStyle/>
           <a:p>
-            <a:pPr algn="ctr"/>
+            <a:r>
+              <a:rPr lang="en-US"/>
+              <a:t>Built each function for each task</a:t>
+            </a:r>
+          </a:p>
+          <a:p>
+            <a:pPr>
+              <a:buClr>
+                <a:srgbClr val="808080"/>
+              </a:buClr>
+            </a:pPr>
+            <a:r>
+              <a:rPr lang="en-US"/>
+              <a:t>Combined all small functions in a user defined function</a:t>
+            </a:r>
+          </a:p>
+          <a:p>
+            <a:pPr>
+              <a:buClr>
+                <a:srgbClr val="808080"/>
+              </a:buClr>
+            </a:pPr>
+            <a:r>
+              <a:rPr lang="en-US"/>
+              <a:t>Where we keep collecting the results in empty </a:t>
+            </a:r>
+            <a:r>
+              <a:rPr lang="en-US" err="1"/>
+              <a:t>json</a:t>
+            </a:r>
+          </a:p>
+          <a:p>
+            <a:pPr>
+              <a:buClr>
+                <a:srgbClr val="808080"/>
+              </a:buClr>
+            </a:pPr>
+            <a:r>
+              <a:rPr lang="en-US"/>
+              <a:t>One function passes processed csv to next function</a:t>
+            </a:r>
+          </a:p>
+          <a:p>
+            <a:pPr>
+              <a:buClr>
+                <a:srgbClr val="808080"/>
+              </a:buClr>
+            </a:pPr>
+            <a:r>
+              <a:rPr lang="en-US"/>
+              <a:t>Final result will be the </a:t>
+            </a:r>
+            <a:r>
+              <a:rPr lang="en-US" err="1"/>
+              <a:t>dataframe</a:t>
+            </a:r>
+            <a:r>
+              <a:rPr lang="en-US"/>
+              <a:t> and JSON ( Keys – Function names, Values – </a:t>
+            </a:r>
+            <a:r>
+              <a:rPr lang="en-US" err="1"/>
+              <a:t>Descritpive</a:t>
+            </a:r>
+            <a:r>
+              <a:rPr lang="en-US"/>
+              <a:t> statistics)</a:t>
+            </a:r>
+          </a:p>
+          <a:p>
+            <a:pPr>
+              <a:buClr>
+                <a:srgbClr val="808080"/>
+              </a:buClr>
+            </a:pPr>
+            <a:r>
+              <a:rPr lang="en-US"/>
+              <a:t>Based on Target Variable Datatype it chooses Classification or Regression</a:t>
+            </a:r>
+          </a:p>
+          <a:p>
+            <a:pPr>
+              <a:buClr>
+                <a:srgbClr val="808080"/>
+              </a:buClr>
+            </a:pPr>
             <a:endParaRPr lang="en-US"/>
           </a:p>
         </p:txBody>
       </p:sp>
-      <p:sp>
-        <p:nvSpPr>
-          <p:cNvPr id="5" name="Rectangle: Rounded Corners 4">
-            <a:extLst>
-              <a:ext uri="{FF2B5EF4-FFF2-40B4-BE49-F238E27FC236}">
-                <a16:creationId xmlns:a16="http://schemas.microsoft.com/office/drawing/2014/main" id="{E22566DC-96C9-29D9-158A-FFCF77020905}"/>
-              </a:ext>
-            </a:extLst>
-          </p:cNvPr>
-          <p:cNvSpPr/>
-          <p:nvPr/>
-        </p:nvSpPr>
-        <p:spPr>
-          <a:xfrm>
-            <a:off x="135322" y="1871382"/>
-            <a:ext cx="1255459" cy="1118679"/>
-          </a:xfrm>
-          <a:prstGeom prst="roundRect">
-            <a:avLst/>
-          </a:prstGeom>
-          <a:noFill/>
-        </p:spPr>
-        <p:style>
-          <a:lnRef idx="1">
-            <a:schemeClr val="accent1"/>
-          </a:lnRef>
-          <a:fillRef idx="3">
-            <a:schemeClr val="accent1"/>
-          </a:fillRef>
-          <a:effectRef idx="2">
-            <a:schemeClr val="accent1"/>
-          </a:effectRef>
-          <a:fontRef idx="minor">
-            <a:schemeClr val="lt1"/>
-          </a:fontRef>
-        </p:style>
-        <p:txBody>
-          <a:bodyPr rtlCol="0" anchor="ctr"/>
-          <a:lstStyle/>
-          <a:p>
-            <a:pPr algn="ctr"/>
-            <a:endParaRPr lang="en-US"/>
-          </a:p>
-        </p:txBody>
-      </p:sp>
-      <p:sp>
-        <p:nvSpPr>
-          <p:cNvPr id="6" name="TextBox 5">
-            <a:extLst>
-              <a:ext uri="{FF2B5EF4-FFF2-40B4-BE49-F238E27FC236}">
-                <a16:creationId xmlns:a16="http://schemas.microsoft.com/office/drawing/2014/main" id="{2AC4CB2E-F5A7-7A37-E50D-5BDE06335FA4}"/>
-              </a:ext>
-            </a:extLst>
-          </p:cNvPr>
-          <p:cNvSpPr txBox="1"/>
-          <p:nvPr/>
-        </p:nvSpPr>
-        <p:spPr>
-          <a:xfrm>
-            <a:off x="348199" y="2706828"/>
-            <a:ext cx="895216" cy="230832"/>
-          </a:xfrm>
-          <a:prstGeom prst="rect">
-            <a:avLst/>
-          </a:prstGeom>
-          <a:noFill/>
-        </p:spPr>
-        <p:txBody>
-          <a:bodyPr rot="0" spcFirstLastPara="0" vertOverflow="overflow" horzOverflow="overflow" vert="horz" wrap="square" lIns="91440" tIns="45720" rIns="91440" bIns="45720" numCol="1" spcCol="0" rtlCol="0" fromWordArt="0" anchor="t" anchorCtr="0" forceAA="0" compatLnSpc="1">
-            <a:prstTxWarp prst="textNoShape">
-              <a:avLst/>
-            </a:prstTxWarp>
-            <a:spAutoFit/>
-          </a:bodyPr>
-          <a:lstStyle/>
-          <a:p>
-            <a:r>
-              <a:rPr lang="en-US" sz="900" dirty="0">
-                <a:cs typeface="Arial"/>
-              </a:rPr>
-              <a:t>Web Interface</a:t>
-            </a:r>
-            <a:endParaRPr lang="en-US" sz="900" dirty="0"/>
-          </a:p>
-        </p:txBody>
-      </p:sp>
-      <p:sp>
-        <p:nvSpPr>
-          <p:cNvPr id="2" name="TextBox 1">
-            <a:extLst>
-              <a:ext uri="{FF2B5EF4-FFF2-40B4-BE49-F238E27FC236}">
-                <a16:creationId xmlns:a16="http://schemas.microsoft.com/office/drawing/2014/main" id="{90FE5638-67BD-5370-DCE6-A371A1C773C8}"/>
-              </a:ext>
-            </a:extLst>
-          </p:cNvPr>
-          <p:cNvSpPr txBox="1"/>
-          <p:nvPr/>
-        </p:nvSpPr>
-        <p:spPr>
-          <a:xfrm>
-            <a:off x="2124893" y="1470771"/>
-            <a:ext cx="814216" cy="230832"/>
-          </a:xfrm>
-          <a:prstGeom prst="rect">
-            <a:avLst/>
-          </a:prstGeom>
-          <a:noFill/>
-        </p:spPr>
-        <p:txBody>
-          <a:bodyPr rot="0" spcFirstLastPara="0" vertOverflow="overflow" horzOverflow="overflow" vert="horz" wrap="square" lIns="91440" tIns="45720" rIns="91440" bIns="45720" numCol="1" spcCol="0" rtlCol="0" fromWordArt="0" anchor="t" anchorCtr="0" forceAA="0" compatLnSpc="1">
-            <a:prstTxWarp prst="textNoShape">
-              <a:avLst/>
-            </a:prstTxWarp>
-            <a:spAutoFit/>
-          </a:bodyPr>
-          <a:lstStyle/>
-          <a:p>
-            <a:r>
-              <a:rPr lang="en-US" sz="900">
-                <a:cs typeface="Arial"/>
-              </a:rPr>
-              <a:t>S3 Bucket</a:t>
-            </a:r>
-          </a:p>
-        </p:txBody>
-      </p:sp>
-      <p:pic>
-        <p:nvPicPr>
-          <p:cNvPr id="32" name="Picture 31" descr="What is AWS Lambda - The Iron.io Blog">
-            <a:extLst>
-              <a:ext uri="{FF2B5EF4-FFF2-40B4-BE49-F238E27FC236}">
-                <a16:creationId xmlns:a16="http://schemas.microsoft.com/office/drawing/2014/main" id="{3C42FDB6-2FC6-D7BC-012C-5BFC78A6BA63}"/>
-              </a:ext>
-            </a:extLst>
-          </p:cNvPr>
-          <p:cNvPicPr>
-            <a:picLocks noChangeAspect="1"/>
-          </p:cNvPicPr>
-          <p:nvPr/>
-        </p:nvPicPr>
-        <p:blipFill>
-          <a:blip r:embed="rId6"/>
-          <a:stretch>
-            <a:fillRect/>
-          </a:stretch>
-        </p:blipFill>
-        <p:spPr>
-          <a:xfrm>
-            <a:off x="2368740" y="2949338"/>
-            <a:ext cx="1418111" cy="912410"/>
-          </a:xfrm>
-          <a:prstGeom prst="rect">
-            <a:avLst/>
-          </a:prstGeom>
-        </p:spPr>
-      </p:pic>
-      <p:sp>
-        <p:nvSpPr>
-          <p:cNvPr id="33" name="Rectangle: Rounded Corners 32">
-            <a:extLst>
-              <a:ext uri="{FF2B5EF4-FFF2-40B4-BE49-F238E27FC236}">
-                <a16:creationId xmlns:a16="http://schemas.microsoft.com/office/drawing/2014/main" id="{E9880FC1-A9A7-C62A-9FA6-ADBCB3E9992C}"/>
-              </a:ext>
-            </a:extLst>
-          </p:cNvPr>
-          <p:cNvSpPr/>
-          <p:nvPr/>
-        </p:nvSpPr>
-        <p:spPr>
-          <a:xfrm>
-            <a:off x="2470686" y="2982913"/>
-            <a:ext cx="2706308" cy="874171"/>
-          </a:xfrm>
-          <a:prstGeom prst="roundRect">
-            <a:avLst/>
-          </a:prstGeom>
-          <a:noFill/>
-        </p:spPr>
-        <p:style>
-          <a:lnRef idx="1">
-            <a:schemeClr val="accent1"/>
-          </a:lnRef>
-          <a:fillRef idx="3">
-            <a:schemeClr val="accent1"/>
-          </a:fillRef>
-          <a:effectRef idx="2">
-            <a:schemeClr val="accent1"/>
-          </a:effectRef>
-          <a:fontRef idx="minor">
-            <a:schemeClr val="lt1"/>
-          </a:fontRef>
-        </p:style>
-        <p:txBody>
-          <a:bodyPr rtlCol="0" anchor="ctr"/>
-          <a:lstStyle/>
-          <a:p>
-            <a:pPr algn="ctr"/>
-            <a:endParaRPr lang="en-US"/>
-          </a:p>
-        </p:txBody>
-      </p:sp>
-      <p:pic>
-        <p:nvPicPr>
-          <p:cNvPr id="34" name="Picture 33" descr="DynamoDB ODBC &amp; JDBC Drivers - Simba - insightsoftware">
-            <a:extLst>
-              <a:ext uri="{FF2B5EF4-FFF2-40B4-BE49-F238E27FC236}">
-                <a16:creationId xmlns:a16="http://schemas.microsoft.com/office/drawing/2014/main" id="{7D245FA2-ED52-F193-E62C-CE7E8D6FAE91}"/>
-              </a:ext>
-            </a:extLst>
-          </p:cNvPr>
-          <p:cNvPicPr>
-            <a:picLocks noChangeAspect="1"/>
-          </p:cNvPicPr>
-          <p:nvPr/>
-        </p:nvPicPr>
-        <p:blipFill>
-          <a:blip r:embed="rId9"/>
-          <a:stretch>
-            <a:fillRect/>
-          </a:stretch>
-        </p:blipFill>
-        <p:spPr>
-          <a:xfrm>
-            <a:off x="3635422" y="2933074"/>
-            <a:ext cx="1169444" cy="940672"/>
-          </a:xfrm>
-          <a:prstGeom prst="rect">
-            <a:avLst/>
-          </a:prstGeom>
-        </p:spPr>
-      </p:pic>
-      <p:cxnSp>
-        <p:nvCxnSpPr>
-          <p:cNvPr id="35" name="Connector: Curved 34">
-            <a:extLst>
-              <a:ext uri="{FF2B5EF4-FFF2-40B4-BE49-F238E27FC236}">
-                <a16:creationId xmlns:a16="http://schemas.microsoft.com/office/drawing/2014/main" id="{AC01412A-AF21-3EF3-BFCA-692A5D166CBA}"/>
-              </a:ext>
-            </a:extLst>
-          </p:cNvPr>
-          <p:cNvCxnSpPr/>
-          <p:nvPr/>
-        </p:nvCxnSpPr>
-        <p:spPr>
-          <a:xfrm flipV="1">
-            <a:off x="1389512" y="1276068"/>
-            <a:ext cx="445259" cy="804363"/>
-          </a:xfrm>
-          <a:prstGeom prst="curvedConnector3">
-            <a:avLst/>
-          </a:prstGeom>
-          <a:ln>
-            <a:tailEnd type="triangle"/>
-          </a:ln>
-        </p:spPr>
-        <p:style>
-          <a:lnRef idx="2">
-            <a:schemeClr val="accent1"/>
-          </a:lnRef>
-          <a:fillRef idx="0">
-            <a:schemeClr val="accent1"/>
-          </a:fillRef>
-          <a:effectRef idx="1">
-            <a:schemeClr val="accent1"/>
-          </a:effectRef>
-          <a:fontRef idx="minor">
-            <a:schemeClr val="tx1"/>
-          </a:fontRef>
-        </p:style>
-      </p:cxnSp>
-      <p:cxnSp>
-        <p:nvCxnSpPr>
-          <p:cNvPr id="36" name="Connector: Curved 35">
-            <a:extLst>
-              <a:ext uri="{FF2B5EF4-FFF2-40B4-BE49-F238E27FC236}">
-                <a16:creationId xmlns:a16="http://schemas.microsoft.com/office/drawing/2014/main" id="{C5CB2F84-9998-C23E-EC8B-B5BE51AC68B4}"/>
-              </a:ext>
-            </a:extLst>
-          </p:cNvPr>
-          <p:cNvCxnSpPr>
-            <a:cxnSpLocks/>
-          </p:cNvCxnSpPr>
-          <p:nvPr/>
-        </p:nvCxnSpPr>
-        <p:spPr>
-          <a:xfrm flipH="1">
-            <a:off x="5179446" y="3121072"/>
-            <a:ext cx="1490043" cy="436561"/>
-          </a:xfrm>
-          <a:prstGeom prst="curvedConnector3">
-            <a:avLst/>
-          </a:prstGeom>
-          <a:ln>
-            <a:tailEnd type="triangle"/>
-          </a:ln>
-        </p:spPr>
-        <p:style>
-          <a:lnRef idx="2">
-            <a:schemeClr val="accent1"/>
-          </a:lnRef>
-          <a:fillRef idx="0">
-            <a:schemeClr val="accent1"/>
-          </a:fillRef>
-          <a:effectRef idx="1">
-            <a:schemeClr val="accent1"/>
-          </a:effectRef>
-          <a:fontRef idx="minor">
-            <a:schemeClr val="tx1"/>
-          </a:fontRef>
-        </p:style>
-      </p:cxnSp>
-      <p:cxnSp>
-        <p:nvCxnSpPr>
-          <p:cNvPr id="37" name="Connector: Curved 36">
-            <a:extLst>
-              <a:ext uri="{FF2B5EF4-FFF2-40B4-BE49-F238E27FC236}">
-                <a16:creationId xmlns:a16="http://schemas.microsoft.com/office/drawing/2014/main" id="{FF6D48F5-6141-2AB1-1758-6B279A691F7F}"/>
-              </a:ext>
-            </a:extLst>
-          </p:cNvPr>
-          <p:cNvCxnSpPr>
-            <a:cxnSpLocks/>
-          </p:cNvCxnSpPr>
-          <p:nvPr/>
-        </p:nvCxnSpPr>
-        <p:spPr>
-          <a:xfrm flipH="1" flipV="1">
-            <a:off x="1346184" y="2999196"/>
-            <a:ext cx="1098543" cy="382439"/>
-          </a:xfrm>
-          <a:prstGeom prst="curvedConnector3">
-            <a:avLst/>
-          </a:prstGeom>
-          <a:ln>
-            <a:tailEnd type="triangle"/>
-          </a:ln>
-        </p:spPr>
-        <p:style>
-          <a:lnRef idx="2">
-            <a:schemeClr val="accent1"/>
-          </a:lnRef>
-          <a:fillRef idx="0">
-            <a:schemeClr val="accent1"/>
-          </a:fillRef>
-          <a:effectRef idx="1">
-            <a:schemeClr val="accent1"/>
-          </a:effectRef>
-          <a:fontRef idx="minor">
-            <a:schemeClr val="tx1"/>
-          </a:fontRef>
-        </p:style>
-      </p:cxnSp>
-      <p:cxnSp>
-        <p:nvCxnSpPr>
-          <p:cNvPr id="11" name="Connector: Curved 10">
-            <a:extLst>
-              <a:ext uri="{FF2B5EF4-FFF2-40B4-BE49-F238E27FC236}">
-                <a16:creationId xmlns:a16="http://schemas.microsoft.com/office/drawing/2014/main" id="{F771CDE5-0E0B-214A-D602-84B8FC8D63BA}"/>
-              </a:ext>
-            </a:extLst>
-          </p:cNvPr>
-          <p:cNvCxnSpPr>
-            <a:cxnSpLocks/>
-          </p:cNvCxnSpPr>
-          <p:nvPr/>
-        </p:nvCxnSpPr>
-        <p:spPr>
-          <a:xfrm>
-            <a:off x="6367184" y="1207833"/>
-            <a:ext cx="251322" cy="4561"/>
-          </a:xfrm>
-          <a:prstGeom prst="curvedConnector3">
-            <a:avLst/>
-          </a:prstGeom>
-          <a:ln>
-            <a:tailEnd type="triangle"/>
-          </a:ln>
-        </p:spPr>
-        <p:style>
-          <a:lnRef idx="2">
-            <a:schemeClr val="accent1"/>
-          </a:lnRef>
-          <a:fillRef idx="0">
-            <a:schemeClr val="accent1"/>
-          </a:fillRef>
-          <a:effectRef idx="1">
-            <a:schemeClr val="accent1"/>
-          </a:effectRef>
-          <a:fontRef idx="minor">
-            <a:schemeClr val="tx1"/>
-          </a:fontRef>
-        </p:style>
-      </p:cxnSp>
-      <p:cxnSp>
-        <p:nvCxnSpPr>
-          <p:cNvPr id="12" name="Connector: Curved 11">
-            <a:extLst>
-              <a:ext uri="{FF2B5EF4-FFF2-40B4-BE49-F238E27FC236}">
-                <a16:creationId xmlns:a16="http://schemas.microsoft.com/office/drawing/2014/main" id="{5030D1B2-9245-6807-7132-72F145366ECC}"/>
-              </a:ext>
-            </a:extLst>
-          </p:cNvPr>
-          <p:cNvCxnSpPr>
-            <a:cxnSpLocks/>
-          </p:cNvCxnSpPr>
-          <p:nvPr/>
-        </p:nvCxnSpPr>
-        <p:spPr>
-          <a:xfrm flipV="1">
-            <a:off x="4648184" y="1207893"/>
-            <a:ext cx="350322" cy="4439"/>
-          </a:xfrm>
-          <a:prstGeom prst="curvedConnector3">
-            <a:avLst/>
-          </a:prstGeom>
-          <a:ln>
-            <a:tailEnd type="triangle"/>
-          </a:ln>
-        </p:spPr>
-        <p:style>
-          <a:lnRef idx="2">
-            <a:schemeClr val="accent1"/>
-          </a:lnRef>
-          <a:fillRef idx="0">
-            <a:schemeClr val="accent1"/>
-          </a:fillRef>
-          <a:effectRef idx="1">
-            <a:schemeClr val="accent1"/>
-          </a:effectRef>
-          <a:fontRef idx="minor">
-            <a:schemeClr val="tx1"/>
-          </a:fontRef>
-        </p:style>
-      </p:cxnSp>
     </p:spTree>
     <p:extLst>
       <p:ext uri="{BB962C8B-B14F-4D97-AF65-F5344CB8AC3E}">
-        <p14:creationId xmlns:p14="http://schemas.microsoft.com/office/powerpoint/2010/main" val="4067283307"/>
+        <p14:creationId xmlns:p14="http://schemas.microsoft.com/office/powerpoint/2010/main" val="3028757967"/>
       </p:ext>
     </p:extLst>
   </p:cSld>
@@ -6407,10 +6714,1112 @@
       </p:grpSpPr>
       <p:sp>
         <p:nvSpPr>
+          <p:cNvPr id="3" name="TextBox 2">
+            <a:extLst>
+              <a:ext uri="{FF2B5EF4-FFF2-40B4-BE49-F238E27FC236}">
+                <a16:creationId xmlns:a16="http://schemas.microsoft.com/office/drawing/2014/main" id="{FE400A73-4328-B436-93E6-501205D26BF9}"/>
+              </a:ext>
+            </a:extLst>
+          </p:cNvPr>
+          <p:cNvSpPr txBox="1"/>
+          <p:nvPr/>
+        </p:nvSpPr>
+        <p:spPr>
+          <a:xfrm>
+            <a:off x="55390" y="408783"/>
+            <a:ext cx="2743200" cy="553998"/>
+          </a:xfrm>
+          <a:prstGeom prst="rect">
+            <a:avLst/>
+          </a:prstGeom>
+          <a:noFill/>
+        </p:spPr>
+        <p:txBody>
+          <a:bodyPr rot="0" spcFirstLastPara="0" vertOverflow="overflow" horzOverflow="overflow" vert="horz" wrap="square" lIns="91440" tIns="45720" rIns="91440" bIns="45720" numCol="1" spcCol="0" rtlCol="0" fromWordArt="0" anchor="t" anchorCtr="0" forceAA="0" compatLnSpc="1">
+            <a:prstTxWarp prst="textNoShape">
+              <a:avLst/>
+            </a:prstTxWarp>
+            <a:spAutoFit/>
+          </a:bodyPr>
+          <a:lstStyle/>
+          <a:p>
+            <a:endParaRPr lang="en-US" sz="3000" b="1">
+              <a:solidFill>
+                <a:srgbClr val="404041"/>
+              </a:solidFill>
+              <a:cs typeface="Arial"/>
+            </a:endParaRPr>
+          </a:p>
+        </p:txBody>
+      </p:sp>
+      <p:pic>
+        <p:nvPicPr>
+          <p:cNvPr id="5" name="Picture 4" descr="A black line drawing of a person and a computer&#10;&#10;Description automatically generated">
+            <a:extLst>
+              <a:ext uri="{FF2B5EF4-FFF2-40B4-BE49-F238E27FC236}">
+                <a16:creationId xmlns:a16="http://schemas.microsoft.com/office/drawing/2014/main" id="{13F12E3E-6E17-1406-F396-7EDD777E84FB}"/>
+              </a:ext>
+            </a:extLst>
+          </p:cNvPr>
+          <p:cNvPicPr>
+            <a:picLocks noChangeAspect="1"/>
+          </p:cNvPicPr>
+          <p:nvPr/>
+        </p:nvPicPr>
+        <p:blipFill>
+          <a:blip r:embed="rId2"/>
+          <a:stretch>
+            <a:fillRect/>
+          </a:stretch>
+        </p:blipFill>
+        <p:spPr>
+          <a:xfrm>
+            <a:off x="347867" y="2354251"/>
+            <a:ext cx="948715" cy="754729"/>
+          </a:xfrm>
+          <a:prstGeom prst="rect">
+            <a:avLst/>
+          </a:prstGeom>
+        </p:spPr>
+      </p:pic>
+      <p:pic>
+        <p:nvPicPr>
+          <p:cNvPr id="7" name="Picture 6" descr="Full Amazon S3 Guide (2020) | Logicata">
+            <a:extLst>
+              <a:ext uri="{FF2B5EF4-FFF2-40B4-BE49-F238E27FC236}">
+                <a16:creationId xmlns:a16="http://schemas.microsoft.com/office/drawing/2014/main" id="{193D6467-DF05-24FA-BC7D-D42B8BBA5B9D}"/>
+              </a:ext>
+            </a:extLst>
+          </p:cNvPr>
+          <p:cNvPicPr>
+            <a:picLocks noChangeAspect="1"/>
+          </p:cNvPicPr>
+          <p:nvPr/>
+        </p:nvPicPr>
+        <p:blipFill>
+          <a:blip r:embed="rId3"/>
+          <a:stretch>
+            <a:fillRect/>
+          </a:stretch>
+        </p:blipFill>
+        <p:spPr>
+          <a:xfrm>
+            <a:off x="3833417" y="725268"/>
+            <a:ext cx="736412" cy="727882"/>
+          </a:xfrm>
+          <a:prstGeom prst="rect">
+            <a:avLst/>
+          </a:prstGeom>
+        </p:spPr>
+      </p:pic>
+      <p:pic>
+        <p:nvPicPr>
+          <p:cNvPr id="9" name="Picture 8" descr="Data Preprocessing Using PySpark - Filter Operations - Analytics Vidhya">
+            <a:extLst>
+              <a:ext uri="{FF2B5EF4-FFF2-40B4-BE49-F238E27FC236}">
+                <a16:creationId xmlns:a16="http://schemas.microsoft.com/office/drawing/2014/main" id="{BF64187A-3A7B-494F-0F58-5877D6C5937D}"/>
+              </a:ext>
+            </a:extLst>
+          </p:cNvPr>
+          <p:cNvPicPr>
+            <a:picLocks noChangeAspect="1"/>
+          </p:cNvPicPr>
+          <p:nvPr/>
+        </p:nvPicPr>
+        <p:blipFill>
+          <a:blip r:embed="rId4"/>
+          <a:stretch>
+            <a:fillRect/>
+          </a:stretch>
+        </p:blipFill>
+        <p:spPr>
+          <a:xfrm>
+            <a:off x="7209778" y="1853388"/>
+            <a:ext cx="905461" cy="658031"/>
+          </a:xfrm>
+          <a:prstGeom prst="rect">
+            <a:avLst/>
+          </a:prstGeom>
+        </p:spPr>
+      </p:pic>
+      <p:pic>
+        <p:nvPicPr>
+          <p:cNvPr id="11" name="Picture 10" descr="EMR Engine MapR M5 | AWS Analytics">
+            <a:extLst>
+              <a:ext uri="{FF2B5EF4-FFF2-40B4-BE49-F238E27FC236}">
+                <a16:creationId xmlns:a16="http://schemas.microsoft.com/office/drawing/2014/main" id="{3EAFAB2A-AF98-0E64-17EF-B781BBA50DBE}"/>
+              </a:ext>
+            </a:extLst>
+          </p:cNvPr>
+          <p:cNvPicPr>
+            <a:picLocks noChangeAspect="1"/>
+          </p:cNvPicPr>
+          <p:nvPr/>
+        </p:nvPicPr>
+        <p:blipFill>
+          <a:blip r:embed="rId5"/>
+          <a:stretch>
+            <a:fillRect/>
+          </a:stretch>
+        </p:blipFill>
+        <p:spPr>
+          <a:xfrm>
+            <a:off x="7445913" y="2565702"/>
+            <a:ext cx="461467" cy="444137"/>
+          </a:xfrm>
+          <a:prstGeom prst="rect">
+            <a:avLst/>
+          </a:prstGeom>
+        </p:spPr>
+      </p:pic>
+      <p:pic>
+        <p:nvPicPr>
+          <p:cNvPr id="15" name="Picture 14" descr="Big Data Machine Learning with SparkML — Part 2 — Ensemble Methods | by  Sailaja Karra | Medium">
+            <a:extLst>
+              <a:ext uri="{FF2B5EF4-FFF2-40B4-BE49-F238E27FC236}">
+                <a16:creationId xmlns:a16="http://schemas.microsoft.com/office/drawing/2014/main" id="{30AF4D46-DCCE-FFFB-0F68-0612512C6454}"/>
+              </a:ext>
+            </a:extLst>
+          </p:cNvPr>
+          <p:cNvPicPr>
+            <a:picLocks noChangeAspect="1"/>
+          </p:cNvPicPr>
+          <p:nvPr/>
+        </p:nvPicPr>
+        <p:blipFill>
+          <a:blip r:embed="rId6"/>
+          <a:stretch>
+            <a:fillRect/>
+          </a:stretch>
+        </p:blipFill>
+        <p:spPr>
+          <a:xfrm>
+            <a:off x="6971696" y="3077648"/>
+            <a:ext cx="1486466" cy="623668"/>
+          </a:xfrm>
+          <a:prstGeom prst="rect">
+            <a:avLst/>
+          </a:prstGeom>
+        </p:spPr>
+      </p:pic>
+      <p:sp>
+        <p:nvSpPr>
+          <p:cNvPr id="23" name="Rectangle: Rounded Corners 22">
+            <a:extLst>
+              <a:ext uri="{FF2B5EF4-FFF2-40B4-BE49-F238E27FC236}">
+                <a16:creationId xmlns:a16="http://schemas.microsoft.com/office/drawing/2014/main" id="{8847DA06-D43C-8D11-2CE8-74130CA7E978}"/>
+              </a:ext>
+            </a:extLst>
+          </p:cNvPr>
+          <p:cNvSpPr/>
+          <p:nvPr/>
+        </p:nvSpPr>
+        <p:spPr>
+          <a:xfrm>
+            <a:off x="6919412" y="1853389"/>
+            <a:ext cx="1639979" cy="1761565"/>
+          </a:xfrm>
+          <a:prstGeom prst="roundRect">
+            <a:avLst/>
+          </a:prstGeom>
+          <a:noFill/>
+          <a:ln>
+            <a:prstDash val="sysDot"/>
+          </a:ln>
+        </p:spPr>
+        <p:style>
+          <a:lnRef idx="1">
+            <a:schemeClr val="accent1"/>
+          </a:lnRef>
+          <a:fillRef idx="3">
+            <a:schemeClr val="accent1"/>
+          </a:fillRef>
+          <a:effectRef idx="2">
+            <a:schemeClr val="accent1"/>
+          </a:effectRef>
+          <a:fontRef idx="minor">
+            <a:schemeClr val="lt1"/>
+          </a:fontRef>
+        </p:style>
+        <p:txBody>
+          <a:bodyPr rtlCol="0" anchor="ctr"/>
+          <a:lstStyle/>
+          <a:p>
+            <a:pPr algn="ctr"/>
+            <a:endParaRPr lang="en-US"/>
+          </a:p>
+        </p:txBody>
+      </p:sp>
+      <p:sp>
+        <p:nvSpPr>
+          <p:cNvPr id="25" name="Rectangle: Rounded Corners 24">
+            <a:extLst>
+              <a:ext uri="{FF2B5EF4-FFF2-40B4-BE49-F238E27FC236}">
+                <a16:creationId xmlns:a16="http://schemas.microsoft.com/office/drawing/2014/main" id="{F1FFCD7F-BFA7-5C84-538B-4F872E9EEEFC}"/>
+              </a:ext>
+            </a:extLst>
+          </p:cNvPr>
+          <p:cNvSpPr/>
+          <p:nvPr/>
+        </p:nvSpPr>
+        <p:spPr>
+          <a:xfrm>
+            <a:off x="135322" y="2250027"/>
+            <a:ext cx="1255459" cy="1118679"/>
+          </a:xfrm>
+          <a:prstGeom prst="roundRect">
+            <a:avLst/>
+          </a:prstGeom>
+          <a:noFill/>
+        </p:spPr>
+        <p:style>
+          <a:lnRef idx="1">
+            <a:schemeClr val="accent1"/>
+          </a:lnRef>
+          <a:fillRef idx="3">
+            <a:schemeClr val="accent1"/>
+          </a:fillRef>
+          <a:effectRef idx="2">
+            <a:schemeClr val="accent1"/>
+          </a:effectRef>
+          <a:fontRef idx="minor">
+            <a:schemeClr val="lt1"/>
+          </a:fontRef>
+        </p:style>
+        <p:txBody>
+          <a:bodyPr rtlCol="0" anchor="ctr"/>
+          <a:lstStyle/>
+          <a:p>
+            <a:pPr algn="ctr"/>
+            <a:endParaRPr lang="en-US"/>
+          </a:p>
+        </p:txBody>
+      </p:sp>
+      <p:sp>
+        <p:nvSpPr>
+          <p:cNvPr id="27" name="TextBox 26">
+            <a:extLst>
+              <a:ext uri="{FF2B5EF4-FFF2-40B4-BE49-F238E27FC236}">
+                <a16:creationId xmlns:a16="http://schemas.microsoft.com/office/drawing/2014/main" id="{B94FDD87-67F2-7801-9A9A-3275BB3CE3FF}"/>
+              </a:ext>
+            </a:extLst>
+          </p:cNvPr>
+          <p:cNvSpPr txBox="1"/>
+          <p:nvPr/>
+        </p:nvSpPr>
+        <p:spPr>
+          <a:xfrm>
+            <a:off x="348199" y="2994759"/>
+            <a:ext cx="895216" cy="230832"/>
+          </a:xfrm>
+          <a:prstGeom prst="rect">
+            <a:avLst/>
+          </a:prstGeom>
+          <a:noFill/>
+        </p:spPr>
+        <p:txBody>
+          <a:bodyPr rot="0" spcFirstLastPara="0" vertOverflow="overflow" horzOverflow="overflow" vert="horz" wrap="square" lIns="91440" tIns="45720" rIns="91440" bIns="45720" numCol="1" spcCol="0" rtlCol="0" fromWordArt="0" anchor="t" anchorCtr="0" forceAA="0" compatLnSpc="1">
+            <a:prstTxWarp prst="textNoShape">
+              <a:avLst/>
+            </a:prstTxWarp>
+            <a:spAutoFit/>
+          </a:bodyPr>
+          <a:lstStyle/>
+          <a:p>
+            <a:r>
+              <a:rPr lang="en-US" sz="900">
+                <a:cs typeface="Arial"/>
+              </a:rPr>
+              <a:t>Web Interface</a:t>
+            </a:r>
+            <a:endParaRPr lang="en-US" sz="900"/>
+          </a:p>
+        </p:txBody>
+      </p:sp>
+      <p:sp>
+        <p:nvSpPr>
+          <p:cNvPr id="29" name="TextBox 28">
+            <a:extLst>
+              <a:ext uri="{FF2B5EF4-FFF2-40B4-BE49-F238E27FC236}">
+                <a16:creationId xmlns:a16="http://schemas.microsoft.com/office/drawing/2014/main" id="{CD2D8F0D-A65B-DEE7-A71A-CDDF72FF33E3}"/>
+              </a:ext>
+            </a:extLst>
+          </p:cNvPr>
+          <p:cNvSpPr txBox="1"/>
+          <p:nvPr/>
+        </p:nvSpPr>
+        <p:spPr>
+          <a:xfrm>
+            <a:off x="3795768" y="1492583"/>
+            <a:ext cx="814216" cy="230832"/>
+          </a:xfrm>
+          <a:prstGeom prst="rect">
+            <a:avLst/>
+          </a:prstGeom>
+          <a:noFill/>
+        </p:spPr>
+        <p:txBody>
+          <a:bodyPr rot="0" spcFirstLastPara="0" vertOverflow="overflow" horzOverflow="overflow" vert="horz" wrap="square" lIns="91440" tIns="45720" rIns="91440" bIns="45720" numCol="1" spcCol="0" rtlCol="0" fromWordArt="0" anchor="t" anchorCtr="0" forceAA="0" compatLnSpc="1">
+            <a:prstTxWarp prst="textNoShape">
+              <a:avLst/>
+            </a:prstTxWarp>
+            <a:spAutoFit/>
+          </a:bodyPr>
+          <a:lstStyle/>
+          <a:p>
+            <a:r>
+              <a:rPr lang="en-US" sz="900">
+                <a:cs typeface="Arial"/>
+              </a:rPr>
+              <a:t>S3 Bucket</a:t>
+            </a:r>
+          </a:p>
+        </p:txBody>
+      </p:sp>
+      <p:cxnSp>
+        <p:nvCxnSpPr>
+          <p:cNvPr id="37" name="Connector: Curved 36">
+            <a:extLst>
+              <a:ext uri="{FF2B5EF4-FFF2-40B4-BE49-F238E27FC236}">
+                <a16:creationId xmlns:a16="http://schemas.microsoft.com/office/drawing/2014/main" id="{CC3F3C52-4D6F-DF9E-64AE-9469EA6DB983}"/>
+              </a:ext>
+            </a:extLst>
+          </p:cNvPr>
+          <p:cNvCxnSpPr/>
+          <p:nvPr/>
+        </p:nvCxnSpPr>
+        <p:spPr>
+          <a:xfrm flipV="1">
+            <a:off x="1355580" y="1388249"/>
+            <a:ext cx="445259" cy="804363"/>
+          </a:xfrm>
+          <a:prstGeom prst="curvedConnector3">
+            <a:avLst/>
+          </a:prstGeom>
+          <a:ln>
+            <a:tailEnd type="triangle"/>
+          </a:ln>
+        </p:spPr>
+        <p:style>
+          <a:lnRef idx="2">
+            <a:schemeClr val="accent1"/>
+          </a:lnRef>
+          <a:fillRef idx="0">
+            <a:schemeClr val="accent1"/>
+          </a:fillRef>
+          <a:effectRef idx="1">
+            <a:schemeClr val="accent1"/>
+          </a:effectRef>
+          <a:fontRef idx="minor">
+            <a:schemeClr val="tx1"/>
+          </a:fontRef>
+        </p:style>
+      </p:cxnSp>
+      <p:cxnSp>
+        <p:nvCxnSpPr>
+          <p:cNvPr id="45" name="Connector: Curved 44">
+            <a:extLst>
+              <a:ext uri="{FF2B5EF4-FFF2-40B4-BE49-F238E27FC236}">
+                <a16:creationId xmlns:a16="http://schemas.microsoft.com/office/drawing/2014/main" id="{FA229A4B-1DB6-98E6-B290-E13C70AEDC82}"/>
+              </a:ext>
+            </a:extLst>
+          </p:cNvPr>
+          <p:cNvCxnSpPr>
+            <a:cxnSpLocks/>
+          </p:cNvCxnSpPr>
+          <p:nvPr/>
+        </p:nvCxnSpPr>
+        <p:spPr>
+          <a:xfrm flipV="1">
+            <a:off x="3344599" y="1206577"/>
+            <a:ext cx="350322" cy="4439"/>
+          </a:xfrm>
+          <a:prstGeom prst="curvedConnector3">
+            <a:avLst/>
+          </a:prstGeom>
+          <a:ln>
+            <a:tailEnd type="triangle"/>
+          </a:ln>
+        </p:spPr>
+        <p:style>
+          <a:lnRef idx="2">
+            <a:schemeClr val="accent1"/>
+          </a:lnRef>
+          <a:fillRef idx="0">
+            <a:schemeClr val="accent1"/>
+          </a:fillRef>
+          <a:effectRef idx="1">
+            <a:schemeClr val="accent1"/>
+          </a:effectRef>
+          <a:fontRef idx="minor">
+            <a:schemeClr val="tx1"/>
+          </a:fontRef>
+        </p:style>
+      </p:cxnSp>
+      <p:pic>
+        <p:nvPicPr>
+          <p:cNvPr id="2" name="Picture 1" descr="AWS Glue | Simplify ETL Data Processing with AWS Glue">
+            <a:extLst>
+              <a:ext uri="{FF2B5EF4-FFF2-40B4-BE49-F238E27FC236}">
+                <a16:creationId xmlns:a16="http://schemas.microsoft.com/office/drawing/2014/main" id="{D6BCE2AC-7EC5-A6F2-5540-67640CA434A4}"/>
+              </a:ext>
+            </a:extLst>
+          </p:cNvPr>
+          <p:cNvPicPr>
+            <a:picLocks noChangeAspect="1"/>
+          </p:cNvPicPr>
+          <p:nvPr/>
+        </p:nvPicPr>
+        <p:blipFill>
+          <a:blip r:embed="rId7"/>
+          <a:stretch>
+            <a:fillRect/>
+          </a:stretch>
+        </p:blipFill>
+        <p:spPr>
+          <a:xfrm>
+            <a:off x="7339773" y="662335"/>
+            <a:ext cx="795205" cy="1082825"/>
+          </a:xfrm>
+          <a:prstGeom prst="rect">
+            <a:avLst/>
+          </a:prstGeom>
+        </p:spPr>
+      </p:pic>
+      <p:pic>
+        <p:nvPicPr>
+          <p:cNvPr id="46" name="Picture 45" descr="A symbol with black text&#10;&#10;Description automatically generated">
+            <a:extLst>
+              <a:ext uri="{FF2B5EF4-FFF2-40B4-BE49-F238E27FC236}">
+                <a16:creationId xmlns:a16="http://schemas.microsoft.com/office/drawing/2014/main" id="{ED015C83-6DA9-3F4B-301B-AD5D84C32945}"/>
+              </a:ext>
+            </a:extLst>
+          </p:cNvPr>
+          <p:cNvPicPr>
+            <a:picLocks noChangeAspect="1"/>
+          </p:cNvPicPr>
+          <p:nvPr/>
+        </p:nvPicPr>
+        <p:blipFill>
+          <a:blip r:embed="rId8"/>
+          <a:stretch>
+            <a:fillRect/>
+          </a:stretch>
+        </p:blipFill>
+        <p:spPr>
+          <a:xfrm>
+            <a:off x="1964817" y="1960957"/>
+            <a:ext cx="1069522" cy="557499"/>
+          </a:xfrm>
+          <a:prstGeom prst="rect">
+            <a:avLst/>
+          </a:prstGeom>
+        </p:spPr>
+      </p:pic>
+      <p:sp>
+        <p:nvSpPr>
+          <p:cNvPr id="47" name="TextBox 46">
+            <a:extLst>
+              <a:ext uri="{FF2B5EF4-FFF2-40B4-BE49-F238E27FC236}">
+                <a16:creationId xmlns:a16="http://schemas.microsoft.com/office/drawing/2014/main" id="{CE308A5A-538F-5112-203C-3198102EFAA9}"/>
+              </a:ext>
+            </a:extLst>
+          </p:cNvPr>
+          <p:cNvSpPr txBox="1"/>
+          <p:nvPr/>
+        </p:nvSpPr>
+        <p:spPr>
+          <a:xfrm>
+            <a:off x="1128410" y="1609783"/>
+            <a:ext cx="801915" cy="369332"/>
+          </a:xfrm>
+          <a:prstGeom prst="rect">
+            <a:avLst/>
+          </a:prstGeom>
+          <a:noFill/>
+        </p:spPr>
+        <p:txBody>
+          <a:bodyPr rot="0" spcFirstLastPara="0" vertOverflow="overflow" horzOverflow="overflow" vert="horz" wrap="square" lIns="91440" tIns="45720" rIns="91440" bIns="45720" numCol="1" spcCol="0" rtlCol="0" fromWordArt="0" anchor="t" anchorCtr="0" forceAA="0" compatLnSpc="1">
+            <a:prstTxWarp prst="textNoShape">
+              <a:avLst/>
+            </a:prstTxWarp>
+            <a:spAutoFit/>
+          </a:bodyPr>
+          <a:lstStyle/>
+          <a:p>
+            <a:r>
+              <a:rPr lang="en-US" sz="900"/>
+              <a:t>POST CALL</a:t>
+            </a:r>
+            <a:endParaRPr lang="en-US"/>
+          </a:p>
+        </p:txBody>
+      </p:sp>
+      <p:pic>
+        <p:nvPicPr>
+          <p:cNvPr id="4" name="Picture 3" descr="How to build real-time applications using WebSockets with AWS API Gateway  and Lambda">
+            <a:extLst>
+              <a:ext uri="{FF2B5EF4-FFF2-40B4-BE49-F238E27FC236}">
+                <a16:creationId xmlns:a16="http://schemas.microsoft.com/office/drawing/2014/main" id="{D2D88FE8-69EE-2555-12D1-788DADF97BC3}"/>
+              </a:ext>
+            </a:extLst>
+          </p:cNvPr>
+          <p:cNvPicPr>
+            <a:picLocks noChangeAspect="1"/>
+          </p:cNvPicPr>
+          <p:nvPr/>
+        </p:nvPicPr>
+        <p:blipFill>
+          <a:blip r:embed="rId9"/>
+          <a:stretch>
+            <a:fillRect/>
+          </a:stretch>
+        </p:blipFill>
+        <p:spPr>
+          <a:xfrm>
+            <a:off x="1843389" y="812511"/>
+            <a:ext cx="1410635" cy="797290"/>
+          </a:xfrm>
+          <a:prstGeom prst="rect">
+            <a:avLst/>
+          </a:prstGeom>
+        </p:spPr>
+      </p:pic>
+      <p:sp>
+        <p:nvSpPr>
+          <p:cNvPr id="48" name="TextBox 47">
+            <a:extLst>
+              <a:ext uri="{FF2B5EF4-FFF2-40B4-BE49-F238E27FC236}">
+                <a16:creationId xmlns:a16="http://schemas.microsoft.com/office/drawing/2014/main" id="{1AC73901-315A-0CE8-5625-6015E32C401C}"/>
+              </a:ext>
+            </a:extLst>
+          </p:cNvPr>
+          <p:cNvSpPr txBox="1"/>
+          <p:nvPr/>
+        </p:nvSpPr>
+        <p:spPr>
+          <a:xfrm>
+            <a:off x="4791639" y="979111"/>
+            <a:ext cx="2743200" cy="230832"/>
+          </a:xfrm>
+          <a:prstGeom prst="rect">
+            <a:avLst/>
+          </a:prstGeom>
+          <a:noFill/>
+        </p:spPr>
+        <p:txBody>
+          <a:bodyPr rot="0" spcFirstLastPara="0" vertOverflow="overflow" horzOverflow="overflow" vert="horz" wrap="square" lIns="91440" tIns="45720" rIns="91440" bIns="45720" numCol="1" spcCol="0" rtlCol="0" fromWordArt="0" anchor="t" anchorCtr="0" forceAA="0" compatLnSpc="1">
+            <a:prstTxWarp prst="textNoShape">
+              <a:avLst/>
+            </a:prstTxWarp>
+            <a:spAutoFit/>
+          </a:bodyPr>
+          <a:lstStyle/>
+          <a:p>
+            <a:r>
+              <a:rPr lang="en-US" sz="900"/>
+              <a:t>Triggers </a:t>
+            </a:r>
+            <a:endParaRPr lang="en-US"/>
+          </a:p>
+        </p:txBody>
+      </p:sp>
+      <p:pic>
+        <p:nvPicPr>
+          <p:cNvPr id="49" name="Picture 48">
+            <a:extLst>
+              <a:ext uri="{FF2B5EF4-FFF2-40B4-BE49-F238E27FC236}">
+                <a16:creationId xmlns:a16="http://schemas.microsoft.com/office/drawing/2014/main" id="{D1ACF159-BBF3-3C04-48B4-59BAD07D7A97}"/>
+              </a:ext>
+            </a:extLst>
+          </p:cNvPr>
+          <p:cNvPicPr>
+            <a:picLocks noChangeAspect="1"/>
+          </p:cNvPicPr>
+          <p:nvPr/>
+        </p:nvPicPr>
+        <p:blipFill>
+          <a:blip r:embed="rId10"/>
+          <a:stretch>
+            <a:fillRect/>
+          </a:stretch>
+        </p:blipFill>
+        <p:spPr>
+          <a:xfrm>
+            <a:off x="5530336" y="812091"/>
+            <a:ext cx="566058" cy="725871"/>
+          </a:xfrm>
+          <a:prstGeom prst="rect">
+            <a:avLst/>
+          </a:prstGeom>
+        </p:spPr>
+      </p:pic>
+      <p:sp>
+        <p:nvSpPr>
+          <p:cNvPr id="6" name="TextBox 5">
+            <a:extLst>
+              <a:ext uri="{FF2B5EF4-FFF2-40B4-BE49-F238E27FC236}">
+                <a16:creationId xmlns:a16="http://schemas.microsoft.com/office/drawing/2014/main" id="{CECFDFAE-38BF-5484-F29B-F751D6659915}"/>
+              </a:ext>
+            </a:extLst>
+          </p:cNvPr>
+          <p:cNvSpPr txBox="1"/>
+          <p:nvPr/>
+        </p:nvSpPr>
+        <p:spPr>
+          <a:xfrm>
+            <a:off x="2101268" y="2517202"/>
+            <a:ext cx="801915" cy="230832"/>
+          </a:xfrm>
+          <a:prstGeom prst="rect">
+            <a:avLst/>
+          </a:prstGeom>
+          <a:noFill/>
+        </p:spPr>
+        <p:txBody>
+          <a:bodyPr rot="0" spcFirstLastPara="0" vertOverflow="overflow" horzOverflow="overflow" vert="horz" wrap="square" lIns="91440" tIns="45720" rIns="91440" bIns="45720" numCol="1" spcCol="0" rtlCol="0" fromWordArt="0" anchor="t" anchorCtr="0" forceAA="0" compatLnSpc="1">
+            <a:prstTxWarp prst="textNoShape">
+              <a:avLst/>
+            </a:prstTxWarp>
+            <a:spAutoFit/>
+          </a:bodyPr>
+          <a:lstStyle/>
+          <a:p>
+            <a:r>
+              <a:rPr lang="en-US" sz="900"/>
+              <a:t>GET CALL</a:t>
+            </a:r>
+            <a:endParaRPr lang="en-US"/>
+          </a:p>
+        </p:txBody>
+      </p:sp>
+      <p:pic>
+        <p:nvPicPr>
+          <p:cNvPr id="10" name="Picture 9" descr="Understand and Implement Long-Polling and Short Polling in Node.js | by  Poorshad Shaddel | Level Up Coding">
+            <a:extLst>
+              <a:ext uri="{FF2B5EF4-FFF2-40B4-BE49-F238E27FC236}">
+                <a16:creationId xmlns:a16="http://schemas.microsoft.com/office/drawing/2014/main" id="{5C2240E4-A5EB-AEA3-59F6-3535AFFBDB9B}"/>
+              </a:ext>
+            </a:extLst>
+          </p:cNvPr>
+          <p:cNvPicPr>
+            <a:picLocks noChangeAspect="1"/>
+          </p:cNvPicPr>
+          <p:nvPr/>
+        </p:nvPicPr>
+        <p:blipFill>
+          <a:blip r:embed="rId11"/>
+          <a:stretch>
+            <a:fillRect/>
+          </a:stretch>
+        </p:blipFill>
+        <p:spPr>
+          <a:xfrm>
+            <a:off x="3510144" y="2533071"/>
+            <a:ext cx="823659" cy="605233"/>
+          </a:xfrm>
+          <a:prstGeom prst="rect">
+            <a:avLst/>
+          </a:prstGeom>
+        </p:spPr>
+      </p:pic>
+      <p:sp>
+        <p:nvSpPr>
+          <p:cNvPr id="12" name="TextBox 11">
+            <a:extLst>
+              <a:ext uri="{FF2B5EF4-FFF2-40B4-BE49-F238E27FC236}">
+                <a16:creationId xmlns:a16="http://schemas.microsoft.com/office/drawing/2014/main" id="{5C5A6C26-7561-2F20-B3F3-817D2784EABE}"/>
+              </a:ext>
+            </a:extLst>
+          </p:cNvPr>
+          <p:cNvSpPr txBox="1"/>
+          <p:nvPr/>
+        </p:nvSpPr>
+        <p:spPr>
+          <a:xfrm>
+            <a:off x="3512197" y="3255071"/>
+            <a:ext cx="814216" cy="369332"/>
+          </a:xfrm>
+          <a:prstGeom prst="rect">
+            <a:avLst/>
+          </a:prstGeom>
+          <a:noFill/>
+        </p:spPr>
+        <p:txBody>
+          <a:bodyPr rot="0" spcFirstLastPara="0" vertOverflow="overflow" horzOverflow="overflow" vert="horz" wrap="square" lIns="91440" tIns="45720" rIns="91440" bIns="45720" numCol="1" spcCol="0" rtlCol="0" fromWordArt="0" anchor="t" anchorCtr="0" forceAA="0" compatLnSpc="1">
+            <a:prstTxWarp prst="textNoShape">
+              <a:avLst/>
+            </a:prstTxWarp>
+            <a:spAutoFit/>
+          </a:bodyPr>
+          <a:lstStyle/>
+          <a:p>
+            <a:r>
+              <a:rPr lang="en-US" sz="900">
+                <a:cs typeface="Arial"/>
+              </a:rPr>
+              <a:t>Polling Mechanism</a:t>
+            </a:r>
+            <a:endParaRPr lang="en-US"/>
+          </a:p>
+        </p:txBody>
+      </p:sp>
+      <p:sp>
+        <p:nvSpPr>
+          <p:cNvPr id="14" name="TextBox 13">
+            <a:extLst>
+              <a:ext uri="{FF2B5EF4-FFF2-40B4-BE49-F238E27FC236}">
+                <a16:creationId xmlns:a16="http://schemas.microsoft.com/office/drawing/2014/main" id="{3299D81C-C6C1-3BE4-AC45-7827091B96F2}"/>
+              </a:ext>
+            </a:extLst>
+          </p:cNvPr>
+          <p:cNvSpPr txBox="1"/>
+          <p:nvPr/>
+        </p:nvSpPr>
+        <p:spPr>
+          <a:xfrm>
+            <a:off x="6210175" y="960794"/>
+            <a:ext cx="871647" cy="230832"/>
+          </a:xfrm>
+          <a:prstGeom prst="rect">
+            <a:avLst/>
+          </a:prstGeom>
+          <a:noFill/>
+        </p:spPr>
+        <p:txBody>
+          <a:bodyPr rot="0" spcFirstLastPara="0" vertOverflow="overflow" horzOverflow="overflow" vert="horz" wrap="square" lIns="91440" tIns="45720" rIns="91440" bIns="45720" numCol="1" spcCol="0" rtlCol="0" fromWordArt="0" anchor="t" anchorCtr="0" forceAA="0" compatLnSpc="1">
+            <a:prstTxWarp prst="textNoShape">
+              <a:avLst/>
+            </a:prstTxWarp>
+            <a:spAutoFit/>
+          </a:bodyPr>
+          <a:lstStyle/>
+          <a:p>
+            <a:r>
+              <a:rPr lang="en-US" sz="900"/>
+              <a:t>Passes CSV</a:t>
+            </a:r>
+            <a:endParaRPr lang="en-US"/>
+          </a:p>
+        </p:txBody>
+      </p:sp>
+      <p:cxnSp>
+        <p:nvCxnSpPr>
+          <p:cNvPr id="53" name="Connector: Curved 52">
+            <a:extLst>
+              <a:ext uri="{FF2B5EF4-FFF2-40B4-BE49-F238E27FC236}">
+                <a16:creationId xmlns:a16="http://schemas.microsoft.com/office/drawing/2014/main" id="{DACDCC34-8CD9-DA1E-ADF8-CE96A5E9357F}"/>
+              </a:ext>
+            </a:extLst>
+          </p:cNvPr>
+          <p:cNvCxnSpPr>
+            <a:cxnSpLocks/>
+          </p:cNvCxnSpPr>
+          <p:nvPr/>
+        </p:nvCxnSpPr>
+        <p:spPr>
+          <a:xfrm flipV="1">
+            <a:off x="4746133" y="1211114"/>
+            <a:ext cx="744929" cy="8974"/>
+          </a:xfrm>
+          <a:prstGeom prst="curvedConnector3">
+            <a:avLst/>
+          </a:prstGeom>
+          <a:ln>
+            <a:tailEnd type="triangle"/>
+          </a:ln>
+        </p:spPr>
+        <p:style>
+          <a:lnRef idx="2">
+            <a:schemeClr val="accent1"/>
+          </a:lnRef>
+          <a:fillRef idx="0">
+            <a:schemeClr val="accent1"/>
+          </a:fillRef>
+          <a:effectRef idx="1">
+            <a:schemeClr val="accent1"/>
+          </a:effectRef>
+          <a:fontRef idx="minor">
+            <a:schemeClr val="tx1"/>
+          </a:fontRef>
+        </p:style>
+      </p:cxnSp>
+      <p:cxnSp>
+        <p:nvCxnSpPr>
+          <p:cNvPr id="54" name="Connector: Curved 53">
+            <a:extLst>
+              <a:ext uri="{FF2B5EF4-FFF2-40B4-BE49-F238E27FC236}">
+                <a16:creationId xmlns:a16="http://schemas.microsoft.com/office/drawing/2014/main" id="{64D405B3-CB56-8C6F-CEB1-28B9A0849C70}"/>
+              </a:ext>
+            </a:extLst>
+          </p:cNvPr>
+          <p:cNvCxnSpPr>
+            <a:cxnSpLocks/>
+          </p:cNvCxnSpPr>
+          <p:nvPr/>
+        </p:nvCxnSpPr>
+        <p:spPr>
+          <a:xfrm flipV="1">
+            <a:off x="6165811" y="1206577"/>
+            <a:ext cx="1071500" cy="13509"/>
+          </a:xfrm>
+          <a:prstGeom prst="curvedConnector3">
+            <a:avLst/>
+          </a:prstGeom>
+          <a:ln>
+            <a:tailEnd type="triangle"/>
+          </a:ln>
+        </p:spPr>
+        <p:style>
+          <a:lnRef idx="2">
+            <a:schemeClr val="accent1"/>
+          </a:lnRef>
+          <a:fillRef idx="0">
+            <a:schemeClr val="accent1"/>
+          </a:fillRef>
+          <a:effectRef idx="1">
+            <a:schemeClr val="accent1"/>
+          </a:effectRef>
+          <a:fontRef idx="minor">
+            <a:schemeClr val="tx1"/>
+          </a:fontRef>
+        </p:style>
+      </p:cxnSp>
+      <p:cxnSp>
+        <p:nvCxnSpPr>
+          <p:cNvPr id="16" name="Connector: Curved 15">
+            <a:extLst>
+              <a:ext uri="{FF2B5EF4-FFF2-40B4-BE49-F238E27FC236}">
+                <a16:creationId xmlns:a16="http://schemas.microsoft.com/office/drawing/2014/main" id="{C54F0D3F-FDE6-1CC3-A1FA-E00696738909}"/>
+              </a:ext>
+            </a:extLst>
+          </p:cNvPr>
+          <p:cNvCxnSpPr>
+            <a:cxnSpLocks/>
+          </p:cNvCxnSpPr>
+          <p:nvPr/>
+        </p:nvCxnSpPr>
+        <p:spPr>
+          <a:xfrm flipH="1" flipV="1">
+            <a:off x="4501963" y="1573035"/>
+            <a:ext cx="2348774" cy="1008181"/>
+          </a:xfrm>
+          <a:prstGeom prst="curvedConnector3">
+            <a:avLst/>
+          </a:prstGeom>
+          <a:ln>
+            <a:tailEnd type="triangle"/>
+          </a:ln>
+        </p:spPr>
+        <p:style>
+          <a:lnRef idx="2">
+            <a:schemeClr val="accent1"/>
+          </a:lnRef>
+          <a:fillRef idx="0">
+            <a:schemeClr val="accent1"/>
+          </a:fillRef>
+          <a:effectRef idx="1">
+            <a:schemeClr val="accent1"/>
+          </a:effectRef>
+          <a:fontRef idx="minor">
+            <a:schemeClr val="tx1"/>
+          </a:fontRef>
+        </p:style>
+      </p:cxnSp>
+      <p:sp>
+        <p:nvSpPr>
+          <p:cNvPr id="17" name="TextBox 16">
+            <a:extLst>
+              <a:ext uri="{FF2B5EF4-FFF2-40B4-BE49-F238E27FC236}">
+                <a16:creationId xmlns:a16="http://schemas.microsoft.com/office/drawing/2014/main" id="{5DC7159E-5E33-2DA7-5220-AEAEECD71279}"/>
+              </a:ext>
+            </a:extLst>
+          </p:cNvPr>
+          <p:cNvSpPr txBox="1"/>
+          <p:nvPr/>
+        </p:nvSpPr>
+        <p:spPr>
+          <a:xfrm>
+            <a:off x="5193690" y="2077618"/>
+            <a:ext cx="871647" cy="230832"/>
+          </a:xfrm>
+          <a:prstGeom prst="rect">
+            <a:avLst/>
+          </a:prstGeom>
+          <a:noFill/>
+        </p:spPr>
+        <p:txBody>
+          <a:bodyPr rot="0" spcFirstLastPara="0" vertOverflow="overflow" horzOverflow="overflow" vert="horz" wrap="square" lIns="91440" tIns="45720" rIns="91440" bIns="45720" numCol="1" spcCol="0" rtlCol="0" fromWordArt="0" anchor="t" anchorCtr="0" forceAA="0" compatLnSpc="1">
+            <a:prstTxWarp prst="textNoShape">
+              <a:avLst/>
+            </a:prstTxWarp>
+            <a:spAutoFit/>
+          </a:bodyPr>
+          <a:lstStyle/>
+          <a:p>
+            <a:r>
+              <a:rPr lang="en-US" sz="900"/>
+              <a:t>Results</a:t>
+            </a:r>
+            <a:endParaRPr lang="en-US"/>
+          </a:p>
+        </p:txBody>
+      </p:sp>
+      <p:cxnSp>
+        <p:nvCxnSpPr>
+          <p:cNvPr id="20" name="Straight Arrow Connector 19">
+            <a:extLst>
+              <a:ext uri="{FF2B5EF4-FFF2-40B4-BE49-F238E27FC236}">
+                <a16:creationId xmlns:a16="http://schemas.microsoft.com/office/drawing/2014/main" id="{3C55A496-1954-09A8-CC60-9B80A47FBFA9}"/>
+              </a:ext>
+            </a:extLst>
+          </p:cNvPr>
+          <p:cNvCxnSpPr/>
+          <p:nvPr/>
+        </p:nvCxnSpPr>
+        <p:spPr>
+          <a:xfrm flipH="1">
+            <a:off x="4055250" y="1729552"/>
+            <a:ext cx="71548" cy="539217"/>
+          </a:xfrm>
+          <a:prstGeom prst="straightConnector1">
+            <a:avLst/>
+          </a:prstGeom>
+          <a:ln>
+            <a:headEnd type="triangle"/>
+            <a:tailEnd type="triangle"/>
+          </a:ln>
+        </p:spPr>
+        <p:style>
+          <a:lnRef idx="2">
+            <a:schemeClr val="accent1"/>
+          </a:lnRef>
+          <a:fillRef idx="0">
+            <a:schemeClr val="accent1"/>
+          </a:fillRef>
+          <a:effectRef idx="1">
+            <a:schemeClr val="accent1"/>
+          </a:effectRef>
+          <a:fontRef idx="minor">
+            <a:schemeClr val="tx1"/>
+          </a:fontRef>
+        </p:style>
+      </p:cxnSp>
+      <p:cxnSp>
+        <p:nvCxnSpPr>
+          <p:cNvPr id="35" name="Straight Arrow Connector 34">
+            <a:extLst>
+              <a:ext uri="{FF2B5EF4-FFF2-40B4-BE49-F238E27FC236}">
+                <a16:creationId xmlns:a16="http://schemas.microsoft.com/office/drawing/2014/main" id="{6CFBC39A-5951-6C40-F937-5280D907234D}"/>
+              </a:ext>
+            </a:extLst>
+          </p:cNvPr>
+          <p:cNvCxnSpPr/>
+          <p:nvPr/>
+        </p:nvCxnSpPr>
+        <p:spPr>
+          <a:xfrm flipV="1">
+            <a:off x="1534326" y="2760651"/>
+            <a:ext cx="1882895" cy="10468"/>
+          </a:xfrm>
+          <a:prstGeom prst="straightConnector1">
+            <a:avLst/>
+          </a:prstGeom>
+          <a:ln>
+            <a:headEnd type="triangle"/>
+            <a:tailEnd type="triangle"/>
+          </a:ln>
+        </p:spPr>
+        <p:style>
+          <a:lnRef idx="2">
+            <a:schemeClr val="accent1"/>
+          </a:lnRef>
+          <a:fillRef idx="0">
+            <a:schemeClr val="accent1"/>
+          </a:fillRef>
+          <a:effectRef idx="1">
+            <a:schemeClr val="accent1"/>
+          </a:effectRef>
+          <a:fontRef idx="minor">
+            <a:schemeClr val="tx1"/>
+          </a:fontRef>
+        </p:style>
+      </p:cxnSp>
+      <p:sp>
+        <p:nvSpPr>
+          <p:cNvPr id="38" name="TextBox 37">
+            <a:extLst>
+              <a:ext uri="{FF2B5EF4-FFF2-40B4-BE49-F238E27FC236}">
+                <a16:creationId xmlns:a16="http://schemas.microsoft.com/office/drawing/2014/main" id="{3FA3B90C-E77C-EF5A-534B-58A22D601E06}"/>
+              </a:ext>
+            </a:extLst>
+          </p:cNvPr>
+          <p:cNvSpPr txBox="1"/>
+          <p:nvPr/>
+        </p:nvSpPr>
+        <p:spPr>
+          <a:xfrm>
+            <a:off x="2196586" y="2832346"/>
+            <a:ext cx="871647" cy="230832"/>
+          </a:xfrm>
+          <a:prstGeom prst="rect">
+            <a:avLst/>
+          </a:prstGeom>
+          <a:noFill/>
+        </p:spPr>
+        <p:txBody>
+          <a:bodyPr rot="0" spcFirstLastPara="0" vertOverflow="overflow" horzOverflow="overflow" vert="horz" wrap="square" lIns="91440" tIns="45720" rIns="91440" bIns="45720" numCol="1" spcCol="0" rtlCol="0" fromWordArt="0" anchor="t" anchorCtr="0" forceAA="0" compatLnSpc="1">
+            <a:prstTxWarp prst="textNoShape">
+              <a:avLst/>
+            </a:prstTxWarp>
+            <a:spAutoFit/>
+          </a:bodyPr>
+          <a:lstStyle/>
+          <a:p>
+            <a:r>
+              <a:rPr lang="en-US" sz="900"/>
+              <a:t>Results</a:t>
+            </a:r>
+            <a:endParaRPr lang="en-US"/>
+          </a:p>
+        </p:txBody>
+      </p:sp>
+    </p:spTree>
+    <p:extLst>
+      <p:ext uri="{BB962C8B-B14F-4D97-AF65-F5344CB8AC3E}">
+        <p14:creationId xmlns:p14="http://schemas.microsoft.com/office/powerpoint/2010/main" val="920145628"/>
+      </p:ext>
+    </p:extLst>
+  </p:cSld>
+  <p:clrMapOvr>
+    <a:masterClrMapping/>
+  </p:clrMapOvr>
+</p:sld>
+</file>
+
+<file path=ppt/slides/slide6.xml><?xml version="1.0" encoding="utf-8"?>
+<p:sld xmlns:a="http://schemas.openxmlformats.org/drawingml/2006/main" xmlns:r="http://schemas.openxmlformats.org/officeDocument/2006/relationships" xmlns:p="http://schemas.openxmlformats.org/presentationml/2006/main">
+  <p:cSld>
+    <p:spTree>
+      <p:nvGrpSpPr>
+        <p:cNvPr id="1" name=""/>
+        <p:cNvGrpSpPr/>
+        <p:nvPr/>
+      </p:nvGrpSpPr>
+      <p:grpSpPr>
+        <a:xfrm>
+          <a:off x="0" y="0"/>
+          <a:ext cx="0" cy="0"/>
+          <a:chOff x="0" y="0"/>
+          <a:chExt cx="0" cy="0"/>
+        </a:xfrm>
+      </p:grpSpPr>
+      <p:sp>
+        <p:nvSpPr>
           <p:cNvPr id="2" name="Title 1">
             <a:extLst>
               <a:ext uri="{FF2B5EF4-FFF2-40B4-BE49-F238E27FC236}">
-                <a16:creationId xmlns:a16="http://schemas.microsoft.com/office/drawing/2014/main" id="{9477F8C1-FDB6-3BB6-BD6B-5421C47B2BA8}"/>
+                <a16:creationId xmlns:a16="http://schemas.microsoft.com/office/drawing/2014/main" id="{EF6BC6CB-7345-3C16-A6AC-AE9D347107C1}"/>
               </a:ext>
             </a:extLst>
           </p:cNvPr>
@@ -6421,24 +7830,40 @@
             <p:ph type="ctrTitle"/>
           </p:nvPr>
         </p:nvSpPr>
-        <p:spPr>
-          <a:xfrm>
-            <a:off x="520827" y="741070"/>
-            <a:ext cx="8004391" cy="699065"/>
-          </a:xfrm>
-        </p:spPr>
+        <p:spPr/>
         <p:txBody>
-          <a:bodyPr>
-            <a:normAutofit/>
-          </a:bodyPr>
+          <a:bodyPr/>
           <a:lstStyle/>
           <a:p>
             <a:r>
-              <a:rPr lang="en-US" sz="2400">
-                <a:latin typeface="Söhne"/>
-              </a:rPr>
-              <a:t>Previous works</a:t>
+              <a:rPr lang="en-US"/>
+              <a:t>Limitations &amp; Assumptions</a:t>
             </a:r>
+          </a:p>
+        </p:txBody>
+      </p:sp>
+      <p:sp>
+        <p:nvSpPr>
+          <p:cNvPr id="3" name="Text Placeholder 2">
+            <a:extLst>
+              <a:ext uri="{FF2B5EF4-FFF2-40B4-BE49-F238E27FC236}">
+                <a16:creationId xmlns:a16="http://schemas.microsoft.com/office/drawing/2014/main" id="{90AFE376-ED78-364C-0994-A9BD28653F3E}"/>
+              </a:ext>
+            </a:extLst>
+          </p:cNvPr>
+          <p:cNvSpPr>
+            <a:spLocks noGrp="1"/>
+          </p:cNvSpPr>
+          <p:nvPr>
+            <p:ph type="body" sz="quarter" idx="10"/>
+          </p:nvPr>
+        </p:nvSpPr>
+        <p:spPr/>
+        <p:txBody>
+          <a:bodyPr/>
+          <a:lstStyle/>
+          <a:p>
+            <a:endParaRPr lang="en-US"/>
           </a:p>
         </p:txBody>
       </p:sp>
@@ -6447,7 +7872,7 @@
           <p:cNvPr id="4" name="Content Placeholder 3">
             <a:extLst>
               <a:ext uri="{FF2B5EF4-FFF2-40B4-BE49-F238E27FC236}">
-                <a16:creationId xmlns:a16="http://schemas.microsoft.com/office/drawing/2014/main" id="{972DE744-93D0-F0AD-6C26-0BA3ECE5D8E7}"/>
+                <a16:creationId xmlns:a16="http://schemas.microsoft.com/office/drawing/2014/main" id="{9AAF55CC-26B7-0A60-3A89-417F75EF4CBD}"/>
               </a:ext>
             </a:extLst>
           </p:cNvPr>
@@ -6461,117 +7886,13 @@
         <p:spPr/>
         <p:txBody>
           <a:bodyPr vert="horz" lIns="91440" tIns="45720" rIns="91440" bIns="45720" rtlCol="0" anchor="t">
-            <a:normAutofit fontScale="92500" lnSpcReduction="20000"/>
+            <a:normAutofit lnSpcReduction="10000"/>
           </a:bodyPr>
           <a:lstStyle/>
           <a:p>
-            <a:pPr marL="0" indent="0">
-              <a:buNone/>
-            </a:pPr>
             <a:r>
-              <a:rPr lang="en-US" sz="1400">
-                <a:hlinkClick r:id="rId2"/>
-              </a:rPr>
-              <a:t>https://www.sciencedirect.com/science/article/pii/S2665963823000696</a:t>
-            </a:r>
-            <a:endParaRPr lang="en-US" sz="1400"/>
-          </a:p>
-          <a:p>
-            <a:pPr marL="0" indent="0">
-              <a:buNone/>
-            </a:pPr>
-            <a:r>
-              <a:rPr lang="en-US" sz="1400">
-                <a:hlinkClick r:id="rId3"/>
-              </a:rPr>
-              <a:t>https://www.ncbi.nlm.nih.gov/pmc/articles/PMC7304122/</a:t>
-            </a:r>
-            <a:endParaRPr lang="en-US"/>
-          </a:p>
-          <a:p>
-            <a:pPr>
-              <a:buNone/>
-            </a:pPr>
-            <a:r>
-              <a:rPr lang="en-US" sz="2400" b="1">
-                <a:latin typeface="Söhne"/>
-              </a:rPr>
-              <a:t>Advantages</a:t>
-            </a:r>
-            <a:endParaRPr lang="en-US" sz="2400">
-              <a:latin typeface="Söhne"/>
-            </a:endParaRPr>
-          </a:p>
-          <a:p>
-            <a:pPr>
-              <a:buClr>
-                <a:srgbClr val="808080"/>
-              </a:buClr>
-              <a:buFont typeface="Arial,Sans-Serif"/>
-              <a:buChar char="•"/>
-            </a:pPr>
-            <a:r>
-              <a:rPr lang="en-US" sz="1100">
-                <a:latin typeface="Söhne"/>
-              </a:rPr>
-              <a:t>On demand Network Access - No need of software installations or requirements</a:t>
-            </a:r>
-          </a:p>
-          <a:p>
-            <a:pPr>
-              <a:buClr>
-                <a:srgbClr val="808080"/>
-              </a:buClr>
-              <a:buFont typeface="Arial,Sans-Serif"/>
-              <a:buChar char="•"/>
-            </a:pPr>
-            <a:r>
-              <a:rPr lang="en-US" sz="1100">
-                <a:latin typeface="Söhne"/>
-              </a:rPr>
-              <a:t>Scalability  - beneficial for data analysis irrespective of size of the dataset and computational requirements.</a:t>
-            </a:r>
-          </a:p>
-          <a:p>
-            <a:pPr>
-              <a:buClr>
-                <a:srgbClr val="808080"/>
-              </a:buClr>
-              <a:buFont typeface="Arial,Sans-Serif"/>
-              <a:buChar char="•"/>
-            </a:pPr>
-            <a:r>
-              <a:rPr lang="en-US" sz="1100">
-                <a:latin typeface="Söhne"/>
-              </a:rPr>
-              <a:t>Accessibility- </a:t>
-            </a:r>
-            <a:r>
-              <a:rPr lang="en-US" sz="1100">
-                <a:solidFill>
-                  <a:srgbClr val="374151"/>
-                </a:solidFill>
-                <a:latin typeface="Söhne"/>
-              </a:rPr>
-              <a:t>Users can upload their CSV files and perform analysis regardless of their location</a:t>
-            </a:r>
-            <a:endParaRPr lang="en-US" sz="1100">
-              <a:latin typeface="Söhne"/>
-            </a:endParaRPr>
-          </a:p>
-          <a:p>
-            <a:pPr>
-              <a:buClr>
-                <a:srgbClr val="808080"/>
-              </a:buClr>
-              <a:buFont typeface="Arial,Sans-Serif"/>
-              <a:buChar char="•"/>
-            </a:pPr>
-            <a:r>
-              <a:rPr lang="en-US" sz="1100">
-                <a:latin typeface="Söhne"/>
-              </a:rPr>
-              <a:t>Performance- Results in faster analysis</a:t>
+              <a:rPr lang="en-US"/>
+              <a:t>Some CSV's include Encoding</a:t>
             </a:r>
           </a:p>
           <a:p>
@@ -6580,14 +7901,50 @@
                 <a:srgbClr val="808080"/>
               </a:buClr>
             </a:pPr>
-            <a:endParaRPr lang="en-US"/>
+            <a:r>
+              <a:rPr lang="en-US"/>
+              <a:t>Column names which Includes Special Characters</a:t>
+            </a:r>
+          </a:p>
+          <a:p>
+            <a:pPr>
+              <a:buClr>
+                <a:srgbClr val="808080"/>
+              </a:buClr>
+            </a:pPr>
+            <a:r>
+              <a:rPr lang="en-US"/>
+              <a:t>Threshold decided based on dataset Length</a:t>
+            </a:r>
+          </a:p>
+          <a:p>
+            <a:pPr>
+              <a:buClr>
+                <a:srgbClr val="808080"/>
+              </a:buClr>
+            </a:pPr>
+            <a:r>
+              <a:rPr lang="en-US"/>
+              <a:t>When Target Variable is Float -&gt; Regression, String/Object -&gt; Classification</a:t>
+            </a:r>
+          </a:p>
+          <a:p>
+            <a:pPr>
+              <a:buClr>
+                <a:srgbClr val="808080"/>
+              </a:buClr>
+            </a:pPr>
+            <a:r>
+              <a:rPr lang="en-US"/>
+              <a:t>If its Int -&gt; based on the unique categories of Target Variable it choose Reg or Class</a:t>
+            </a:r>
           </a:p>
         </p:txBody>
       </p:sp>
     </p:spTree>
     <p:extLst>
       <p:ext uri="{BB962C8B-B14F-4D97-AF65-F5344CB8AC3E}">
-        <p14:creationId xmlns:p14="http://schemas.microsoft.com/office/powerpoint/2010/main" val="2368559655"/>
+        <p14:creationId xmlns:p14="http://schemas.microsoft.com/office/powerpoint/2010/main" val="1904497864"/>
       </p:ext>
     </p:extLst>
   </p:cSld>
@@ -6597,7 +7954,451 @@
 </p:sld>
 </file>
 
-<file path=ppt/slides/slide6.xml><?xml version="1.0" encoding="utf-8"?>
+<file path=ppt/slides/slide7.xml><?xml version="1.0" encoding="utf-8"?>
+<p:sld xmlns:a="http://schemas.openxmlformats.org/drawingml/2006/main" xmlns:r="http://schemas.openxmlformats.org/officeDocument/2006/relationships" xmlns:p="http://schemas.openxmlformats.org/presentationml/2006/main">
+  <p:cSld>
+    <p:spTree>
+      <p:nvGrpSpPr>
+        <p:cNvPr id="1" name=""/>
+        <p:cNvGrpSpPr/>
+        <p:nvPr/>
+      </p:nvGrpSpPr>
+      <p:grpSpPr>
+        <a:xfrm>
+          <a:off x="0" y="0"/>
+          <a:ext cx="0" cy="0"/>
+          <a:chOff x="0" y="0"/>
+          <a:chExt cx="0" cy="0"/>
+        </a:xfrm>
+      </p:grpSpPr>
+      <p:sp>
+        <p:nvSpPr>
+          <p:cNvPr id="3" name="Title 1">
+            <a:extLst>
+              <a:ext uri="{FF2B5EF4-FFF2-40B4-BE49-F238E27FC236}">
+                <a16:creationId xmlns:a16="http://schemas.microsoft.com/office/drawing/2014/main" id="{645DFD96-62D6-5CDF-3753-46C22338B9EF}"/>
+              </a:ext>
+            </a:extLst>
+          </p:cNvPr>
+          <p:cNvSpPr txBox="1">
+            <a:spLocks/>
+          </p:cNvSpPr>
+          <p:nvPr/>
+        </p:nvSpPr>
+        <p:spPr>
+          <a:xfrm>
+            <a:off x="3679621" y="2024223"/>
+            <a:ext cx="8004391" cy="699065"/>
+          </a:xfrm>
+          <a:prstGeom prst="rect">
+            <a:avLst/>
+          </a:prstGeom>
+        </p:spPr>
+        <p:txBody>
+          <a:bodyPr lIns="91440" tIns="45720" rIns="91440" bIns="45720" anchor="t"/>
+          <a:lstStyle>
+            <a:lvl1pPr algn="l" defTabSz="457200" rtl="0" eaLnBrk="1" latinLnBrk="0" hangingPunct="1">
+              <a:spcBef>
+                <a:spcPct val="0"/>
+              </a:spcBef>
+              <a:buNone/>
+              <a:defRPr sz="3200" b="1" i="0" kern="100" spc="0">
+                <a:solidFill>
+                  <a:schemeClr val="tx1"/>
+                </a:solidFill>
+                <a:latin typeface="Arial"/>
+                <a:ea typeface="+mj-ea"/>
+                <a:cs typeface="Arial"/>
+              </a:defRPr>
+            </a:lvl1pPr>
+          </a:lstStyle>
+          <a:p>
+            <a:r>
+              <a:rPr lang="en-US"/>
+              <a:t>Demo</a:t>
+            </a:r>
+          </a:p>
+        </p:txBody>
+      </p:sp>
+    </p:spTree>
+    <p:extLst>
+      <p:ext uri="{BB962C8B-B14F-4D97-AF65-F5344CB8AC3E}">
+        <p14:creationId xmlns:p14="http://schemas.microsoft.com/office/powerpoint/2010/main" val="791137086"/>
+      </p:ext>
+    </p:extLst>
+  </p:cSld>
+  <p:clrMapOvr>
+    <a:masterClrMapping/>
+  </p:clrMapOvr>
+</p:sld>
+</file>
+
+<file path=ppt/slides/slide8.xml><?xml version="1.0" encoding="utf-8"?>
+<p:sld xmlns:a="http://schemas.openxmlformats.org/drawingml/2006/main" xmlns:r="http://schemas.openxmlformats.org/officeDocument/2006/relationships" xmlns:p="http://schemas.openxmlformats.org/presentationml/2006/main">
+  <p:cSld>
+    <p:spTree>
+      <p:nvGrpSpPr>
+        <p:cNvPr id="1" name=""/>
+        <p:cNvGrpSpPr/>
+        <p:nvPr/>
+      </p:nvGrpSpPr>
+      <p:grpSpPr>
+        <a:xfrm>
+          <a:off x="0" y="0"/>
+          <a:ext cx="0" cy="0"/>
+          <a:chOff x="0" y="0"/>
+          <a:chExt cx="0" cy="0"/>
+        </a:xfrm>
+      </p:grpSpPr>
+      <p:sp>
+        <p:nvSpPr>
+          <p:cNvPr id="2" name="Title 1">
+            <a:extLst>
+              <a:ext uri="{FF2B5EF4-FFF2-40B4-BE49-F238E27FC236}">
+                <a16:creationId xmlns:a16="http://schemas.microsoft.com/office/drawing/2014/main" id="{955586BB-31D3-D8F2-17C8-386CF9D4CE60}"/>
+              </a:ext>
+            </a:extLst>
+          </p:cNvPr>
+          <p:cNvSpPr>
+            <a:spLocks noGrp="1"/>
+          </p:cNvSpPr>
+          <p:nvPr>
+            <p:ph type="ctrTitle"/>
+          </p:nvPr>
+        </p:nvSpPr>
+        <p:spPr/>
+        <p:txBody>
+          <a:bodyPr/>
+          <a:lstStyle/>
+          <a:p>
+            <a:r>
+              <a:rPr lang="en-US"/>
+              <a:t>Evaluation</a:t>
+            </a:r>
+          </a:p>
+        </p:txBody>
+      </p:sp>
+      <p:graphicFrame>
+        <p:nvGraphicFramePr>
+          <p:cNvPr id="5" name="Content Placeholder 4">
+            <a:extLst>
+              <a:ext uri="{FF2B5EF4-FFF2-40B4-BE49-F238E27FC236}">
+                <a16:creationId xmlns:a16="http://schemas.microsoft.com/office/drawing/2014/main" id="{4719004D-1110-8916-B47B-50E97811012F}"/>
+              </a:ext>
+            </a:extLst>
+          </p:cNvPr>
+          <p:cNvGraphicFramePr>
+            <a:graphicFrameLocks noGrp="1"/>
+          </p:cNvGraphicFramePr>
+          <p:nvPr>
+            <p:ph idx="1"/>
+            <p:extLst>
+              <p:ext uri="{D42A27DB-BD31-4B8C-83A1-F6EECF244321}">
+                <p14:modId xmlns:p14="http://schemas.microsoft.com/office/powerpoint/2010/main" val="2367204079"/>
+              </p:ext>
+            </p:extLst>
+          </p:nvPr>
+        </p:nvGraphicFramePr>
+        <p:xfrm>
+          <a:off x="519113" y="1628775"/>
+          <a:ext cx="8015284" cy="1483360"/>
+        </p:xfrm>
+        <a:graphic>
+          <a:graphicData uri="http://schemas.openxmlformats.org/drawingml/2006/table">
+            <a:tbl>
+              <a:tblPr firstRow="1" bandRow="1">
+                <a:tableStyleId>{21E4AEA4-8DFA-4A89-87EB-49C32662AFE0}</a:tableStyleId>
+              </a:tblPr>
+              <a:tblGrid>
+                <a:gridCol w="2003821">
+                  <a:extLst>
+                    <a:ext uri="{9D8B030D-6E8A-4147-A177-3AD203B41FA5}">
+                      <a16:colId xmlns:a16="http://schemas.microsoft.com/office/drawing/2014/main" val="3208599073"/>
+                    </a:ext>
+                  </a:extLst>
+                </a:gridCol>
+                <a:gridCol w="2003821">
+                  <a:extLst>
+                    <a:ext uri="{9D8B030D-6E8A-4147-A177-3AD203B41FA5}">
+                      <a16:colId xmlns:a16="http://schemas.microsoft.com/office/drawing/2014/main" val="3236339243"/>
+                    </a:ext>
+                  </a:extLst>
+                </a:gridCol>
+                <a:gridCol w="2003821">
+                  <a:extLst>
+                    <a:ext uri="{9D8B030D-6E8A-4147-A177-3AD203B41FA5}">
+                      <a16:colId xmlns:a16="http://schemas.microsoft.com/office/drawing/2014/main" val="4038941230"/>
+                    </a:ext>
+                  </a:extLst>
+                </a:gridCol>
+                <a:gridCol w="2003821">
+                  <a:extLst>
+                    <a:ext uri="{9D8B030D-6E8A-4147-A177-3AD203B41FA5}">
+                      <a16:colId xmlns:a16="http://schemas.microsoft.com/office/drawing/2014/main" val="2938344288"/>
+                    </a:ext>
+                  </a:extLst>
+                </a:gridCol>
+              </a:tblGrid>
+              <a:tr h="370840">
+                <a:tc>
+                  <a:txBody>
+                    <a:bodyPr/>
+                    <a:lstStyle/>
+                    <a:p>
+                      <a:pPr lvl="0">
+                        <a:buNone/>
+                      </a:pPr>
+                      <a:r>
+                        <a:rPr lang="en-US"/>
+                        <a:t>Dataset</a:t>
+                      </a:r>
+                    </a:p>
+                  </a:txBody>
+                  <a:tcPr/>
+                </a:tc>
+                <a:tc>
+                  <a:txBody>
+                    <a:bodyPr/>
+                    <a:lstStyle/>
+                    <a:p>
+                      <a:r>
+                        <a:rPr lang="en-US"/>
+                        <a:t>User time</a:t>
+                      </a:r>
+                    </a:p>
+                  </a:txBody>
+                  <a:tcPr/>
+                </a:tc>
+                <a:tc>
+                  <a:txBody>
+                    <a:bodyPr/>
+                    <a:lstStyle/>
+                    <a:p>
+                      <a:pPr lvl="0">
+                        <a:buNone/>
+                      </a:pPr>
+                      <a:r>
+                        <a:rPr lang="en-US"/>
+                        <a:t>Reason for user</a:t>
+                      </a:r>
+                    </a:p>
+                  </a:txBody>
+                  <a:tcPr/>
+                </a:tc>
+                <a:tc>
+                  <a:txBody>
+                    <a:bodyPr/>
+                    <a:lstStyle/>
+                    <a:p>
+                      <a:r>
+                        <a:rPr lang="en-US"/>
+                        <a:t>Our Platform</a:t>
+                      </a:r>
+                    </a:p>
+                  </a:txBody>
+                  <a:tcPr/>
+                </a:tc>
+                <a:extLst>
+                  <a:ext uri="{0D108BD9-81ED-4DB2-BD59-A6C34878D82A}">
+                    <a16:rowId xmlns:a16="http://schemas.microsoft.com/office/drawing/2014/main" val="905821374"/>
+                  </a:ext>
+                </a:extLst>
+              </a:tr>
+              <a:tr h="370840">
+                <a:tc>
+                  <a:txBody>
+                    <a:bodyPr/>
+                    <a:lstStyle/>
+                    <a:p>
+                      <a:r>
+                        <a:rPr lang="en-US" err="1"/>
+                        <a:t>BostonHousing</a:t>
+                      </a:r>
+                    </a:p>
+                  </a:txBody>
+                  <a:tcPr/>
+                </a:tc>
+                <a:tc>
+                  <a:txBody>
+                    <a:bodyPr/>
+                    <a:lstStyle/>
+                    <a:p>
+                      <a:r>
+                        <a:rPr lang="en-US"/>
+                        <a:t>4 mins</a:t>
+                      </a:r>
+                    </a:p>
+                  </a:txBody>
+                  <a:tcPr/>
+                </a:tc>
+                <a:tc>
+                  <a:txBody>
+                    <a:bodyPr/>
+                    <a:lstStyle/>
+                    <a:p>
+                      <a:r>
+                        <a:rPr lang="en-US"/>
+                        <a:t>Library issue</a:t>
+                      </a:r>
+                    </a:p>
+                  </a:txBody>
+                  <a:tcPr/>
+                </a:tc>
+                <a:tc>
+                  <a:txBody>
+                    <a:bodyPr/>
+                    <a:lstStyle/>
+                    <a:p>
+                      <a:r>
+                        <a:rPr lang="en-US"/>
+                        <a:t>2 min 4 sec</a:t>
+                      </a:r>
+                    </a:p>
+                  </a:txBody>
+                  <a:tcPr/>
+                </a:tc>
+                <a:extLst>
+                  <a:ext uri="{0D108BD9-81ED-4DB2-BD59-A6C34878D82A}">
+                    <a16:rowId xmlns:a16="http://schemas.microsoft.com/office/drawing/2014/main" val="1335254127"/>
+                  </a:ext>
+                </a:extLst>
+              </a:tr>
+              <a:tr h="370840">
+                <a:tc>
+                  <a:txBody>
+                    <a:bodyPr/>
+                    <a:lstStyle/>
+                    <a:p>
+                      <a:r>
+                        <a:rPr lang="en-US"/>
+                        <a:t>Titanic</a:t>
+                      </a:r>
+                    </a:p>
+                  </a:txBody>
+                  <a:tcPr/>
+                </a:tc>
+                <a:tc>
+                  <a:txBody>
+                    <a:bodyPr/>
+                    <a:lstStyle/>
+                    <a:p>
+                      <a:r>
+                        <a:rPr lang="en-US"/>
+                        <a:t>6mins</a:t>
+                      </a:r>
+                    </a:p>
+                  </a:txBody>
+                  <a:tcPr/>
+                </a:tc>
+                <a:tc>
+                  <a:txBody>
+                    <a:bodyPr/>
+                    <a:lstStyle/>
+                    <a:p>
+                      <a:r>
+                        <a:rPr lang="en-US"/>
+                        <a:t>Column has . In it</a:t>
+                      </a:r>
+                    </a:p>
+                  </a:txBody>
+                  <a:tcPr/>
+                </a:tc>
+                <a:tc>
+                  <a:txBody>
+                    <a:bodyPr/>
+                    <a:lstStyle/>
+                    <a:p>
+                      <a:r>
+                        <a:rPr lang="en-US"/>
+                        <a:t>2 min 13 sec</a:t>
+                      </a:r>
+                    </a:p>
+                  </a:txBody>
+                  <a:tcPr/>
+                </a:tc>
+                <a:extLst>
+                  <a:ext uri="{0D108BD9-81ED-4DB2-BD59-A6C34878D82A}">
+                    <a16:rowId xmlns:a16="http://schemas.microsoft.com/office/drawing/2014/main" val="2987726257"/>
+                  </a:ext>
+                </a:extLst>
+              </a:tr>
+              <a:tr h="370840">
+                <a:tc>
+                  <a:txBody>
+                    <a:bodyPr/>
+                    <a:lstStyle/>
+                    <a:p>
+                      <a:r>
+                        <a:rPr lang="en-US"/>
+                        <a:t>Iris</a:t>
+                      </a:r>
+                    </a:p>
+                  </a:txBody>
+                  <a:tcPr/>
+                </a:tc>
+                <a:tc>
+                  <a:txBody>
+                    <a:bodyPr/>
+                    <a:lstStyle/>
+                    <a:p>
+                      <a:r>
+                        <a:rPr lang="en-US"/>
+                        <a:t>4 mins</a:t>
+                      </a:r>
+                    </a:p>
+                  </a:txBody>
+                  <a:tcPr/>
+                </a:tc>
+                <a:tc>
+                  <a:txBody>
+                    <a:bodyPr/>
+                    <a:lstStyle/>
+                    <a:p>
+                      <a:r>
+                        <a:rPr lang="en-US"/>
+                        <a:t>No issues</a:t>
+                      </a:r>
+                    </a:p>
+                  </a:txBody>
+                  <a:tcPr/>
+                </a:tc>
+                <a:tc>
+                  <a:txBody>
+                    <a:bodyPr/>
+                    <a:lstStyle/>
+                    <a:p>
+                      <a:r>
+                        <a:rPr lang="en-US"/>
+                        <a:t>2 min 3 sec</a:t>
+                      </a:r>
+                    </a:p>
+                  </a:txBody>
+                  <a:tcPr/>
+                </a:tc>
+                <a:extLst>
+                  <a:ext uri="{0D108BD9-81ED-4DB2-BD59-A6C34878D82A}">
+                    <a16:rowId xmlns:a16="http://schemas.microsoft.com/office/drawing/2014/main" val="1504276993"/>
+                  </a:ext>
+                </a:extLst>
+              </a:tr>
+            </a:tbl>
+          </a:graphicData>
+        </a:graphic>
+      </p:graphicFrame>
+    </p:spTree>
+    <p:extLst>
+      <p:ext uri="{BB962C8B-B14F-4D97-AF65-F5344CB8AC3E}">
+        <p14:creationId xmlns:p14="http://schemas.microsoft.com/office/powerpoint/2010/main" val="337258129"/>
+      </p:ext>
+    </p:extLst>
+  </p:cSld>
+  <p:clrMapOvr>
+    <a:masterClrMapping/>
+  </p:clrMapOvr>
+</p:sld>
+</file>
+
+<file path=ppt/slides/slide9.xml><?xml version="1.0" encoding="utf-8"?>
 <p:sld xmlns:a="http://schemas.openxmlformats.org/drawingml/2006/main" xmlns:r="http://schemas.openxmlformats.org/officeDocument/2006/relationships" xmlns:p="http://schemas.openxmlformats.org/presentationml/2006/main">
   <p:cSld>
     <p:spTree>
@@ -7630,6 +9431,12 @@
 </file>
 
 <file path=customXml/item1.xml><?xml version="1.0" encoding="utf-8"?>
+<p:properties xmlns:p="http://schemas.microsoft.com/office/2006/metadata/properties" xmlns:xsi="http://www.w3.org/2001/XMLSchema-instance" xmlns:pc="http://schemas.microsoft.com/office/infopath/2007/PartnerControls">
+  <documentManagement/>
+</p:properties>
+</file>
+
+<file path=customXml/item2.xml><?xml version="1.0" encoding="utf-8"?>
 <?mso-contentType ?>
 <FormTemplates xmlns="http://schemas.microsoft.com/sharepoint/v3/contenttype/forms">
   <Display>DocumentLibraryForm</Display>
@@ -7638,16 +9445,11 @@
 </FormTemplates>
 </file>
 
-<file path=customXml/item2.xml><?xml version="1.0" encoding="utf-8"?>
-<p:properties xmlns:p="http://schemas.microsoft.com/office/2006/metadata/properties" xmlns:xsi="http://www.w3.org/2001/XMLSchema-instance" xmlns:pc="http://schemas.microsoft.com/office/infopath/2007/PartnerControls">
-  <documentManagement/>
-</p:properties>
-</file>
-
 <file path=customXml/item3.xml><?xml version="1.0" encoding="utf-8"?>
-<ct:contentTypeSchema xmlns:ct="http://schemas.microsoft.com/office/2006/metadata/contentType" xmlns:ma="http://schemas.microsoft.com/office/2006/metadata/properties/metaAttributes" ct:_="" ma:_="" ma:contentTypeName="Document" ma:contentTypeID="0x0101009D038D7DBC5AE444911906F4514E2238" ma:contentTypeVersion="3" ma:contentTypeDescription="Create a new document." ma:contentTypeScope="" ma:versionID="c19e24fab97fc0dcc36455353e6da12c">
-  <xsd:schema xmlns:xsd="http://www.w3.org/2001/XMLSchema" xmlns:xs="http://www.w3.org/2001/XMLSchema" xmlns:p="http://schemas.microsoft.com/office/2006/metadata/properties" xmlns:ns2="d75244dc-8025-424b-bb51-4005f6ff4329" targetNamespace="http://schemas.microsoft.com/office/2006/metadata/properties" ma:root="true" ma:fieldsID="4b73ef136cd00cee660d17b182d5f5aa" ns2:_="">
+<ct:contentTypeSchema xmlns:ct="http://schemas.microsoft.com/office/2006/metadata/contentType" xmlns:ma="http://schemas.microsoft.com/office/2006/metadata/properties/metaAttributes" ct:_="" ma:_="" ma:contentTypeName="Document" ma:contentTypeID="0x0101009D038D7DBC5AE444911906F4514E2238" ma:contentTypeVersion="5" ma:contentTypeDescription="Create a new document." ma:contentTypeScope="" ma:versionID="9d279e805b3bb4046a20c14bcdfe4065">
+  <xsd:schema xmlns:xsd="http://www.w3.org/2001/XMLSchema" xmlns:xs="http://www.w3.org/2001/XMLSchema" xmlns:p="http://schemas.microsoft.com/office/2006/metadata/properties" xmlns:ns2="d75244dc-8025-424b-bb51-4005f6ff4329" xmlns:ns3="6f6dafa2-8e0b-4e0c-b90a-acfc13217643" targetNamespace="http://schemas.microsoft.com/office/2006/metadata/properties" ma:root="true" ma:fieldsID="b48f9d2f97ac44adb5669ea73a4f6b62" ns2:_="" ns3:_="">
     <xsd:import namespace="d75244dc-8025-424b-bb51-4005f6ff4329"/>
+    <xsd:import namespace="6f6dafa2-8e0b-4e0c-b90a-acfc13217643"/>
     <xsd:element name="properties">
       <xsd:complexType>
         <xsd:sequence>
@@ -7657,6 +9459,8 @@
                 <xsd:element ref="ns2:MediaServiceMetadata" minOccurs="0"/>
                 <xsd:element ref="ns2:MediaServiceFastMetadata" minOccurs="0"/>
                 <xsd:element ref="ns2:MediaServiceObjectDetectorVersions" minOccurs="0"/>
+                <xsd:element ref="ns3:SharedWithUsers" minOccurs="0"/>
+                <xsd:element ref="ns3:SharedWithDetails" minOccurs="0"/>
               </xsd:all>
             </xsd:complexType>
           </xsd:element>
@@ -7680,6 +9484,36 @@
     <xsd:element name="MediaServiceObjectDetectorVersions" ma:index="10" nillable="true" ma:displayName="MediaServiceObjectDetectorVersions" ma:hidden="true" ma:indexed="true" ma:internalName="MediaServiceObjectDetectorVersions" ma:readOnly="true">
       <xsd:simpleType>
         <xsd:restriction base="dms:Text"/>
+      </xsd:simpleType>
+    </xsd:element>
+  </xsd:schema>
+  <xsd:schema xmlns:xsd="http://www.w3.org/2001/XMLSchema" xmlns:xs="http://www.w3.org/2001/XMLSchema" xmlns:dms="http://schemas.microsoft.com/office/2006/documentManagement/types" xmlns:pc="http://schemas.microsoft.com/office/infopath/2007/PartnerControls" targetNamespace="6f6dafa2-8e0b-4e0c-b90a-acfc13217643" elementFormDefault="qualified">
+    <xsd:import namespace="http://schemas.microsoft.com/office/2006/documentManagement/types"/>
+    <xsd:import namespace="http://schemas.microsoft.com/office/infopath/2007/PartnerControls"/>
+    <xsd:element name="SharedWithUsers" ma:index="11" nillable="true" ma:displayName="Shared With" ma:internalName="SharedWithUsers" ma:readOnly="true">
+      <xsd:complexType>
+        <xsd:complexContent>
+          <xsd:extension base="dms:UserMulti">
+            <xsd:sequence>
+              <xsd:element name="UserInfo" minOccurs="0" maxOccurs="unbounded">
+                <xsd:complexType>
+                  <xsd:sequence>
+                    <xsd:element name="DisplayName" type="xsd:string" minOccurs="0"/>
+                    <xsd:element name="AccountId" type="dms:UserId" minOccurs="0" nillable="true"/>
+                    <xsd:element name="AccountType" type="xsd:string" minOccurs="0"/>
+                  </xsd:sequence>
+                </xsd:complexType>
+              </xsd:element>
+            </xsd:sequence>
+          </xsd:extension>
+        </xsd:complexContent>
+      </xsd:complexType>
+    </xsd:element>
+    <xsd:element name="SharedWithDetails" ma:index="12" nillable="true" ma:displayName="Shared With Details" ma:internalName="SharedWithDetails" ma:readOnly="true">
+      <xsd:simpleType>
+        <xsd:restriction base="dms:Note">
+          <xsd:maxLength value="255"/>
+        </xsd:restriction>
       </xsd:simpleType>
     </xsd:element>
   </xsd:schema>
@@ -7783,14 +9617,6 @@
 </file>
 
 <file path=customXml/itemProps1.xml><?xml version="1.0" encoding="utf-8"?>
-<ds:datastoreItem xmlns:ds="http://schemas.openxmlformats.org/officeDocument/2006/customXml" ds:itemID="{87D2A1B0-FF3E-4009-940D-AED0EB70AA20}">
-  <ds:schemaRefs>
-    <ds:schemaRef ds:uri="http://schemas.microsoft.com/sharepoint/v3/contenttype/forms"/>
-  </ds:schemaRefs>
-</ds:datastoreItem>
-</file>
-
-<file path=customXml/itemProps2.xml><?xml version="1.0" encoding="utf-8"?>
 <ds:datastoreItem xmlns:ds="http://schemas.openxmlformats.org/officeDocument/2006/customXml" ds:itemID="{7B6F2769-7194-4217-93D3-3AF3A4742282}">
   <ds:schemaRefs>
     <ds:schemaRef ds:uri="http://schemas.microsoft.com/office/2006/metadata/properties"/>
@@ -7800,9 +9626,18 @@
 </ds:datastoreItem>
 </file>
 
+<file path=customXml/itemProps2.xml><?xml version="1.0" encoding="utf-8"?>
+<ds:datastoreItem xmlns:ds="http://schemas.openxmlformats.org/officeDocument/2006/customXml" ds:itemID="{87D2A1B0-FF3E-4009-940D-AED0EB70AA20}">
+  <ds:schemaRefs>
+    <ds:schemaRef ds:uri="http://schemas.microsoft.com/sharepoint/v3/contenttype/forms"/>
+  </ds:schemaRefs>
+</ds:datastoreItem>
+</file>
+
 <file path=customXml/itemProps3.xml><?xml version="1.0" encoding="utf-8"?>
-<ds:datastoreItem xmlns:ds="http://schemas.openxmlformats.org/officeDocument/2006/customXml" ds:itemID="{5AB8315D-F916-4928-A0C9-DBE51F776603}">
+<ds:datastoreItem xmlns:ds="http://schemas.openxmlformats.org/officeDocument/2006/customXml" ds:itemID="{3A0A4D26-C9F5-482E-BE36-FC07DC209B41}">
   <ds:schemaRefs>
+    <ds:schemaRef ds:uri="6f6dafa2-8e0b-4e0c-b90a-acfc13217643"/>
     <ds:schemaRef ds:uri="d75244dc-8025-424b-bb51-4005f6ff4329"/>
     <ds:schemaRef ds:uri="http://purl.org/dc/elements/1.1/"/>
     <ds:schemaRef ds:uri="http://purl.org/dc/terms/"/>
